--- a/deliverables/Semantic Role Labelling in Hindi - Final Report - TeamRapids.pptx
+++ b/deliverables/Semantic Role Labelling in Hindi - Final Report - TeamRapids.pptx
@@ -1,48 +1,54 @@
 
 <file path=ppt/presentation.xml><?xml version="1.0" encoding="utf-8"?>
-<p:presentation xmlns:a="http://schemas.openxmlformats.org/drawingml/2006/main" xmlns:r="http://schemas.openxmlformats.org/officeDocument/2006/relationships" xmlns:mc="http://schemas.openxmlformats.org/markup-compatibility/2006" xmlns:mv="urn:schemas-microsoft-com:mac:vml" xmlns:p="http://schemas.openxmlformats.org/presentationml/2006/main" xmlns:c="http://schemas.openxmlformats.org/drawingml/2006/chart" xmlns:dgm="http://schemas.openxmlformats.org/drawingml/2006/diagram" xmlns:o="urn:schemas-microsoft-com:office:office" xmlns:v="urn:schemas-microsoft-com:vml" xmlns:pvml="urn:schemas-microsoft-com:office:powerpoint" xmlns:com="http://schemas.openxmlformats.org/drawingml/2006/compatibility" xmlns:p14="http://schemas.microsoft.com/office/powerpoint/2010/main" xmlns:p15="http://schemas.microsoft.com/office/powerpoint/2012/main" xmlns:ahyp="http://schemas.microsoft.com/office/drawing/2018/hyperlinkcolor" autoCompressPictures="0" embedTrueTypeFonts="1" strictFirstAndLastChars="0" saveSubsetFonts="1">
+<p:presentation xmlns:a="http://schemas.openxmlformats.org/drawingml/2006/main" xmlns:r="http://schemas.openxmlformats.org/officeDocument/2006/relationships" xmlns:p="http://schemas.openxmlformats.org/presentationml/2006/main" strictFirstAndLastChars="0" embedTrueTypeFonts="1" saveSubsetFonts="1" autoCompressPictures="0">
   <p:sldMasterIdLst>
-    <p:sldMasterId id="2147483659" r:id="rId5"/>
+    <p:sldMasterId id="2147483659" r:id="rId1"/>
   </p:sldMasterIdLst>
   <p:notesMasterIdLst>
-    <p:notesMasterId r:id="rId6"/>
+    <p:notesMasterId r:id="rId16"/>
   </p:notesMasterIdLst>
   <p:sldIdLst>
-    <p:sldId id="256" r:id="rId7"/>
-    <p:sldId id="257" r:id="rId8"/>
-    <p:sldId id="258" r:id="rId9"/>
-    <p:sldId id="259" r:id="rId10"/>
-    <p:sldId id="260" r:id="rId11"/>
-    <p:sldId id="261" r:id="rId12"/>
-    <p:sldId id="262" r:id="rId13"/>
-    <p:sldId id="263" r:id="rId14"/>
-    <p:sldId id="264" r:id="rId15"/>
-    <p:sldId id="265" r:id="rId16"/>
-    <p:sldId id="266" r:id="rId17"/>
-    <p:sldId id="267" r:id="rId18"/>
-    <p:sldId id="268" r:id="rId19"/>
-    <p:sldId id="269" r:id="rId20"/>
+    <p:sldId id="256" r:id="rId2"/>
+    <p:sldId id="257" r:id="rId3"/>
+    <p:sldId id="258" r:id="rId4"/>
+    <p:sldId id="259" r:id="rId5"/>
+    <p:sldId id="260" r:id="rId6"/>
+    <p:sldId id="261" r:id="rId7"/>
+    <p:sldId id="262" r:id="rId8"/>
+    <p:sldId id="263" r:id="rId9"/>
+    <p:sldId id="264" r:id="rId10"/>
+    <p:sldId id="265" r:id="rId11"/>
+    <p:sldId id="266" r:id="rId12"/>
+    <p:sldId id="267" r:id="rId13"/>
+    <p:sldId id="268" r:id="rId14"/>
+    <p:sldId id="269" r:id="rId15"/>
   </p:sldIdLst>
-  <p:sldSz cy="5143500" cx="9144000"/>
+  <p:sldSz cx="9144000" cy="5143500" type="screen16x9"/>
   <p:notesSz cx="6858000" cy="9144000"/>
   <p:embeddedFontLst>
     <p:embeddedFont>
-      <p:font typeface="Playfair Display"/>
-      <p:regular r:id="rId21"/>
-      <p:bold r:id="rId22"/>
-      <p:italic r:id="rId23"/>
-      <p:boldItalic r:id="rId24"/>
+      <p:font typeface="Georgia" panose="02040502050405020303" pitchFamily="18" charset="0"/>
+      <p:regular r:id="rId17"/>
+      <p:bold r:id="rId18"/>
+      <p:italic r:id="rId19"/>
     </p:embeddedFont>
     <p:embeddedFont>
-      <p:font typeface="Lato"/>
-      <p:regular r:id="rId25"/>
-      <p:bold r:id="rId26"/>
-      <p:italic r:id="rId27"/>
-      <p:boldItalic r:id="rId28"/>
+      <p:font typeface="Lato" panose="020F0302020204030203" pitchFamily="34" charset="77"/>
+      <p:regular r:id="rId20"/>
+      <p:bold r:id="rId21"/>
+      <p:italic r:id="rId22"/>
+      <p:boldItalic r:id="rId23"/>
+    </p:embeddedFont>
+    <p:embeddedFont>
+      <p:font typeface="Playfair Display" pitchFamily="2" charset="77"/>
+      <p:regular r:id="rId24"/>
+      <p:bold r:id="rId25"/>
+      <p:italic r:id="rId26"/>
+      <p:boldItalic r:id="rId27"/>
     </p:embeddedFont>
   </p:embeddedFontLst>
   <p:defaultTextStyle>
-    <a:defPPr lvl="0" marR="0" rtl="0" algn="l">
+    <a:defPPr marR="0" lvl="0" algn="l" rtl="0">
       <a:lnSpc>
         <a:spcPct val="100000"/>
       </a:lnSpc>
@@ -53,7 +59,7 @@
         <a:spcPts val="0"/>
       </a:spcAft>
     </a:defPPr>
-    <a:lvl1pPr lvl="0" marR="0" rtl="0" algn="l">
+    <a:lvl1pPr marR="0" lvl="0" algn="l" rtl="0">
       <a:lnSpc>
         <a:spcPct val="100000"/>
       </a:lnSpc>
@@ -67,7 +73,7 @@
         <a:srgbClr val="000000"/>
       </a:buClr>
       <a:buFont typeface="Arial"/>
-      <a:defRPr b="0" i="0" sz="1400" u="none" cap="none" strike="noStrike">
+      <a:defRPr sz="1400" b="0" i="0" u="none" strike="noStrike" cap="none">
         <a:solidFill>
           <a:srgbClr val="000000"/>
         </a:solidFill>
@@ -77,7 +83,7 @@
         <a:sym typeface="Arial"/>
       </a:defRPr>
     </a:lvl1pPr>
-    <a:lvl2pPr lvl="1" marR="0" rtl="0" algn="l">
+    <a:lvl2pPr marR="0" lvl="1" algn="l" rtl="0">
       <a:lnSpc>
         <a:spcPct val="100000"/>
       </a:lnSpc>
@@ -91,7 +97,7 @@
         <a:srgbClr val="000000"/>
       </a:buClr>
       <a:buFont typeface="Arial"/>
-      <a:defRPr b="0" i="0" sz="1400" u="none" cap="none" strike="noStrike">
+      <a:defRPr sz="1400" b="0" i="0" u="none" strike="noStrike" cap="none">
         <a:solidFill>
           <a:srgbClr val="000000"/>
         </a:solidFill>
@@ -101,7 +107,7 @@
         <a:sym typeface="Arial"/>
       </a:defRPr>
     </a:lvl2pPr>
-    <a:lvl3pPr lvl="2" marR="0" rtl="0" algn="l">
+    <a:lvl3pPr marR="0" lvl="2" algn="l" rtl="0">
       <a:lnSpc>
         <a:spcPct val="100000"/>
       </a:lnSpc>
@@ -115,7 +121,7 @@
         <a:srgbClr val="000000"/>
       </a:buClr>
       <a:buFont typeface="Arial"/>
-      <a:defRPr b="0" i="0" sz="1400" u="none" cap="none" strike="noStrike">
+      <a:defRPr sz="1400" b="0" i="0" u="none" strike="noStrike" cap="none">
         <a:solidFill>
           <a:srgbClr val="000000"/>
         </a:solidFill>
@@ -125,7 +131,7 @@
         <a:sym typeface="Arial"/>
       </a:defRPr>
     </a:lvl3pPr>
-    <a:lvl4pPr lvl="3" marR="0" rtl="0" algn="l">
+    <a:lvl4pPr marR="0" lvl="3" algn="l" rtl="0">
       <a:lnSpc>
         <a:spcPct val="100000"/>
       </a:lnSpc>
@@ -139,7 +145,7 @@
         <a:srgbClr val="000000"/>
       </a:buClr>
       <a:buFont typeface="Arial"/>
-      <a:defRPr b="0" i="0" sz="1400" u="none" cap="none" strike="noStrike">
+      <a:defRPr sz="1400" b="0" i="0" u="none" strike="noStrike" cap="none">
         <a:solidFill>
           <a:srgbClr val="000000"/>
         </a:solidFill>
@@ -149,7 +155,7 @@
         <a:sym typeface="Arial"/>
       </a:defRPr>
     </a:lvl4pPr>
-    <a:lvl5pPr lvl="4" marR="0" rtl="0" algn="l">
+    <a:lvl5pPr marR="0" lvl="4" algn="l" rtl="0">
       <a:lnSpc>
         <a:spcPct val="100000"/>
       </a:lnSpc>
@@ -163,7 +169,7 @@
         <a:srgbClr val="000000"/>
       </a:buClr>
       <a:buFont typeface="Arial"/>
-      <a:defRPr b="0" i="0" sz="1400" u="none" cap="none" strike="noStrike">
+      <a:defRPr sz="1400" b="0" i="0" u="none" strike="noStrike" cap="none">
         <a:solidFill>
           <a:srgbClr val="000000"/>
         </a:solidFill>
@@ -173,7 +179,7 @@
         <a:sym typeface="Arial"/>
       </a:defRPr>
     </a:lvl5pPr>
-    <a:lvl6pPr lvl="5" marR="0" rtl="0" algn="l">
+    <a:lvl6pPr marR="0" lvl="5" algn="l" rtl="0">
       <a:lnSpc>
         <a:spcPct val="100000"/>
       </a:lnSpc>
@@ -187,7 +193,7 @@
         <a:srgbClr val="000000"/>
       </a:buClr>
       <a:buFont typeface="Arial"/>
-      <a:defRPr b="0" i="0" sz="1400" u="none" cap="none" strike="noStrike">
+      <a:defRPr sz="1400" b="0" i="0" u="none" strike="noStrike" cap="none">
         <a:solidFill>
           <a:srgbClr val="000000"/>
         </a:solidFill>
@@ -197,7 +203,7 @@
         <a:sym typeface="Arial"/>
       </a:defRPr>
     </a:lvl6pPr>
-    <a:lvl7pPr lvl="6" marR="0" rtl="0" algn="l">
+    <a:lvl7pPr marR="0" lvl="6" algn="l" rtl="0">
       <a:lnSpc>
         <a:spcPct val="100000"/>
       </a:lnSpc>
@@ -211,7 +217,7 @@
         <a:srgbClr val="000000"/>
       </a:buClr>
       <a:buFont typeface="Arial"/>
-      <a:defRPr b="0" i="0" sz="1400" u="none" cap="none" strike="noStrike">
+      <a:defRPr sz="1400" b="0" i="0" u="none" strike="noStrike" cap="none">
         <a:solidFill>
           <a:srgbClr val="000000"/>
         </a:solidFill>
@@ -221,7 +227,7 @@
         <a:sym typeface="Arial"/>
       </a:defRPr>
     </a:lvl7pPr>
-    <a:lvl8pPr lvl="7" marR="0" rtl="0" algn="l">
+    <a:lvl8pPr marR="0" lvl="7" algn="l" rtl="0">
       <a:lnSpc>
         <a:spcPct val="100000"/>
       </a:lnSpc>
@@ -235,7 +241,7 @@
         <a:srgbClr val="000000"/>
       </a:buClr>
       <a:buFont typeface="Arial"/>
-      <a:defRPr b="0" i="0" sz="1400" u="none" cap="none" strike="noStrike">
+      <a:defRPr sz="1400" b="0" i="0" u="none" strike="noStrike" cap="none">
         <a:solidFill>
           <a:srgbClr val="000000"/>
         </a:solidFill>
@@ -245,7 +251,7 @@
         <a:sym typeface="Arial"/>
       </a:defRPr>
     </a:lvl8pPr>
-    <a:lvl9pPr lvl="8" marR="0" rtl="0" algn="l">
+    <a:lvl9pPr marR="0" lvl="8" algn="l" rtl="0">
       <a:lnSpc>
         <a:spcPct val="100000"/>
       </a:lnSpc>
@@ -259,7 +265,7 @@
         <a:srgbClr val="000000"/>
       </a:buClr>
       <a:buFont typeface="Arial"/>
-      <a:defRPr b="0" i="0" sz="1400" u="none" cap="none" strike="noStrike">
+      <a:defRPr sz="1400" b="0" i="0" u="none" strike="noStrike" cap="none">
         <a:solidFill>
           <a:srgbClr val="000000"/>
         </a:solidFill>
@@ -272,7 +278,7 @@
   </p:defaultTextStyle>
   <p:extLst>
     <p:ext uri="{EFAFB233-063F-42B5-8137-9DF3F51BA10A}">
-      <p15:sldGuideLst>
+      <p15:sldGuideLst xmlns:p15="http://schemas.microsoft.com/office/powerpoint/2012/main">
         <p15:guide id="1" orient="horz" pos="1620">
           <p15:clr>
             <a:srgbClr val="A4A3A4"/>
@@ -290,11 +296,16 @@
 </file>
 
 <file path=ppt/notesMasters/notesMaster1.xml><?xml version="1.0" encoding="utf-8"?>
-<p:notesMaster xmlns:a="http://schemas.openxmlformats.org/drawingml/2006/main" xmlns:r="http://schemas.openxmlformats.org/officeDocument/2006/relationships" xmlns:mc="http://schemas.openxmlformats.org/markup-compatibility/2006" xmlns:mv="urn:schemas-microsoft-com:mac:vml" xmlns:p="http://schemas.openxmlformats.org/presentationml/2006/main" xmlns:c="http://schemas.openxmlformats.org/drawingml/2006/chart" xmlns:dgm="http://schemas.openxmlformats.org/drawingml/2006/diagram" xmlns:o="urn:schemas-microsoft-com:office:office" xmlns:v="urn:schemas-microsoft-com:vml" xmlns:pvml="urn:schemas-microsoft-com:office:powerpoint" xmlns:com="http://schemas.openxmlformats.org/drawingml/2006/compatibility" xmlns:p14="http://schemas.microsoft.com/office/powerpoint/2010/main" xmlns:p15="http://schemas.microsoft.com/office/powerpoint/2012/main" xmlns:ahyp="http://schemas.microsoft.com/office/drawing/2018/hyperlinkcolor">
+<p:notesMaster xmlns:a="http://schemas.openxmlformats.org/drawingml/2006/main" xmlns:r="http://schemas.openxmlformats.org/officeDocument/2006/relationships" xmlns:p="http://schemas.openxmlformats.org/presentationml/2006/main">
   <p:cSld>
+    <p:bg>
+      <p:bgRef idx="1001">
+        <a:schemeClr val="bg1"/>
+      </p:bgRef>
+    </p:bg>
     <p:spTree>
       <p:nvGrpSpPr>
-        <p:cNvPr id="2" name="Shape 2"/>
+        <p:cNvPr id="1" name="Shape 2"/>
         <p:cNvGrpSpPr/>
         <p:nvPr/>
       </p:nvGrpSpPr>
@@ -309,9 +320,11 @@
       <p:sp>
         <p:nvSpPr>
           <p:cNvPr id="3" name="Google Shape;3;n"/>
-          <p:cNvSpPr/>
+          <p:cNvSpPr>
+            <a:spLocks noGrp="1" noRot="1" noChangeAspect="1"/>
+          </p:cNvSpPr>
           <p:nvPr>
-            <p:ph idx="2" type="sldImg"/>
+            <p:ph type="sldImg" idx="2"/>
           </p:nvPr>
         </p:nvSpPr>
         <p:spPr>
@@ -320,9 +333,13 @@
             <a:ext cx="6096075" cy="3429000"/>
           </a:xfrm>
           <a:custGeom>
-            <a:rect b="b" l="l" r="r" t="t"/>
+            <a:avLst/>
+            <a:gdLst/>
+            <a:ahLst/>
+            <a:cxnLst/>
+            <a:rect l="l" t="t" r="r" b="b"/>
             <a:pathLst>
-              <a:path extrusionOk="0" h="120000" w="120000">
+              <a:path w="120000" h="120000" extrusionOk="0">
                 <a:moveTo>
                   <a:pt x="0" y="0"/>
                 </a:moveTo>
@@ -340,23 +357,25 @@
             </a:pathLst>
           </a:custGeom>
           <a:noFill/>
-          <a:ln cap="flat" cmpd="sng" w="9525">
+          <a:ln w="9525" cap="flat" cmpd="sng">
             <a:solidFill>
               <a:srgbClr val="000000"/>
             </a:solidFill>
             <a:prstDash val="solid"/>
             <a:round/>
-            <a:headEnd len="sm" w="sm" type="none"/>
-            <a:tailEnd len="sm" w="sm" type="none"/>
+            <a:headEnd type="none" w="sm" len="sm"/>
+            <a:tailEnd type="none" w="sm" len="sm"/>
           </a:ln>
         </p:spPr>
       </p:sp>
       <p:sp>
         <p:nvSpPr>
           <p:cNvPr id="4" name="Google Shape;4;n"/>
-          <p:cNvSpPr txBox="1"/>
+          <p:cNvSpPr txBox="1">
+            <a:spLocks noGrp="1"/>
+          </p:cNvSpPr>
           <p:nvPr>
-            <p:ph idx="1" type="body"/>
+            <p:ph type="body" idx="1"/>
           </p:nvPr>
         </p:nvSpPr>
         <p:spPr>
@@ -373,11 +392,11 @@
           </a:ln>
         </p:spPr>
         <p:txBody>
-          <a:bodyPr anchorCtr="0" anchor="t" bIns="91425" lIns="91425" spcFirstLastPara="1" rIns="91425" wrap="square" tIns="91425">
+          <a:bodyPr spcFirstLastPara="1" wrap="square" lIns="91425" tIns="91425" rIns="91425" bIns="91425" anchor="t" anchorCtr="0">
             <a:noAutofit/>
           </a:bodyPr>
           <a:lstStyle>
-            <a:lvl1pPr indent="-298450" lvl="0" marL="457200">
+            <a:lvl1pPr marL="457200" lvl="0" indent="-298450">
               <a:spcBef>
                 <a:spcPts val="0"/>
               </a:spcBef>
@@ -388,7 +407,7 @@
               <a:buChar char="●"/>
               <a:defRPr sz="1100"/>
             </a:lvl1pPr>
-            <a:lvl2pPr indent="-298450" lvl="1" marL="914400">
+            <a:lvl2pPr marL="914400" lvl="1" indent="-298450">
               <a:spcBef>
                 <a:spcPts val="0"/>
               </a:spcBef>
@@ -399,7 +418,7 @@
               <a:buChar char="○"/>
               <a:defRPr sz="1100"/>
             </a:lvl2pPr>
-            <a:lvl3pPr indent="-298450" lvl="2" marL="1371600">
+            <a:lvl3pPr marL="1371600" lvl="2" indent="-298450">
               <a:spcBef>
                 <a:spcPts val="0"/>
               </a:spcBef>
@@ -410,7 +429,7 @@
               <a:buChar char="■"/>
               <a:defRPr sz="1100"/>
             </a:lvl3pPr>
-            <a:lvl4pPr indent="-298450" lvl="3" marL="1828800">
+            <a:lvl4pPr marL="1828800" lvl="3" indent="-298450">
               <a:spcBef>
                 <a:spcPts val="0"/>
               </a:spcBef>
@@ -421,7 +440,7 @@
               <a:buChar char="●"/>
               <a:defRPr sz="1100"/>
             </a:lvl4pPr>
-            <a:lvl5pPr indent="-298450" lvl="4" marL="2286000">
+            <a:lvl5pPr marL="2286000" lvl="4" indent="-298450">
               <a:spcBef>
                 <a:spcPts val="0"/>
               </a:spcBef>
@@ -432,7 +451,7 @@
               <a:buChar char="○"/>
               <a:defRPr sz="1100"/>
             </a:lvl5pPr>
-            <a:lvl6pPr indent="-298450" lvl="5" marL="2743200">
+            <a:lvl6pPr marL="2743200" lvl="5" indent="-298450">
               <a:spcBef>
                 <a:spcPts val="0"/>
               </a:spcBef>
@@ -443,7 +462,7 @@
               <a:buChar char="■"/>
               <a:defRPr sz="1100"/>
             </a:lvl6pPr>
-            <a:lvl7pPr indent="-298450" lvl="6" marL="3200400">
+            <a:lvl7pPr marL="3200400" lvl="6" indent="-298450">
               <a:spcBef>
                 <a:spcPts val="0"/>
               </a:spcBef>
@@ -454,7 +473,7 @@
               <a:buChar char="●"/>
               <a:defRPr sz="1100"/>
             </a:lvl7pPr>
-            <a:lvl8pPr indent="-298450" lvl="7" marL="3657600">
+            <a:lvl8pPr marL="3657600" lvl="7" indent="-298450">
               <a:spcBef>
                 <a:spcPts val="0"/>
               </a:spcBef>
@@ -465,7 +484,7 @@
               <a:buChar char="○"/>
               <a:defRPr sz="1100"/>
             </a:lvl8pPr>
-            <a:lvl9pPr indent="-298450" lvl="8" marL="4114800">
+            <a:lvl9pPr marL="4114800" lvl="8" indent="-298450">
               <a:spcBef>
                 <a:spcPts val="0"/>
               </a:spcBef>
@@ -477,14 +496,16 @@
               <a:defRPr sz="1100"/>
             </a:lvl9pPr>
           </a:lstStyle>
-          <a:p/>
+          <a:p>
+            <a:endParaRPr/>
+          </a:p>
         </p:txBody>
       </p:sp>
     </p:spTree>
   </p:cSld>
-  <p:clrMap accent1="accent1" accent2="accent2" accent3="accent3" accent4="accent4" accent5="accent5" accent6="accent6" bg1="lt1" bg2="dk2" tx1="dk1" tx2="lt2" folHlink="folHlink" hlink="hlink"/>
+  <p:clrMap bg1="lt1" tx1="dk1" bg2="dk2" tx2="lt2" accent1="accent1" accent2="accent2" accent3="accent3" accent4="accent4" accent5="accent5" accent6="accent6" hlink="hlink" folHlink="folHlink"/>
   <p:notesStyle>
-    <a:defPPr lvl="0" marR="0" rtl="0" algn="l">
+    <a:defPPr marR="0" lvl="0" algn="l" rtl="0">
       <a:lnSpc>
         <a:spcPct val="100000"/>
       </a:lnSpc>
@@ -495,7 +516,7 @@
         <a:spcPts val="0"/>
       </a:spcAft>
     </a:defPPr>
-    <a:lvl1pPr lvl="0" marR="0" rtl="0" algn="l">
+    <a:lvl1pPr marR="0" lvl="0" algn="l" rtl="0">
       <a:lnSpc>
         <a:spcPct val="100000"/>
       </a:lnSpc>
@@ -509,7 +530,7 @@
         <a:srgbClr val="000000"/>
       </a:buClr>
       <a:buFont typeface="Arial"/>
-      <a:defRPr b="0" i="0" sz="1400" u="none" cap="none" strike="noStrike">
+      <a:defRPr sz="1400" b="0" i="0" u="none" strike="noStrike" cap="none">
         <a:solidFill>
           <a:srgbClr val="000000"/>
         </a:solidFill>
@@ -519,7 +540,7 @@
         <a:sym typeface="Arial"/>
       </a:defRPr>
     </a:lvl1pPr>
-    <a:lvl2pPr lvl="1" marR="0" rtl="0" algn="l">
+    <a:lvl2pPr marR="0" lvl="1" algn="l" rtl="0">
       <a:lnSpc>
         <a:spcPct val="100000"/>
       </a:lnSpc>
@@ -533,7 +554,7 @@
         <a:srgbClr val="000000"/>
       </a:buClr>
       <a:buFont typeface="Arial"/>
-      <a:defRPr b="0" i="0" sz="1400" u="none" cap="none" strike="noStrike">
+      <a:defRPr sz="1400" b="0" i="0" u="none" strike="noStrike" cap="none">
         <a:solidFill>
           <a:srgbClr val="000000"/>
         </a:solidFill>
@@ -543,7 +564,7 @@
         <a:sym typeface="Arial"/>
       </a:defRPr>
     </a:lvl2pPr>
-    <a:lvl3pPr lvl="2" marR="0" rtl="0" algn="l">
+    <a:lvl3pPr marR="0" lvl="2" algn="l" rtl="0">
       <a:lnSpc>
         <a:spcPct val="100000"/>
       </a:lnSpc>
@@ -557,7 +578,7 @@
         <a:srgbClr val="000000"/>
       </a:buClr>
       <a:buFont typeface="Arial"/>
-      <a:defRPr b="0" i="0" sz="1400" u="none" cap="none" strike="noStrike">
+      <a:defRPr sz="1400" b="0" i="0" u="none" strike="noStrike" cap="none">
         <a:solidFill>
           <a:srgbClr val="000000"/>
         </a:solidFill>
@@ -567,7 +588,7 @@
         <a:sym typeface="Arial"/>
       </a:defRPr>
     </a:lvl3pPr>
-    <a:lvl4pPr lvl="3" marR="0" rtl="0" algn="l">
+    <a:lvl4pPr marR="0" lvl="3" algn="l" rtl="0">
       <a:lnSpc>
         <a:spcPct val="100000"/>
       </a:lnSpc>
@@ -581,7 +602,7 @@
         <a:srgbClr val="000000"/>
       </a:buClr>
       <a:buFont typeface="Arial"/>
-      <a:defRPr b="0" i="0" sz="1400" u="none" cap="none" strike="noStrike">
+      <a:defRPr sz="1400" b="0" i="0" u="none" strike="noStrike" cap="none">
         <a:solidFill>
           <a:srgbClr val="000000"/>
         </a:solidFill>
@@ -591,7 +612,7 @@
         <a:sym typeface="Arial"/>
       </a:defRPr>
     </a:lvl4pPr>
-    <a:lvl5pPr lvl="4" marR="0" rtl="0" algn="l">
+    <a:lvl5pPr marR="0" lvl="4" algn="l" rtl="0">
       <a:lnSpc>
         <a:spcPct val="100000"/>
       </a:lnSpc>
@@ -605,7 +626,7 @@
         <a:srgbClr val="000000"/>
       </a:buClr>
       <a:buFont typeface="Arial"/>
-      <a:defRPr b="0" i="0" sz="1400" u="none" cap="none" strike="noStrike">
+      <a:defRPr sz="1400" b="0" i="0" u="none" strike="noStrike" cap="none">
         <a:solidFill>
           <a:srgbClr val="000000"/>
         </a:solidFill>
@@ -615,7 +636,7 @@
         <a:sym typeface="Arial"/>
       </a:defRPr>
     </a:lvl5pPr>
-    <a:lvl6pPr lvl="5" marR="0" rtl="0" algn="l">
+    <a:lvl6pPr marR="0" lvl="5" algn="l" rtl="0">
       <a:lnSpc>
         <a:spcPct val="100000"/>
       </a:lnSpc>
@@ -629,7 +650,7 @@
         <a:srgbClr val="000000"/>
       </a:buClr>
       <a:buFont typeface="Arial"/>
-      <a:defRPr b="0" i="0" sz="1400" u="none" cap="none" strike="noStrike">
+      <a:defRPr sz="1400" b="0" i="0" u="none" strike="noStrike" cap="none">
         <a:solidFill>
           <a:srgbClr val="000000"/>
         </a:solidFill>
@@ -639,7 +660,7 @@
         <a:sym typeface="Arial"/>
       </a:defRPr>
     </a:lvl6pPr>
-    <a:lvl7pPr lvl="6" marR="0" rtl="0" algn="l">
+    <a:lvl7pPr marR="0" lvl="6" algn="l" rtl="0">
       <a:lnSpc>
         <a:spcPct val="100000"/>
       </a:lnSpc>
@@ -653,7 +674,7 @@
         <a:srgbClr val="000000"/>
       </a:buClr>
       <a:buFont typeface="Arial"/>
-      <a:defRPr b="0" i="0" sz="1400" u="none" cap="none" strike="noStrike">
+      <a:defRPr sz="1400" b="0" i="0" u="none" strike="noStrike" cap="none">
         <a:solidFill>
           <a:srgbClr val="000000"/>
         </a:solidFill>
@@ -663,7 +684,7 @@
         <a:sym typeface="Arial"/>
       </a:defRPr>
     </a:lvl7pPr>
-    <a:lvl8pPr lvl="7" marR="0" rtl="0" algn="l">
+    <a:lvl8pPr marR="0" lvl="7" algn="l" rtl="0">
       <a:lnSpc>
         <a:spcPct val="100000"/>
       </a:lnSpc>
@@ -677,7 +698,7 @@
         <a:srgbClr val="000000"/>
       </a:buClr>
       <a:buFont typeface="Arial"/>
-      <a:defRPr b="0" i="0" sz="1400" u="none" cap="none" strike="noStrike">
+      <a:defRPr sz="1400" b="0" i="0" u="none" strike="noStrike" cap="none">
         <a:solidFill>
           <a:srgbClr val="000000"/>
         </a:solidFill>
@@ -687,7 +708,7 @@
         <a:sym typeface="Arial"/>
       </a:defRPr>
     </a:lvl8pPr>
-    <a:lvl9pPr lvl="8" marR="0" rtl="0" algn="l">
+    <a:lvl9pPr marR="0" lvl="8" algn="l" rtl="0">
       <a:lnSpc>
         <a:spcPct val="100000"/>
       </a:lnSpc>
@@ -701,7 +722,7 @@
         <a:srgbClr val="000000"/>
       </a:buClr>
       <a:buFont typeface="Arial"/>
-      <a:defRPr b="0" i="0" sz="1400" u="none" cap="none" strike="noStrike">
+      <a:defRPr sz="1400" b="0" i="0" u="none" strike="noStrike" cap="none">
         <a:solidFill>
           <a:srgbClr val="000000"/>
         </a:solidFill>
@@ -716,11 +737,11 @@
 </file>
 
 <file path=ppt/notesSlides/notesSlide1.xml><?xml version="1.0" encoding="utf-8"?>
-<p:notes xmlns:a="http://schemas.openxmlformats.org/drawingml/2006/main" xmlns:r="http://schemas.openxmlformats.org/officeDocument/2006/relationships" xmlns:mc="http://schemas.openxmlformats.org/markup-compatibility/2006" xmlns:mv="urn:schemas-microsoft-com:mac:vml" xmlns:p="http://schemas.openxmlformats.org/presentationml/2006/main" xmlns:c="http://schemas.openxmlformats.org/drawingml/2006/chart" xmlns:dgm="http://schemas.openxmlformats.org/drawingml/2006/diagram" xmlns:o="urn:schemas-microsoft-com:office:office" xmlns:v="urn:schemas-microsoft-com:vml" xmlns:pvml="urn:schemas-microsoft-com:office:powerpoint" xmlns:com="http://schemas.openxmlformats.org/drawingml/2006/compatibility" xmlns:p14="http://schemas.microsoft.com/office/powerpoint/2010/main" xmlns:p15="http://schemas.microsoft.com/office/powerpoint/2012/main" xmlns:ahyp="http://schemas.microsoft.com/office/drawing/2018/hyperlinkcolor" showMasterPhAnim="0" showMasterSp="0">
+<p:notes xmlns:a="http://schemas.openxmlformats.org/drawingml/2006/main" xmlns:r="http://schemas.openxmlformats.org/officeDocument/2006/relationships" xmlns:p="http://schemas.openxmlformats.org/presentationml/2006/main" showMasterSp="0" showMasterPhAnim="0">
   <p:cSld>
     <p:spTree>
       <p:nvGrpSpPr>
-        <p:cNvPr id="55" name="Shape 55"/>
+        <p:cNvPr id="1" name="Shape 55"/>
         <p:cNvGrpSpPr/>
         <p:nvPr/>
       </p:nvGrpSpPr>
@@ -735,20 +756,26 @@
       <p:sp>
         <p:nvSpPr>
           <p:cNvPr id="56" name="Google Shape;56;p:notes"/>
-          <p:cNvSpPr/>
+          <p:cNvSpPr>
+            <a:spLocks noGrp="1" noRot="1" noChangeAspect="1"/>
+          </p:cNvSpPr>
           <p:nvPr>
-            <p:ph idx="2" type="sldImg"/>
+            <p:ph type="sldImg" idx="2"/>
           </p:nvPr>
         </p:nvSpPr>
         <p:spPr>
           <a:xfrm>
-            <a:off x="381300" y="685800"/>
-            <a:ext cx="6096075" cy="3429000"/>
+            <a:off x="381000" y="685800"/>
+            <a:ext cx="6096000" cy="3429000"/>
           </a:xfrm>
           <a:custGeom>
-            <a:rect b="b" l="l" r="r" t="t"/>
+            <a:avLst/>
+            <a:gdLst/>
+            <a:ahLst/>
+            <a:cxnLst/>
+            <a:rect l="l" t="t" r="r" b="b"/>
             <a:pathLst>
-              <a:path extrusionOk="0" h="120000" w="120000">
+              <a:path w="120000" h="120000" extrusionOk="0">
                 <a:moveTo>
                   <a:pt x="0" y="0"/>
                 </a:moveTo>
@@ -770,9 +797,11 @@
       <p:sp>
         <p:nvSpPr>
           <p:cNvPr id="57" name="Google Shape;57;p:notes"/>
-          <p:cNvSpPr txBox="1"/>
+          <p:cNvSpPr txBox="1">
+            <a:spLocks noGrp="1"/>
+          </p:cNvSpPr>
           <p:nvPr>
-            <p:ph idx="1" type="body"/>
+            <p:ph type="body" idx="1"/>
           </p:nvPr>
         </p:nvSpPr>
         <p:spPr>
@@ -785,23 +814,20 @@
           </a:prstGeom>
         </p:spPr>
         <p:txBody>
-          <a:bodyPr anchorCtr="0" anchor="t" bIns="91425" lIns="91425" spcFirstLastPara="1" rIns="91425" wrap="square" tIns="91425">
+          <a:bodyPr spcFirstLastPara="1" wrap="square" lIns="91425" tIns="91425" rIns="91425" bIns="91425" anchor="t" anchorCtr="0">
             <a:noAutofit/>
           </a:bodyPr>
           <a:lstStyle/>
           <a:p>
-            <a:pPr indent="0" lvl="0" marL="0" rtl="0" algn="l">
-              <a:spcBef>
-                <a:spcPts val="0"/>
-              </a:spcBef>
-              <a:spcAft>
-                <a:spcPts val="0"/>
-              </a:spcAft>
-              <a:buNone/>
-            </a:pPr>
-            <a:r>
-              <a:t/>
-            </a:r>
+            <a:pPr marL="0" lvl="0" indent="0" algn="l" rtl="0">
+              <a:spcBef>
+                <a:spcPts val="0"/>
+              </a:spcBef>
+              <a:spcAft>
+                <a:spcPts val="0"/>
+              </a:spcAft>
+              <a:buNone/>
+            </a:pPr>
             <a:endParaRPr/>
           </a:p>
         </p:txBody>
@@ -815,11 +841,11 @@
 </file>
 
 <file path=ppt/notesSlides/notesSlide10.xml><?xml version="1.0" encoding="utf-8"?>
-<p:notes xmlns:a="http://schemas.openxmlformats.org/drawingml/2006/main" xmlns:r="http://schemas.openxmlformats.org/officeDocument/2006/relationships" xmlns:mc="http://schemas.openxmlformats.org/markup-compatibility/2006" xmlns:mv="urn:schemas-microsoft-com:mac:vml" xmlns:p="http://schemas.openxmlformats.org/presentationml/2006/main" xmlns:c="http://schemas.openxmlformats.org/drawingml/2006/chart" xmlns:dgm="http://schemas.openxmlformats.org/drawingml/2006/diagram" xmlns:o="urn:schemas-microsoft-com:office:office" xmlns:v="urn:schemas-microsoft-com:vml" xmlns:pvml="urn:schemas-microsoft-com:office:powerpoint" xmlns:com="http://schemas.openxmlformats.org/drawingml/2006/compatibility" xmlns:p14="http://schemas.microsoft.com/office/powerpoint/2010/main" xmlns:p15="http://schemas.microsoft.com/office/powerpoint/2012/main" xmlns:ahyp="http://schemas.microsoft.com/office/drawing/2018/hyperlinkcolor" showMasterPhAnim="0" showMasterSp="0">
+<p:notes xmlns:a="http://schemas.openxmlformats.org/drawingml/2006/main" xmlns:r="http://schemas.openxmlformats.org/officeDocument/2006/relationships" xmlns:p="http://schemas.openxmlformats.org/presentationml/2006/main" showMasterSp="0" showMasterPhAnim="0">
   <p:cSld>
     <p:spTree>
       <p:nvGrpSpPr>
-        <p:cNvPr id="119" name="Shape 119"/>
+        <p:cNvPr id="1" name="Shape 119"/>
         <p:cNvGrpSpPr/>
         <p:nvPr/>
       </p:nvGrpSpPr>
@@ -834,9 +860,11 @@
       <p:sp>
         <p:nvSpPr>
           <p:cNvPr id="120" name="Google Shape;120;gd611b12ea7_0_0:notes"/>
-          <p:cNvSpPr/>
+          <p:cNvSpPr>
+            <a:spLocks noGrp="1" noRot="1" noChangeAspect="1"/>
+          </p:cNvSpPr>
           <p:nvPr>
-            <p:ph idx="2" type="sldImg"/>
+            <p:ph type="sldImg" idx="2"/>
           </p:nvPr>
         </p:nvSpPr>
         <p:spPr>
@@ -845,9 +873,13 @@
             <a:ext cx="6096000" cy="3429000"/>
           </a:xfrm>
           <a:custGeom>
-            <a:rect b="b" l="l" r="r" t="t"/>
+            <a:avLst/>
+            <a:gdLst/>
+            <a:ahLst/>
+            <a:cxnLst/>
+            <a:rect l="l" t="t" r="r" b="b"/>
             <a:pathLst>
-              <a:path extrusionOk="0" h="120000" w="120000">
+              <a:path w="120000" h="120000" extrusionOk="0">
                 <a:moveTo>
                   <a:pt x="0" y="0"/>
                 </a:moveTo>
@@ -869,9 +901,11 @@
       <p:sp>
         <p:nvSpPr>
           <p:cNvPr id="121" name="Google Shape;121;gd611b12ea7_0_0:notes"/>
-          <p:cNvSpPr txBox="1"/>
+          <p:cNvSpPr txBox="1">
+            <a:spLocks noGrp="1"/>
+          </p:cNvSpPr>
           <p:nvPr>
-            <p:ph idx="1" type="body"/>
+            <p:ph type="body" idx="1"/>
           </p:nvPr>
         </p:nvSpPr>
         <p:spPr>
@@ -884,23 +918,20 @@
           </a:prstGeom>
         </p:spPr>
         <p:txBody>
-          <a:bodyPr anchorCtr="0" anchor="t" bIns="91425" lIns="91425" spcFirstLastPara="1" rIns="91425" wrap="square" tIns="91425">
+          <a:bodyPr spcFirstLastPara="1" wrap="square" lIns="91425" tIns="91425" rIns="91425" bIns="91425" anchor="t" anchorCtr="0">
             <a:noAutofit/>
           </a:bodyPr>
           <a:lstStyle/>
           <a:p>
-            <a:pPr indent="0" lvl="0" marL="0" rtl="0" algn="l">
-              <a:spcBef>
-                <a:spcPts val="0"/>
-              </a:spcBef>
-              <a:spcAft>
-                <a:spcPts val="0"/>
-              </a:spcAft>
-              <a:buNone/>
-            </a:pPr>
-            <a:r>
-              <a:t/>
-            </a:r>
+            <a:pPr marL="0" lvl="0" indent="0" algn="l" rtl="0">
+              <a:spcBef>
+                <a:spcPts val="0"/>
+              </a:spcBef>
+              <a:spcAft>
+                <a:spcPts val="0"/>
+              </a:spcAft>
+              <a:buNone/>
+            </a:pPr>
             <a:endParaRPr/>
           </a:p>
         </p:txBody>
@@ -914,11 +945,11 @@
 </file>
 
 <file path=ppt/notesSlides/notesSlide11.xml><?xml version="1.0" encoding="utf-8"?>
-<p:notes xmlns:a="http://schemas.openxmlformats.org/drawingml/2006/main" xmlns:r="http://schemas.openxmlformats.org/officeDocument/2006/relationships" xmlns:mc="http://schemas.openxmlformats.org/markup-compatibility/2006" xmlns:mv="urn:schemas-microsoft-com:mac:vml" xmlns:p="http://schemas.openxmlformats.org/presentationml/2006/main" xmlns:c="http://schemas.openxmlformats.org/drawingml/2006/chart" xmlns:dgm="http://schemas.openxmlformats.org/drawingml/2006/diagram" xmlns:o="urn:schemas-microsoft-com:office:office" xmlns:v="urn:schemas-microsoft-com:vml" xmlns:pvml="urn:schemas-microsoft-com:office:powerpoint" xmlns:com="http://schemas.openxmlformats.org/drawingml/2006/compatibility" xmlns:p14="http://schemas.microsoft.com/office/powerpoint/2010/main" xmlns:p15="http://schemas.microsoft.com/office/powerpoint/2012/main" xmlns:ahyp="http://schemas.microsoft.com/office/drawing/2018/hyperlinkcolor" showMasterPhAnim="0" showMasterSp="0">
+<p:notes xmlns:a="http://schemas.openxmlformats.org/drawingml/2006/main" xmlns:r="http://schemas.openxmlformats.org/officeDocument/2006/relationships" xmlns:p="http://schemas.openxmlformats.org/presentationml/2006/main" showMasterSp="0" showMasterPhAnim="0">
   <p:cSld>
     <p:spTree>
       <p:nvGrpSpPr>
-        <p:cNvPr id="126" name="Shape 126"/>
+        <p:cNvPr id="1" name="Shape 126"/>
         <p:cNvGrpSpPr/>
         <p:nvPr/>
       </p:nvGrpSpPr>
@@ -933,9 +964,11 @@
       <p:sp>
         <p:nvSpPr>
           <p:cNvPr id="127" name="Google Shape;127;gd611b12ea7_0_28:notes"/>
-          <p:cNvSpPr/>
+          <p:cNvSpPr>
+            <a:spLocks noGrp="1" noRot="1" noChangeAspect="1"/>
+          </p:cNvSpPr>
           <p:nvPr>
-            <p:ph idx="2" type="sldImg"/>
+            <p:ph type="sldImg" idx="2"/>
           </p:nvPr>
         </p:nvSpPr>
         <p:spPr>
@@ -944,9 +977,13 @@
             <a:ext cx="6096000" cy="3429000"/>
           </a:xfrm>
           <a:custGeom>
-            <a:rect b="b" l="l" r="r" t="t"/>
+            <a:avLst/>
+            <a:gdLst/>
+            <a:ahLst/>
+            <a:cxnLst/>
+            <a:rect l="l" t="t" r="r" b="b"/>
             <a:pathLst>
-              <a:path extrusionOk="0" h="120000" w="120000">
+              <a:path w="120000" h="120000" extrusionOk="0">
                 <a:moveTo>
                   <a:pt x="0" y="0"/>
                 </a:moveTo>
@@ -968,9 +1005,11 @@
       <p:sp>
         <p:nvSpPr>
           <p:cNvPr id="128" name="Google Shape;128;gd611b12ea7_0_28:notes"/>
-          <p:cNvSpPr txBox="1"/>
+          <p:cNvSpPr txBox="1">
+            <a:spLocks noGrp="1"/>
+          </p:cNvSpPr>
           <p:nvPr>
-            <p:ph idx="1" type="body"/>
+            <p:ph type="body" idx="1"/>
           </p:nvPr>
         </p:nvSpPr>
         <p:spPr>
@@ -983,23 +1022,20 @@
           </a:prstGeom>
         </p:spPr>
         <p:txBody>
-          <a:bodyPr anchorCtr="0" anchor="t" bIns="91425" lIns="91425" spcFirstLastPara="1" rIns="91425" wrap="square" tIns="91425">
+          <a:bodyPr spcFirstLastPara="1" wrap="square" lIns="91425" tIns="91425" rIns="91425" bIns="91425" anchor="t" anchorCtr="0">
             <a:noAutofit/>
           </a:bodyPr>
           <a:lstStyle/>
           <a:p>
-            <a:pPr indent="0" lvl="0" marL="0" rtl="0" algn="l">
-              <a:spcBef>
-                <a:spcPts val="0"/>
-              </a:spcBef>
-              <a:spcAft>
-                <a:spcPts val="0"/>
-              </a:spcAft>
-              <a:buNone/>
-            </a:pPr>
-            <a:r>
-              <a:t/>
-            </a:r>
+            <a:pPr marL="0" lvl="0" indent="0" algn="l" rtl="0">
+              <a:spcBef>
+                <a:spcPts val="0"/>
+              </a:spcBef>
+              <a:spcAft>
+                <a:spcPts val="0"/>
+              </a:spcAft>
+              <a:buNone/>
+            </a:pPr>
             <a:endParaRPr/>
           </a:p>
         </p:txBody>
@@ -1013,11 +1049,11 @@
 </file>
 
 <file path=ppt/notesSlides/notesSlide12.xml><?xml version="1.0" encoding="utf-8"?>
-<p:notes xmlns:a="http://schemas.openxmlformats.org/drawingml/2006/main" xmlns:r="http://schemas.openxmlformats.org/officeDocument/2006/relationships" xmlns:mc="http://schemas.openxmlformats.org/markup-compatibility/2006" xmlns:mv="urn:schemas-microsoft-com:mac:vml" xmlns:p="http://schemas.openxmlformats.org/presentationml/2006/main" xmlns:c="http://schemas.openxmlformats.org/drawingml/2006/chart" xmlns:dgm="http://schemas.openxmlformats.org/drawingml/2006/diagram" xmlns:o="urn:schemas-microsoft-com:office:office" xmlns:v="urn:schemas-microsoft-com:vml" xmlns:pvml="urn:schemas-microsoft-com:office:powerpoint" xmlns:com="http://schemas.openxmlformats.org/drawingml/2006/compatibility" xmlns:p14="http://schemas.microsoft.com/office/powerpoint/2010/main" xmlns:p15="http://schemas.microsoft.com/office/powerpoint/2012/main" xmlns:ahyp="http://schemas.microsoft.com/office/drawing/2018/hyperlinkcolor" showMasterPhAnim="0" showMasterSp="0">
+<p:notes xmlns:a="http://schemas.openxmlformats.org/drawingml/2006/main" xmlns:r="http://schemas.openxmlformats.org/officeDocument/2006/relationships" xmlns:p="http://schemas.openxmlformats.org/presentationml/2006/main" showMasterSp="0" showMasterPhAnim="0">
   <p:cSld>
     <p:spTree>
       <p:nvGrpSpPr>
-        <p:cNvPr id="134" name="Shape 134"/>
+        <p:cNvPr id="1" name="Shape 134"/>
         <p:cNvGrpSpPr/>
         <p:nvPr/>
       </p:nvGrpSpPr>
@@ -1032,9 +1068,11 @@
       <p:sp>
         <p:nvSpPr>
           <p:cNvPr id="135" name="Google Shape;135;gd611b12ea7_0_38:notes"/>
-          <p:cNvSpPr/>
+          <p:cNvSpPr>
+            <a:spLocks noGrp="1" noRot="1" noChangeAspect="1"/>
+          </p:cNvSpPr>
           <p:nvPr>
-            <p:ph idx="2" type="sldImg"/>
+            <p:ph type="sldImg" idx="2"/>
           </p:nvPr>
         </p:nvSpPr>
         <p:spPr>
@@ -1043,9 +1081,13 @@
             <a:ext cx="6096000" cy="3429000"/>
           </a:xfrm>
           <a:custGeom>
-            <a:rect b="b" l="l" r="r" t="t"/>
+            <a:avLst/>
+            <a:gdLst/>
+            <a:ahLst/>
+            <a:cxnLst/>
+            <a:rect l="l" t="t" r="r" b="b"/>
             <a:pathLst>
-              <a:path extrusionOk="0" h="120000" w="120000">
+              <a:path w="120000" h="120000" extrusionOk="0">
                 <a:moveTo>
                   <a:pt x="0" y="0"/>
                 </a:moveTo>
@@ -1067,9 +1109,11 @@
       <p:sp>
         <p:nvSpPr>
           <p:cNvPr id="136" name="Google Shape;136;gd611b12ea7_0_38:notes"/>
-          <p:cNvSpPr txBox="1"/>
+          <p:cNvSpPr txBox="1">
+            <a:spLocks noGrp="1"/>
+          </p:cNvSpPr>
           <p:nvPr>
-            <p:ph idx="1" type="body"/>
+            <p:ph type="body" idx="1"/>
           </p:nvPr>
         </p:nvSpPr>
         <p:spPr>
@@ -1082,23 +1126,20 @@
           </a:prstGeom>
         </p:spPr>
         <p:txBody>
-          <a:bodyPr anchorCtr="0" anchor="t" bIns="91425" lIns="91425" spcFirstLastPara="1" rIns="91425" wrap="square" tIns="91425">
+          <a:bodyPr spcFirstLastPara="1" wrap="square" lIns="91425" tIns="91425" rIns="91425" bIns="91425" anchor="t" anchorCtr="0">
             <a:noAutofit/>
           </a:bodyPr>
           <a:lstStyle/>
           <a:p>
-            <a:pPr indent="0" lvl="0" marL="0" rtl="0" algn="l">
-              <a:spcBef>
-                <a:spcPts val="0"/>
-              </a:spcBef>
-              <a:spcAft>
-                <a:spcPts val="0"/>
-              </a:spcAft>
-              <a:buNone/>
-            </a:pPr>
-            <a:r>
-              <a:t/>
-            </a:r>
+            <a:pPr marL="0" lvl="0" indent="0" algn="l" rtl="0">
+              <a:spcBef>
+                <a:spcPts val="0"/>
+              </a:spcBef>
+              <a:spcAft>
+                <a:spcPts val="0"/>
+              </a:spcAft>
+              <a:buNone/>
+            </a:pPr>
             <a:endParaRPr/>
           </a:p>
         </p:txBody>
@@ -1112,11 +1153,11 @@
 </file>
 
 <file path=ppt/notesSlides/notesSlide13.xml><?xml version="1.0" encoding="utf-8"?>
-<p:notes xmlns:a="http://schemas.openxmlformats.org/drawingml/2006/main" xmlns:r="http://schemas.openxmlformats.org/officeDocument/2006/relationships" xmlns:mc="http://schemas.openxmlformats.org/markup-compatibility/2006" xmlns:mv="urn:schemas-microsoft-com:mac:vml" xmlns:p="http://schemas.openxmlformats.org/presentationml/2006/main" xmlns:c="http://schemas.openxmlformats.org/drawingml/2006/chart" xmlns:dgm="http://schemas.openxmlformats.org/drawingml/2006/diagram" xmlns:o="urn:schemas-microsoft-com:office:office" xmlns:v="urn:schemas-microsoft-com:vml" xmlns:pvml="urn:schemas-microsoft-com:office:powerpoint" xmlns:com="http://schemas.openxmlformats.org/drawingml/2006/compatibility" xmlns:p14="http://schemas.microsoft.com/office/powerpoint/2010/main" xmlns:p15="http://schemas.microsoft.com/office/powerpoint/2012/main" xmlns:ahyp="http://schemas.microsoft.com/office/drawing/2018/hyperlinkcolor" showMasterPhAnim="0" showMasterSp="0">
+<p:notes xmlns:a="http://schemas.openxmlformats.org/drawingml/2006/main" xmlns:r="http://schemas.openxmlformats.org/officeDocument/2006/relationships" xmlns:p="http://schemas.openxmlformats.org/presentationml/2006/main" showMasterSp="0" showMasterPhAnim="0">
   <p:cSld>
     <p:spTree>
       <p:nvGrpSpPr>
-        <p:cNvPr id="140" name="Shape 140"/>
+        <p:cNvPr id="1" name="Shape 140"/>
         <p:cNvGrpSpPr/>
         <p:nvPr/>
       </p:nvGrpSpPr>
@@ -1131,9 +1172,11 @@
       <p:sp>
         <p:nvSpPr>
           <p:cNvPr id="141" name="Google Shape;141;gd611b12ea7_0_44:notes"/>
-          <p:cNvSpPr/>
+          <p:cNvSpPr>
+            <a:spLocks noGrp="1" noRot="1" noChangeAspect="1"/>
+          </p:cNvSpPr>
           <p:nvPr>
-            <p:ph idx="2" type="sldImg"/>
+            <p:ph type="sldImg" idx="2"/>
           </p:nvPr>
         </p:nvSpPr>
         <p:spPr>
@@ -1142,9 +1185,13 @@
             <a:ext cx="6096000" cy="3429000"/>
           </a:xfrm>
           <a:custGeom>
-            <a:rect b="b" l="l" r="r" t="t"/>
+            <a:avLst/>
+            <a:gdLst/>
+            <a:ahLst/>
+            <a:cxnLst/>
+            <a:rect l="l" t="t" r="r" b="b"/>
             <a:pathLst>
-              <a:path extrusionOk="0" h="120000" w="120000">
+              <a:path w="120000" h="120000" extrusionOk="0">
                 <a:moveTo>
                   <a:pt x="0" y="0"/>
                 </a:moveTo>
@@ -1166,9 +1213,11 @@
       <p:sp>
         <p:nvSpPr>
           <p:cNvPr id="142" name="Google Shape;142;gd611b12ea7_0_44:notes"/>
-          <p:cNvSpPr txBox="1"/>
+          <p:cNvSpPr txBox="1">
+            <a:spLocks noGrp="1"/>
+          </p:cNvSpPr>
           <p:nvPr>
-            <p:ph idx="1" type="body"/>
+            <p:ph type="body" idx="1"/>
           </p:nvPr>
         </p:nvSpPr>
         <p:spPr>
@@ -1181,23 +1230,20 @@
           </a:prstGeom>
         </p:spPr>
         <p:txBody>
-          <a:bodyPr anchorCtr="0" anchor="t" bIns="91425" lIns="91425" spcFirstLastPara="1" rIns="91425" wrap="square" tIns="91425">
+          <a:bodyPr spcFirstLastPara="1" wrap="square" lIns="91425" tIns="91425" rIns="91425" bIns="91425" anchor="t" anchorCtr="0">
             <a:noAutofit/>
           </a:bodyPr>
           <a:lstStyle/>
           <a:p>
-            <a:pPr indent="0" lvl="0" marL="0" rtl="0" algn="l">
-              <a:spcBef>
-                <a:spcPts val="0"/>
-              </a:spcBef>
-              <a:spcAft>
-                <a:spcPts val="0"/>
-              </a:spcAft>
-              <a:buNone/>
-            </a:pPr>
-            <a:r>
-              <a:t/>
-            </a:r>
+            <a:pPr marL="0" lvl="0" indent="0" algn="l" rtl="0">
+              <a:spcBef>
+                <a:spcPts val="0"/>
+              </a:spcBef>
+              <a:spcAft>
+                <a:spcPts val="0"/>
+              </a:spcAft>
+              <a:buNone/>
+            </a:pPr>
             <a:endParaRPr/>
           </a:p>
         </p:txBody>
@@ -1211,11 +1257,11 @@
 </file>
 
 <file path=ppt/notesSlides/notesSlide14.xml><?xml version="1.0" encoding="utf-8"?>
-<p:notes xmlns:a="http://schemas.openxmlformats.org/drawingml/2006/main" xmlns:r="http://schemas.openxmlformats.org/officeDocument/2006/relationships" xmlns:mc="http://schemas.openxmlformats.org/markup-compatibility/2006" xmlns:mv="urn:schemas-microsoft-com:mac:vml" xmlns:p="http://schemas.openxmlformats.org/presentationml/2006/main" xmlns:c="http://schemas.openxmlformats.org/drawingml/2006/chart" xmlns:dgm="http://schemas.openxmlformats.org/drawingml/2006/diagram" xmlns:o="urn:schemas-microsoft-com:office:office" xmlns:v="urn:schemas-microsoft-com:vml" xmlns:pvml="urn:schemas-microsoft-com:office:powerpoint" xmlns:com="http://schemas.openxmlformats.org/drawingml/2006/compatibility" xmlns:p14="http://schemas.microsoft.com/office/powerpoint/2010/main" xmlns:p15="http://schemas.microsoft.com/office/powerpoint/2012/main" xmlns:ahyp="http://schemas.microsoft.com/office/drawing/2018/hyperlinkcolor" showMasterPhAnim="0" showMasterSp="0">
+<p:notes xmlns:a="http://schemas.openxmlformats.org/drawingml/2006/main" xmlns:r="http://schemas.openxmlformats.org/officeDocument/2006/relationships" xmlns:p="http://schemas.openxmlformats.org/presentationml/2006/main" showMasterSp="0" showMasterPhAnim="0">
   <p:cSld>
     <p:spTree>
       <p:nvGrpSpPr>
-        <p:cNvPr id="147" name="Shape 147"/>
+        <p:cNvPr id="1" name="Shape 147"/>
         <p:cNvGrpSpPr/>
         <p:nvPr/>
       </p:nvGrpSpPr>
@@ -1230,9 +1276,11 @@
       <p:sp>
         <p:nvSpPr>
           <p:cNvPr id="148" name="Google Shape;148;gd611b12ea7_0_55:notes"/>
-          <p:cNvSpPr/>
+          <p:cNvSpPr>
+            <a:spLocks noGrp="1" noRot="1" noChangeAspect="1"/>
+          </p:cNvSpPr>
           <p:nvPr>
-            <p:ph idx="2" type="sldImg"/>
+            <p:ph type="sldImg" idx="2"/>
           </p:nvPr>
         </p:nvSpPr>
         <p:spPr>
@@ -1241,9 +1289,13 @@
             <a:ext cx="6096000" cy="3429000"/>
           </a:xfrm>
           <a:custGeom>
-            <a:rect b="b" l="l" r="r" t="t"/>
+            <a:avLst/>
+            <a:gdLst/>
+            <a:ahLst/>
+            <a:cxnLst/>
+            <a:rect l="l" t="t" r="r" b="b"/>
             <a:pathLst>
-              <a:path extrusionOk="0" h="120000" w="120000">
+              <a:path w="120000" h="120000" extrusionOk="0">
                 <a:moveTo>
                   <a:pt x="0" y="0"/>
                 </a:moveTo>
@@ -1265,9 +1317,11 @@
       <p:sp>
         <p:nvSpPr>
           <p:cNvPr id="149" name="Google Shape;149;gd611b12ea7_0_55:notes"/>
-          <p:cNvSpPr txBox="1"/>
+          <p:cNvSpPr txBox="1">
+            <a:spLocks noGrp="1"/>
+          </p:cNvSpPr>
           <p:nvPr>
-            <p:ph idx="1" type="body"/>
+            <p:ph type="body" idx="1"/>
           </p:nvPr>
         </p:nvSpPr>
         <p:spPr>
@@ -1280,23 +1334,20 @@
           </a:prstGeom>
         </p:spPr>
         <p:txBody>
-          <a:bodyPr anchorCtr="0" anchor="t" bIns="91425" lIns="91425" spcFirstLastPara="1" rIns="91425" wrap="square" tIns="91425">
+          <a:bodyPr spcFirstLastPara="1" wrap="square" lIns="91425" tIns="91425" rIns="91425" bIns="91425" anchor="t" anchorCtr="0">
             <a:noAutofit/>
           </a:bodyPr>
           <a:lstStyle/>
           <a:p>
-            <a:pPr indent="0" lvl="0" marL="0" rtl="0" algn="l">
-              <a:spcBef>
-                <a:spcPts val="0"/>
-              </a:spcBef>
-              <a:spcAft>
-                <a:spcPts val="0"/>
-              </a:spcAft>
-              <a:buNone/>
-            </a:pPr>
-            <a:r>
-              <a:t/>
-            </a:r>
+            <a:pPr marL="0" lvl="0" indent="0" algn="l" rtl="0">
+              <a:spcBef>
+                <a:spcPts val="0"/>
+              </a:spcBef>
+              <a:spcAft>
+                <a:spcPts val="0"/>
+              </a:spcAft>
+              <a:buNone/>
+            </a:pPr>
             <a:endParaRPr/>
           </a:p>
         </p:txBody>
@@ -1310,11 +1361,11 @@
 </file>
 
 <file path=ppt/notesSlides/notesSlide2.xml><?xml version="1.0" encoding="utf-8"?>
-<p:notes xmlns:a="http://schemas.openxmlformats.org/drawingml/2006/main" xmlns:r="http://schemas.openxmlformats.org/officeDocument/2006/relationships" xmlns:mc="http://schemas.openxmlformats.org/markup-compatibility/2006" xmlns:mv="urn:schemas-microsoft-com:mac:vml" xmlns:p="http://schemas.openxmlformats.org/presentationml/2006/main" xmlns:c="http://schemas.openxmlformats.org/drawingml/2006/chart" xmlns:dgm="http://schemas.openxmlformats.org/drawingml/2006/diagram" xmlns:o="urn:schemas-microsoft-com:office:office" xmlns:v="urn:schemas-microsoft-com:vml" xmlns:pvml="urn:schemas-microsoft-com:office:powerpoint" xmlns:com="http://schemas.openxmlformats.org/drawingml/2006/compatibility" xmlns:p14="http://schemas.microsoft.com/office/powerpoint/2010/main" xmlns:p15="http://schemas.microsoft.com/office/powerpoint/2012/main" xmlns:ahyp="http://schemas.microsoft.com/office/drawing/2018/hyperlinkcolor" showMasterPhAnim="0" showMasterSp="0">
+<p:notes xmlns:a="http://schemas.openxmlformats.org/drawingml/2006/main" xmlns:r="http://schemas.openxmlformats.org/officeDocument/2006/relationships" xmlns:p="http://schemas.openxmlformats.org/presentationml/2006/main" showMasterSp="0" showMasterPhAnim="0">
   <p:cSld>
     <p:spTree>
       <p:nvGrpSpPr>
-        <p:cNvPr id="61" name="Shape 61"/>
+        <p:cNvPr id="1" name="Shape 61"/>
         <p:cNvGrpSpPr/>
         <p:nvPr/>
       </p:nvGrpSpPr>
@@ -1329,9 +1380,11 @@
       <p:sp>
         <p:nvSpPr>
           <p:cNvPr id="62" name="Google Shape;62;gc2107bd7f8_0_53:notes"/>
-          <p:cNvSpPr/>
+          <p:cNvSpPr>
+            <a:spLocks noGrp="1" noRot="1" noChangeAspect="1"/>
+          </p:cNvSpPr>
           <p:nvPr>
-            <p:ph idx="2" type="sldImg"/>
+            <p:ph type="sldImg" idx="2"/>
           </p:nvPr>
         </p:nvSpPr>
         <p:spPr>
@@ -1340,9 +1393,13 @@
             <a:ext cx="6096000" cy="3429000"/>
           </a:xfrm>
           <a:custGeom>
-            <a:rect b="b" l="l" r="r" t="t"/>
+            <a:avLst/>
+            <a:gdLst/>
+            <a:ahLst/>
+            <a:cxnLst/>
+            <a:rect l="l" t="t" r="r" b="b"/>
             <a:pathLst>
-              <a:path extrusionOk="0" h="120000" w="120000">
+              <a:path w="120000" h="120000" extrusionOk="0">
                 <a:moveTo>
                   <a:pt x="0" y="0"/>
                 </a:moveTo>
@@ -1364,9 +1421,11 @@
       <p:sp>
         <p:nvSpPr>
           <p:cNvPr id="63" name="Google Shape;63;gc2107bd7f8_0_53:notes"/>
-          <p:cNvSpPr txBox="1"/>
+          <p:cNvSpPr txBox="1">
+            <a:spLocks noGrp="1"/>
+          </p:cNvSpPr>
           <p:nvPr>
-            <p:ph idx="1" type="body"/>
+            <p:ph type="body" idx="1"/>
           </p:nvPr>
         </p:nvSpPr>
         <p:spPr>
@@ -1379,23 +1438,20 @@
           </a:prstGeom>
         </p:spPr>
         <p:txBody>
-          <a:bodyPr anchorCtr="0" anchor="t" bIns="91425" lIns="91425" spcFirstLastPara="1" rIns="91425" wrap="square" tIns="91425">
+          <a:bodyPr spcFirstLastPara="1" wrap="square" lIns="91425" tIns="91425" rIns="91425" bIns="91425" anchor="t" anchorCtr="0">
             <a:noAutofit/>
           </a:bodyPr>
           <a:lstStyle/>
           <a:p>
-            <a:pPr indent="0" lvl="0" marL="0" rtl="0" algn="l">
-              <a:spcBef>
-                <a:spcPts val="0"/>
-              </a:spcBef>
-              <a:spcAft>
-                <a:spcPts val="0"/>
-              </a:spcAft>
-              <a:buNone/>
-            </a:pPr>
-            <a:r>
-              <a:t/>
-            </a:r>
+            <a:pPr marL="0" lvl="0" indent="0" algn="l" rtl="0">
+              <a:spcBef>
+                <a:spcPts val="0"/>
+              </a:spcBef>
+              <a:spcAft>
+                <a:spcPts val="0"/>
+              </a:spcAft>
+              <a:buNone/>
+            </a:pPr>
             <a:endParaRPr/>
           </a:p>
         </p:txBody>
@@ -1409,11 +1465,11 @@
 </file>
 
 <file path=ppt/notesSlides/notesSlide3.xml><?xml version="1.0" encoding="utf-8"?>
-<p:notes xmlns:a="http://schemas.openxmlformats.org/drawingml/2006/main" xmlns:r="http://schemas.openxmlformats.org/officeDocument/2006/relationships" xmlns:mc="http://schemas.openxmlformats.org/markup-compatibility/2006" xmlns:mv="urn:schemas-microsoft-com:mac:vml" xmlns:p="http://schemas.openxmlformats.org/presentationml/2006/main" xmlns:c="http://schemas.openxmlformats.org/drawingml/2006/chart" xmlns:dgm="http://schemas.openxmlformats.org/drawingml/2006/diagram" xmlns:o="urn:schemas-microsoft-com:office:office" xmlns:v="urn:schemas-microsoft-com:vml" xmlns:pvml="urn:schemas-microsoft-com:office:powerpoint" xmlns:com="http://schemas.openxmlformats.org/drawingml/2006/compatibility" xmlns:p14="http://schemas.microsoft.com/office/powerpoint/2010/main" xmlns:p15="http://schemas.microsoft.com/office/powerpoint/2012/main" xmlns:ahyp="http://schemas.microsoft.com/office/drawing/2018/hyperlinkcolor" showMasterPhAnim="0" showMasterSp="0">
+<p:notes xmlns:a="http://schemas.openxmlformats.org/drawingml/2006/main" xmlns:r="http://schemas.openxmlformats.org/officeDocument/2006/relationships" xmlns:p="http://schemas.openxmlformats.org/presentationml/2006/main" showMasterSp="0" showMasterPhAnim="0">
   <p:cSld>
     <p:spTree>
       <p:nvGrpSpPr>
-        <p:cNvPr id="68" name="Shape 68"/>
+        <p:cNvPr id="1" name="Shape 68"/>
         <p:cNvGrpSpPr/>
         <p:nvPr/>
       </p:nvGrpSpPr>
@@ -1428,9 +1484,11 @@
       <p:sp>
         <p:nvSpPr>
           <p:cNvPr id="69" name="Google Shape;69;gccdbf60667_0_0:notes"/>
-          <p:cNvSpPr/>
+          <p:cNvSpPr>
+            <a:spLocks noGrp="1" noRot="1" noChangeAspect="1"/>
+          </p:cNvSpPr>
           <p:nvPr>
-            <p:ph idx="2" type="sldImg"/>
+            <p:ph type="sldImg" idx="2"/>
           </p:nvPr>
         </p:nvSpPr>
         <p:spPr>
@@ -1439,9 +1497,13 @@
             <a:ext cx="6096000" cy="3429000"/>
           </a:xfrm>
           <a:custGeom>
-            <a:rect b="b" l="l" r="r" t="t"/>
+            <a:avLst/>
+            <a:gdLst/>
+            <a:ahLst/>
+            <a:cxnLst/>
+            <a:rect l="l" t="t" r="r" b="b"/>
             <a:pathLst>
-              <a:path extrusionOk="0" h="120000" w="120000">
+              <a:path w="120000" h="120000" extrusionOk="0">
                 <a:moveTo>
                   <a:pt x="0" y="0"/>
                 </a:moveTo>
@@ -1463,9 +1525,11 @@
       <p:sp>
         <p:nvSpPr>
           <p:cNvPr id="70" name="Google Shape;70;gccdbf60667_0_0:notes"/>
-          <p:cNvSpPr txBox="1"/>
+          <p:cNvSpPr txBox="1">
+            <a:spLocks noGrp="1"/>
+          </p:cNvSpPr>
           <p:nvPr>
-            <p:ph idx="1" type="body"/>
+            <p:ph type="body" idx="1"/>
           </p:nvPr>
         </p:nvSpPr>
         <p:spPr>
@@ -1478,23 +1542,20 @@
           </a:prstGeom>
         </p:spPr>
         <p:txBody>
-          <a:bodyPr anchorCtr="0" anchor="t" bIns="91425" lIns="91425" spcFirstLastPara="1" rIns="91425" wrap="square" tIns="91425">
+          <a:bodyPr spcFirstLastPara="1" wrap="square" lIns="91425" tIns="91425" rIns="91425" bIns="91425" anchor="t" anchorCtr="0">
             <a:noAutofit/>
           </a:bodyPr>
           <a:lstStyle/>
           <a:p>
-            <a:pPr indent="0" lvl="0" marL="0" rtl="0" algn="l">
-              <a:spcBef>
-                <a:spcPts val="0"/>
-              </a:spcBef>
-              <a:spcAft>
-                <a:spcPts val="0"/>
-              </a:spcAft>
-              <a:buNone/>
-            </a:pPr>
-            <a:r>
-              <a:t/>
-            </a:r>
+            <a:pPr marL="0" lvl="0" indent="0" algn="l" rtl="0">
+              <a:spcBef>
+                <a:spcPts val="0"/>
+              </a:spcBef>
+              <a:spcAft>
+                <a:spcPts val="0"/>
+              </a:spcAft>
+              <a:buNone/>
+            </a:pPr>
             <a:endParaRPr/>
           </a:p>
         </p:txBody>
@@ -1508,11 +1569,11 @@
 </file>
 
 <file path=ppt/notesSlides/notesSlide4.xml><?xml version="1.0" encoding="utf-8"?>
-<p:notes xmlns:a="http://schemas.openxmlformats.org/drawingml/2006/main" xmlns:r="http://schemas.openxmlformats.org/officeDocument/2006/relationships" xmlns:mc="http://schemas.openxmlformats.org/markup-compatibility/2006" xmlns:mv="urn:schemas-microsoft-com:mac:vml" xmlns:p="http://schemas.openxmlformats.org/presentationml/2006/main" xmlns:c="http://schemas.openxmlformats.org/drawingml/2006/chart" xmlns:dgm="http://schemas.openxmlformats.org/drawingml/2006/diagram" xmlns:o="urn:schemas-microsoft-com:office:office" xmlns:v="urn:schemas-microsoft-com:vml" xmlns:pvml="urn:schemas-microsoft-com:office:powerpoint" xmlns:com="http://schemas.openxmlformats.org/drawingml/2006/compatibility" xmlns:p14="http://schemas.microsoft.com/office/powerpoint/2010/main" xmlns:p15="http://schemas.microsoft.com/office/powerpoint/2012/main" xmlns:ahyp="http://schemas.microsoft.com/office/drawing/2018/hyperlinkcolor" showMasterPhAnim="0" showMasterSp="0">
+<p:notes xmlns:a="http://schemas.openxmlformats.org/drawingml/2006/main" xmlns:r="http://schemas.openxmlformats.org/officeDocument/2006/relationships" xmlns:p="http://schemas.openxmlformats.org/presentationml/2006/main" showMasterSp="0" showMasterPhAnim="0">
   <p:cSld>
     <p:spTree>
       <p:nvGrpSpPr>
-        <p:cNvPr id="75" name="Shape 75"/>
+        <p:cNvPr id="1" name="Shape 75"/>
         <p:cNvGrpSpPr/>
         <p:nvPr/>
       </p:nvGrpSpPr>
@@ -1527,9 +1588,11 @@
       <p:sp>
         <p:nvSpPr>
           <p:cNvPr id="76" name="Google Shape;76;gcbda372210_0_12:notes"/>
-          <p:cNvSpPr/>
+          <p:cNvSpPr>
+            <a:spLocks noGrp="1" noRot="1" noChangeAspect="1"/>
+          </p:cNvSpPr>
           <p:nvPr>
-            <p:ph idx="2" type="sldImg"/>
+            <p:ph type="sldImg" idx="2"/>
           </p:nvPr>
         </p:nvSpPr>
         <p:spPr>
@@ -1538,9 +1601,13 @@
             <a:ext cx="6096000" cy="3429000"/>
           </a:xfrm>
           <a:custGeom>
-            <a:rect b="b" l="l" r="r" t="t"/>
+            <a:avLst/>
+            <a:gdLst/>
+            <a:ahLst/>
+            <a:cxnLst/>
+            <a:rect l="l" t="t" r="r" b="b"/>
             <a:pathLst>
-              <a:path extrusionOk="0" h="120000" w="120000">
+              <a:path w="120000" h="120000" extrusionOk="0">
                 <a:moveTo>
                   <a:pt x="0" y="0"/>
                 </a:moveTo>
@@ -1562,9 +1629,11 @@
       <p:sp>
         <p:nvSpPr>
           <p:cNvPr id="77" name="Google Shape;77;gcbda372210_0_12:notes"/>
-          <p:cNvSpPr txBox="1"/>
+          <p:cNvSpPr txBox="1">
+            <a:spLocks noGrp="1"/>
+          </p:cNvSpPr>
           <p:nvPr>
-            <p:ph idx="1" type="body"/>
+            <p:ph type="body" idx="1"/>
           </p:nvPr>
         </p:nvSpPr>
         <p:spPr>
@@ -1577,23 +1646,20 @@
           </a:prstGeom>
         </p:spPr>
         <p:txBody>
-          <a:bodyPr anchorCtr="0" anchor="t" bIns="91425" lIns="91425" spcFirstLastPara="1" rIns="91425" wrap="square" tIns="91425">
+          <a:bodyPr spcFirstLastPara="1" wrap="square" lIns="91425" tIns="91425" rIns="91425" bIns="91425" anchor="t" anchorCtr="0">
             <a:noAutofit/>
           </a:bodyPr>
           <a:lstStyle/>
           <a:p>
-            <a:pPr indent="0" lvl="0" marL="0" rtl="0" algn="l">
-              <a:spcBef>
-                <a:spcPts val="0"/>
-              </a:spcBef>
-              <a:spcAft>
-                <a:spcPts val="0"/>
-              </a:spcAft>
-              <a:buNone/>
-            </a:pPr>
-            <a:r>
-              <a:t/>
-            </a:r>
+            <a:pPr marL="0" lvl="0" indent="0" algn="l" rtl="0">
+              <a:spcBef>
+                <a:spcPts val="0"/>
+              </a:spcBef>
+              <a:spcAft>
+                <a:spcPts val="0"/>
+              </a:spcAft>
+              <a:buNone/>
+            </a:pPr>
             <a:endParaRPr/>
           </a:p>
         </p:txBody>
@@ -1607,11 +1673,11 @@
 </file>
 
 <file path=ppt/notesSlides/notesSlide5.xml><?xml version="1.0" encoding="utf-8"?>
-<p:notes xmlns:a="http://schemas.openxmlformats.org/drawingml/2006/main" xmlns:r="http://schemas.openxmlformats.org/officeDocument/2006/relationships" xmlns:mc="http://schemas.openxmlformats.org/markup-compatibility/2006" xmlns:mv="urn:schemas-microsoft-com:mac:vml" xmlns:p="http://schemas.openxmlformats.org/presentationml/2006/main" xmlns:c="http://schemas.openxmlformats.org/drawingml/2006/chart" xmlns:dgm="http://schemas.openxmlformats.org/drawingml/2006/diagram" xmlns:o="urn:schemas-microsoft-com:office:office" xmlns:v="urn:schemas-microsoft-com:vml" xmlns:pvml="urn:schemas-microsoft-com:office:powerpoint" xmlns:com="http://schemas.openxmlformats.org/drawingml/2006/compatibility" xmlns:p14="http://schemas.microsoft.com/office/powerpoint/2010/main" xmlns:p15="http://schemas.microsoft.com/office/powerpoint/2012/main" xmlns:ahyp="http://schemas.microsoft.com/office/drawing/2018/hyperlinkcolor" showMasterPhAnim="0" showMasterSp="0">
+<p:notes xmlns:a="http://schemas.openxmlformats.org/drawingml/2006/main" xmlns:r="http://schemas.openxmlformats.org/officeDocument/2006/relationships" xmlns:p="http://schemas.openxmlformats.org/presentationml/2006/main" showMasterSp="0" showMasterPhAnim="0">
   <p:cSld>
     <p:spTree>
       <p:nvGrpSpPr>
-        <p:cNvPr id="84" name="Shape 84"/>
+        <p:cNvPr id="1" name="Shape 84"/>
         <p:cNvGrpSpPr/>
         <p:nvPr/>
       </p:nvGrpSpPr>
@@ -1626,9 +1692,11 @@
       <p:sp>
         <p:nvSpPr>
           <p:cNvPr id="85" name="Google Shape;85;gcbda372210_0_23:notes"/>
-          <p:cNvSpPr/>
+          <p:cNvSpPr>
+            <a:spLocks noGrp="1" noRot="1" noChangeAspect="1"/>
+          </p:cNvSpPr>
           <p:nvPr>
-            <p:ph idx="2" type="sldImg"/>
+            <p:ph type="sldImg" idx="2"/>
           </p:nvPr>
         </p:nvSpPr>
         <p:spPr>
@@ -1637,9 +1705,13 @@
             <a:ext cx="6096000" cy="3429000"/>
           </a:xfrm>
           <a:custGeom>
-            <a:rect b="b" l="l" r="r" t="t"/>
+            <a:avLst/>
+            <a:gdLst/>
+            <a:ahLst/>
+            <a:cxnLst/>
+            <a:rect l="l" t="t" r="r" b="b"/>
             <a:pathLst>
-              <a:path extrusionOk="0" h="120000" w="120000">
+              <a:path w="120000" h="120000" extrusionOk="0">
                 <a:moveTo>
                   <a:pt x="0" y="0"/>
                 </a:moveTo>
@@ -1661,9 +1733,11 @@
       <p:sp>
         <p:nvSpPr>
           <p:cNvPr id="86" name="Google Shape;86;gcbda372210_0_23:notes"/>
-          <p:cNvSpPr txBox="1"/>
+          <p:cNvSpPr txBox="1">
+            <a:spLocks noGrp="1"/>
+          </p:cNvSpPr>
           <p:nvPr>
-            <p:ph idx="1" type="body"/>
+            <p:ph type="body" idx="1"/>
           </p:nvPr>
         </p:nvSpPr>
         <p:spPr>
@@ -1676,23 +1750,20 @@
           </a:prstGeom>
         </p:spPr>
         <p:txBody>
-          <a:bodyPr anchorCtr="0" anchor="t" bIns="91425" lIns="91425" spcFirstLastPara="1" rIns="91425" wrap="square" tIns="91425">
+          <a:bodyPr spcFirstLastPara="1" wrap="square" lIns="91425" tIns="91425" rIns="91425" bIns="91425" anchor="t" anchorCtr="0">
             <a:noAutofit/>
           </a:bodyPr>
           <a:lstStyle/>
           <a:p>
-            <a:pPr indent="0" lvl="0" marL="0" rtl="0" algn="l">
-              <a:spcBef>
-                <a:spcPts val="0"/>
-              </a:spcBef>
-              <a:spcAft>
-                <a:spcPts val="0"/>
-              </a:spcAft>
-              <a:buNone/>
-            </a:pPr>
-            <a:r>
-              <a:t/>
-            </a:r>
+            <a:pPr marL="0" lvl="0" indent="0" algn="l" rtl="0">
+              <a:spcBef>
+                <a:spcPts val="0"/>
+              </a:spcBef>
+              <a:spcAft>
+                <a:spcPts val="0"/>
+              </a:spcAft>
+              <a:buNone/>
+            </a:pPr>
             <a:endParaRPr/>
           </a:p>
         </p:txBody>
@@ -1706,11 +1777,11 @@
 </file>
 
 <file path=ppt/notesSlides/notesSlide6.xml><?xml version="1.0" encoding="utf-8"?>
-<p:notes xmlns:a="http://schemas.openxmlformats.org/drawingml/2006/main" xmlns:r="http://schemas.openxmlformats.org/officeDocument/2006/relationships" xmlns:mc="http://schemas.openxmlformats.org/markup-compatibility/2006" xmlns:mv="urn:schemas-microsoft-com:mac:vml" xmlns:p="http://schemas.openxmlformats.org/presentationml/2006/main" xmlns:c="http://schemas.openxmlformats.org/drawingml/2006/chart" xmlns:dgm="http://schemas.openxmlformats.org/drawingml/2006/diagram" xmlns:o="urn:schemas-microsoft-com:office:office" xmlns:v="urn:schemas-microsoft-com:vml" xmlns:pvml="urn:schemas-microsoft-com:office:powerpoint" xmlns:com="http://schemas.openxmlformats.org/drawingml/2006/compatibility" xmlns:p14="http://schemas.microsoft.com/office/powerpoint/2010/main" xmlns:p15="http://schemas.microsoft.com/office/powerpoint/2012/main" xmlns:ahyp="http://schemas.microsoft.com/office/drawing/2018/hyperlinkcolor" showMasterPhAnim="0" showMasterSp="0">
+<p:notes xmlns:a="http://schemas.openxmlformats.org/drawingml/2006/main" xmlns:r="http://schemas.openxmlformats.org/officeDocument/2006/relationships" xmlns:p="http://schemas.openxmlformats.org/presentationml/2006/main" showMasterSp="0" showMasterPhAnim="0">
   <p:cSld>
     <p:spTree>
       <p:nvGrpSpPr>
-        <p:cNvPr id="91" name="Shape 91"/>
+        <p:cNvPr id="1" name="Shape 91"/>
         <p:cNvGrpSpPr/>
         <p:nvPr/>
       </p:nvGrpSpPr>
@@ -1725,9 +1796,11 @@
       <p:sp>
         <p:nvSpPr>
           <p:cNvPr id="92" name="Google Shape;92;gcbda372210_0_0:notes"/>
-          <p:cNvSpPr/>
+          <p:cNvSpPr>
+            <a:spLocks noGrp="1" noRot="1" noChangeAspect="1"/>
+          </p:cNvSpPr>
           <p:nvPr>
-            <p:ph idx="2" type="sldImg"/>
+            <p:ph type="sldImg" idx="2"/>
           </p:nvPr>
         </p:nvSpPr>
         <p:spPr>
@@ -1736,9 +1809,13 @@
             <a:ext cx="6096000" cy="3429000"/>
           </a:xfrm>
           <a:custGeom>
-            <a:rect b="b" l="l" r="r" t="t"/>
+            <a:avLst/>
+            <a:gdLst/>
+            <a:ahLst/>
+            <a:cxnLst/>
+            <a:rect l="l" t="t" r="r" b="b"/>
             <a:pathLst>
-              <a:path extrusionOk="0" h="120000" w="120000">
+              <a:path w="120000" h="120000" extrusionOk="0">
                 <a:moveTo>
                   <a:pt x="0" y="0"/>
                 </a:moveTo>
@@ -1760,9 +1837,11 @@
       <p:sp>
         <p:nvSpPr>
           <p:cNvPr id="93" name="Google Shape;93;gcbda372210_0_0:notes"/>
-          <p:cNvSpPr txBox="1"/>
+          <p:cNvSpPr txBox="1">
+            <a:spLocks noGrp="1"/>
+          </p:cNvSpPr>
           <p:nvPr>
-            <p:ph idx="1" type="body"/>
+            <p:ph type="body" idx="1"/>
           </p:nvPr>
         </p:nvSpPr>
         <p:spPr>
@@ -1775,23 +1854,20 @@
           </a:prstGeom>
         </p:spPr>
         <p:txBody>
-          <a:bodyPr anchorCtr="0" anchor="t" bIns="91425" lIns="91425" spcFirstLastPara="1" rIns="91425" wrap="square" tIns="91425">
+          <a:bodyPr spcFirstLastPara="1" wrap="square" lIns="91425" tIns="91425" rIns="91425" bIns="91425" anchor="t" anchorCtr="0">
             <a:noAutofit/>
           </a:bodyPr>
           <a:lstStyle/>
           <a:p>
-            <a:pPr indent="0" lvl="0" marL="0" rtl="0" algn="l">
-              <a:spcBef>
-                <a:spcPts val="0"/>
-              </a:spcBef>
-              <a:spcAft>
-                <a:spcPts val="0"/>
-              </a:spcAft>
-              <a:buNone/>
-            </a:pPr>
-            <a:r>
-              <a:t/>
-            </a:r>
+            <a:pPr marL="0" lvl="0" indent="0" algn="l" rtl="0">
+              <a:spcBef>
+                <a:spcPts val="0"/>
+              </a:spcBef>
+              <a:spcAft>
+                <a:spcPts val="0"/>
+              </a:spcAft>
+              <a:buNone/>
+            </a:pPr>
             <a:endParaRPr/>
           </a:p>
         </p:txBody>
@@ -1805,11 +1881,11 @@
 </file>
 
 <file path=ppt/notesSlides/notesSlide7.xml><?xml version="1.0" encoding="utf-8"?>
-<p:notes xmlns:a="http://schemas.openxmlformats.org/drawingml/2006/main" xmlns:r="http://schemas.openxmlformats.org/officeDocument/2006/relationships" xmlns:mc="http://schemas.openxmlformats.org/markup-compatibility/2006" xmlns:mv="urn:schemas-microsoft-com:mac:vml" xmlns:p="http://schemas.openxmlformats.org/presentationml/2006/main" xmlns:c="http://schemas.openxmlformats.org/drawingml/2006/chart" xmlns:dgm="http://schemas.openxmlformats.org/drawingml/2006/diagram" xmlns:o="urn:schemas-microsoft-com:office:office" xmlns:v="urn:schemas-microsoft-com:vml" xmlns:pvml="urn:schemas-microsoft-com:office:powerpoint" xmlns:com="http://schemas.openxmlformats.org/drawingml/2006/compatibility" xmlns:p14="http://schemas.microsoft.com/office/powerpoint/2010/main" xmlns:p15="http://schemas.microsoft.com/office/powerpoint/2012/main" xmlns:ahyp="http://schemas.microsoft.com/office/drawing/2018/hyperlinkcolor" showMasterPhAnim="0" showMasterSp="0">
+<p:notes xmlns:a="http://schemas.openxmlformats.org/drawingml/2006/main" xmlns:r="http://schemas.openxmlformats.org/officeDocument/2006/relationships" xmlns:p="http://schemas.openxmlformats.org/presentationml/2006/main" showMasterSp="0" showMasterPhAnim="0">
   <p:cSld>
     <p:spTree>
       <p:nvGrpSpPr>
-        <p:cNvPr id="98" name="Shape 98"/>
+        <p:cNvPr id="1" name="Shape 98"/>
         <p:cNvGrpSpPr/>
         <p:nvPr/>
       </p:nvGrpSpPr>
@@ -1824,9 +1900,11 @@
       <p:sp>
         <p:nvSpPr>
           <p:cNvPr id="99" name="Google Shape;99;gcbda372210_0_6:notes"/>
-          <p:cNvSpPr/>
+          <p:cNvSpPr>
+            <a:spLocks noGrp="1" noRot="1" noChangeAspect="1"/>
+          </p:cNvSpPr>
           <p:nvPr>
-            <p:ph idx="2" type="sldImg"/>
+            <p:ph type="sldImg" idx="2"/>
           </p:nvPr>
         </p:nvSpPr>
         <p:spPr>
@@ -1835,9 +1913,13 @@
             <a:ext cx="6096000" cy="3429000"/>
           </a:xfrm>
           <a:custGeom>
-            <a:rect b="b" l="l" r="r" t="t"/>
+            <a:avLst/>
+            <a:gdLst/>
+            <a:ahLst/>
+            <a:cxnLst/>
+            <a:rect l="l" t="t" r="r" b="b"/>
             <a:pathLst>
-              <a:path extrusionOk="0" h="120000" w="120000">
+              <a:path w="120000" h="120000" extrusionOk="0">
                 <a:moveTo>
                   <a:pt x="0" y="0"/>
                 </a:moveTo>
@@ -1859,9 +1941,11 @@
       <p:sp>
         <p:nvSpPr>
           <p:cNvPr id="100" name="Google Shape;100;gcbda372210_0_6:notes"/>
-          <p:cNvSpPr txBox="1"/>
+          <p:cNvSpPr txBox="1">
+            <a:spLocks noGrp="1"/>
+          </p:cNvSpPr>
           <p:nvPr>
-            <p:ph idx="1" type="body"/>
+            <p:ph type="body" idx="1"/>
           </p:nvPr>
         </p:nvSpPr>
         <p:spPr>
@@ -1874,23 +1958,20 @@
           </a:prstGeom>
         </p:spPr>
         <p:txBody>
-          <a:bodyPr anchorCtr="0" anchor="t" bIns="91425" lIns="91425" spcFirstLastPara="1" rIns="91425" wrap="square" tIns="91425">
+          <a:bodyPr spcFirstLastPara="1" wrap="square" lIns="91425" tIns="91425" rIns="91425" bIns="91425" anchor="t" anchorCtr="0">
             <a:noAutofit/>
           </a:bodyPr>
           <a:lstStyle/>
           <a:p>
-            <a:pPr indent="0" lvl="0" marL="0" rtl="0" algn="l">
-              <a:spcBef>
-                <a:spcPts val="0"/>
-              </a:spcBef>
-              <a:spcAft>
-                <a:spcPts val="0"/>
-              </a:spcAft>
-              <a:buNone/>
-            </a:pPr>
-            <a:r>
-              <a:t/>
-            </a:r>
+            <a:pPr marL="0" lvl="0" indent="0" algn="l" rtl="0">
+              <a:spcBef>
+                <a:spcPts val="0"/>
+              </a:spcBef>
+              <a:spcAft>
+                <a:spcPts val="0"/>
+              </a:spcAft>
+              <a:buNone/>
+            </a:pPr>
             <a:endParaRPr/>
           </a:p>
         </p:txBody>
@@ -1904,11 +1985,11 @@
 </file>
 
 <file path=ppt/notesSlides/notesSlide8.xml><?xml version="1.0" encoding="utf-8"?>
-<p:notes xmlns:a="http://schemas.openxmlformats.org/drawingml/2006/main" xmlns:r="http://schemas.openxmlformats.org/officeDocument/2006/relationships" xmlns:mc="http://schemas.openxmlformats.org/markup-compatibility/2006" xmlns:mv="urn:schemas-microsoft-com:mac:vml" xmlns:p="http://schemas.openxmlformats.org/presentationml/2006/main" xmlns:c="http://schemas.openxmlformats.org/drawingml/2006/chart" xmlns:dgm="http://schemas.openxmlformats.org/drawingml/2006/diagram" xmlns:o="urn:schemas-microsoft-com:office:office" xmlns:v="urn:schemas-microsoft-com:vml" xmlns:pvml="urn:schemas-microsoft-com:office:powerpoint" xmlns:com="http://schemas.openxmlformats.org/drawingml/2006/compatibility" xmlns:p14="http://schemas.microsoft.com/office/powerpoint/2010/main" xmlns:p15="http://schemas.microsoft.com/office/powerpoint/2012/main" xmlns:ahyp="http://schemas.microsoft.com/office/drawing/2018/hyperlinkcolor" showMasterPhAnim="0" showMasterSp="0">
+<p:notes xmlns:a="http://schemas.openxmlformats.org/drawingml/2006/main" xmlns:r="http://schemas.openxmlformats.org/officeDocument/2006/relationships" xmlns:p="http://schemas.openxmlformats.org/presentationml/2006/main" showMasterSp="0" showMasterPhAnim="0">
   <p:cSld>
     <p:spTree>
       <p:nvGrpSpPr>
-        <p:cNvPr id="105" name="Shape 105"/>
+        <p:cNvPr id="1" name="Shape 105"/>
         <p:cNvGrpSpPr/>
         <p:nvPr/>
       </p:nvGrpSpPr>
@@ -1923,9 +2004,11 @@
       <p:sp>
         <p:nvSpPr>
           <p:cNvPr id="106" name="Google Shape;106;gd611b12ea7_0_15:notes"/>
-          <p:cNvSpPr/>
+          <p:cNvSpPr>
+            <a:spLocks noGrp="1" noRot="1" noChangeAspect="1"/>
+          </p:cNvSpPr>
           <p:nvPr>
-            <p:ph idx="2" type="sldImg"/>
+            <p:ph type="sldImg" idx="2"/>
           </p:nvPr>
         </p:nvSpPr>
         <p:spPr>
@@ -1934,9 +2017,13 @@
             <a:ext cx="6096000" cy="3429000"/>
           </a:xfrm>
           <a:custGeom>
-            <a:rect b="b" l="l" r="r" t="t"/>
+            <a:avLst/>
+            <a:gdLst/>
+            <a:ahLst/>
+            <a:cxnLst/>
+            <a:rect l="l" t="t" r="r" b="b"/>
             <a:pathLst>
-              <a:path extrusionOk="0" h="120000" w="120000">
+              <a:path w="120000" h="120000" extrusionOk="0">
                 <a:moveTo>
                   <a:pt x="0" y="0"/>
                 </a:moveTo>
@@ -1958,9 +2045,11 @@
       <p:sp>
         <p:nvSpPr>
           <p:cNvPr id="107" name="Google Shape;107;gd611b12ea7_0_15:notes"/>
-          <p:cNvSpPr txBox="1"/>
+          <p:cNvSpPr txBox="1">
+            <a:spLocks noGrp="1"/>
+          </p:cNvSpPr>
           <p:nvPr>
-            <p:ph idx="1" type="body"/>
+            <p:ph type="body" idx="1"/>
           </p:nvPr>
         </p:nvSpPr>
         <p:spPr>
@@ -1973,23 +2062,20 @@
           </a:prstGeom>
         </p:spPr>
         <p:txBody>
-          <a:bodyPr anchorCtr="0" anchor="t" bIns="91425" lIns="91425" spcFirstLastPara="1" rIns="91425" wrap="square" tIns="91425">
+          <a:bodyPr spcFirstLastPara="1" wrap="square" lIns="91425" tIns="91425" rIns="91425" bIns="91425" anchor="t" anchorCtr="0">
             <a:noAutofit/>
           </a:bodyPr>
           <a:lstStyle/>
           <a:p>
-            <a:pPr indent="0" lvl="0" marL="0" rtl="0" algn="l">
-              <a:spcBef>
-                <a:spcPts val="0"/>
-              </a:spcBef>
-              <a:spcAft>
-                <a:spcPts val="0"/>
-              </a:spcAft>
-              <a:buNone/>
-            </a:pPr>
-            <a:r>
-              <a:t/>
-            </a:r>
+            <a:pPr marL="0" lvl="0" indent="0" algn="l" rtl="0">
+              <a:spcBef>
+                <a:spcPts val="0"/>
+              </a:spcBef>
+              <a:spcAft>
+                <a:spcPts val="0"/>
+              </a:spcAft>
+              <a:buNone/>
+            </a:pPr>
             <a:endParaRPr/>
           </a:p>
         </p:txBody>
@@ -2003,11 +2089,11 @@
 </file>
 
 <file path=ppt/notesSlides/notesSlide9.xml><?xml version="1.0" encoding="utf-8"?>
-<p:notes xmlns:a="http://schemas.openxmlformats.org/drawingml/2006/main" xmlns:r="http://schemas.openxmlformats.org/officeDocument/2006/relationships" xmlns:mc="http://schemas.openxmlformats.org/markup-compatibility/2006" xmlns:mv="urn:schemas-microsoft-com:mac:vml" xmlns:p="http://schemas.openxmlformats.org/presentationml/2006/main" xmlns:c="http://schemas.openxmlformats.org/drawingml/2006/chart" xmlns:dgm="http://schemas.openxmlformats.org/drawingml/2006/diagram" xmlns:o="urn:schemas-microsoft-com:office:office" xmlns:v="urn:schemas-microsoft-com:vml" xmlns:pvml="urn:schemas-microsoft-com:office:powerpoint" xmlns:com="http://schemas.openxmlformats.org/drawingml/2006/compatibility" xmlns:p14="http://schemas.microsoft.com/office/powerpoint/2010/main" xmlns:p15="http://schemas.microsoft.com/office/powerpoint/2012/main" xmlns:ahyp="http://schemas.microsoft.com/office/drawing/2018/hyperlinkcolor" showMasterPhAnim="0" showMasterSp="0">
+<p:notes xmlns:a="http://schemas.openxmlformats.org/drawingml/2006/main" xmlns:r="http://schemas.openxmlformats.org/officeDocument/2006/relationships" xmlns:p="http://schemas.openxmlformats.org/presentationml/2006/main" showMasterSp="0" showMasterPhAnim="0">
   <p:cSld>
     <p:spTree>
       <p:nvGrpSpPr>
-        <p:cNvPr id="113" name="Shape 113"/>
+        <p:cNvPr id="1" name="Shape 113"/>
         <p:cNvGrpSpPr/>
         <p:nvPr/>
       </p:nvGrpSpPr>
@@ -2022,9 +2108,11 @@
       <p:sp>
         <p:nvSpPr>
           <p:cNvPr id="114" name="Google Shape;114;gd611b12ea7_0_9:notes"/>
-          <p:cNvSpPr/>
+          <p:cNvSpPr>
+            <a:spLocks noGrp="1" noRot="1" noChangeAspect="1"/>
+          </p:cNvSpPr>
           <p:nvPr>
-            <p:ph idx="2" type="sldImg"/>
+            <p:ph type="sldImg" idx="2"/>
           </p:nvPr>
         </p:nvSpPr>
         <p:spPr>
@@ -2033,9 +2121,13 @@
             <a:ext cx="6096000" cy="3429000"/>
           </a:xfrm>
           <a:custGeom>
-            <a:rect b="b" l="l" r="r" t="t"/>
+            <a:avLst/>
+            <a:gdLst/>
+            <a:ahLst/>
+            <a:cxnLst/>
+            <a:rect l="l" t="t" r="r" b="b"/>
             <a:pathLst>
-              <a:path extrusionOk="0" h="120000" w="120000">
+              <a:path w="120000" h="120000" extrusionOk="0">
                 <a:moveTo>
                   <a:pt x="0" y="0"/>
                 </a:moveTo>
@@ -2057,9 +2149,11 @@
       <p:sp>
         <p:nvSpPr>
           <p:cNvPr id="115" name="Google Shape;115;gd611b12ea7_0_9:notes"/>
-          <p:cNvSpPr txBox="1"/>
+          <p:cNvSpPr txBox="1">
+            <a:spLocks noGrp="1"/>
+          </p:cNvSpPr>
           <p:nvPr>
-            <p:ph idx="1" type="body"/>
+            <p:ph type="body" idx="1"/>
           </p:nvPr>
         </p:nvSpPr>
         <p:spPr>
@@ -2072,23 +2166,20 @@
           </a:prstGeom>
         </p:spPr>
         <p:txBody>
-          <a:bodyPr anchorCtr="0" anchor="t" bIns="91425" lIns="91425" spcFirstLastPara="1" rIns="91425" wrap="square" tIns="91425">
+          <a:bodyPr spcFirstLastPara="1" wrap="square" lIns="91425" tIns="91425" rIns="91425" bIns="91425" anchor="t" anchorCtr="0">
             <a:noAutofit/>
           </a:bodyPr>
           <a:lstStyle/>
           <a:p>
-            <a:pPr indent="0" lvl="0" marL="0" rtl="0" algn="l">
-              <a:spcBef>
-                <a:spcPts val="0"/>
-              </a:spcBef>
-              <a:spcAft>
-                <a:spcPts val="0"/>
-              </a:spcAft>
-              <a:buNone/>
-            </a:pPr>
-            <a:r>
-              <a:t/>
-            </a:r>
+            <a:pPr marL="0" lvl="0" indent="0" algn="l" rtl="0">
+              <a:spcBef>
+                <a:spcPts val="0"/>
+              </a:spcBef>
+              <a:spcAft>
+                <a:spcPts val="0"/>
+              </a:spcAft>
+              <a:buNone/>
+            </a:pPr>
             <a:endParaRPr/>
           </a:p>
         </p:txBody>
@@ -2102,11 +2193,11 @@
 </file>
 
 <file path=ppt/slideLayouts/slideLayout1.xml><?xml version="1.0" encoding="utf-8"?>
-<p:sldLayout xmlns:a="http://schemas.openxmlformats.org/drawingml/2006/main" xmlns:r="http://schemas.openxmlformats.org/officeDocument/2006/relationships" xmlns:mc="http://schemas.openxmlformats.org/markup-compatibility/2006" xmlns:mv="urn:schemas-microsoft-com:mac:vml" xmlns:p="http://schemas.openxmlformats.org/presentationml/2006/main" xmlns:c="http://schemas.openxmlformats.org/drawingml/2006/chart" xmlns:dgm="http://schemas.openxmlformats.org/drawingml/2006/diagram" xmlns:o="urn:schemas-microsoft-com:office:office" xmlns:v="urn:schemas-microsoft-com:vml" xmlns:pvml="urn:schemas-microsoft-com:office:powerpoint" xmlns:com="http://schemas.openxmlformats.org/drawingml/2006/compatibility" xmlns:p14="http://schemas.microsoft.com/office/powerpoint/2010/main" xmlns:p15="http://schemas.microsoft.com/office/powerpoint/2012/main" xmlns:ahyp="http://schemas.microsoft.com/office/drawing/2018/hyperlinkcolor" matchingName="Title slide" type="title">
+<p:sldLayout xmlns:a="http://schemas.openxmlformats.org/drawingml/2006/main" xmlns:r="http://schemas.openxmlformats.org/officeDocument/2006/relationships" xmlns:p="http://schemas.openxmlformats.org/presentationml/2006/main" matchingName="Title slide" type="title">
   <p:cSld name="TITLE">
     <p:spTree>
       <p:nvGrpSpPr>
-        <p:cNvPr id="9" name="Shape 9"/>
+        <p:cNvPr id="1" name="Shape 9"/>
         <p:cNvGrpSpPr/>
         <p:nvPr/>
       </p:nvGrpSpPr>
@@ -2140,23 +2231,20 @@
           </a:ln>
         </p:spPr>
         <p:txBody>
-          <a:bodyPr anchorCtr="0" anchor="ctr" bIns="91425" lIns="91425" spcFirstLastPara="1" rIns="91425" wrap="square" tIns="91425">
+          <a:bodyPr spcFirstLastPara="1" wrap="square" lIns="91425" tIns="91425" rIns="91425" bIns="91425" anchor="ctr" anchorCtr="0">
             <a:noAutofit/>
           </a:bodyPr>
           <a:lstStyle/>
           <a:p>
-            <a:pPr indent="0" lvl="0" marL="0" rtl="0" algn="l">
-              <a:spcBef>
-                <a:spcPts val="0"/>
-              </a:spcBef>
-              <a:spcAft>
-                <a:spcPts val="0"/>
-              </a:spcAft>
-              <a:buNone/>
-            </a:pPr>
-            <a:r>
-              <a:t/>
-            </a:r>
+            <a:pPr marL="0" lvl="0" indent="0" algn="l" rtl="0">
+              <a:spcBef>
+                <a:spcPts val="0"/>
+              </a:spcBef>
+              <a:spcAft>
+                <a:spcPts val="0"/>
+              </a:spcAft>
+              <a:buNone/>
+            </a:pPr>
             <a:endParaRPr/>
           </a:p>
         </p:txBody>
@@ -2176,34 +2264,31 @@
             <a:avLst/>
           </a:prstGeom>
           <a:noFill/>
-          <a:ln cap="flat" cmpd="sng" w="28575">
+          <a:ln w="28575" cap="flat" cmpd="sng">
             <a:solidFill>
               <a:schemeClr val="lt1"/>
             </a:solidFill>
             <a:prstDash val="solid"/>
             <a:miter lim="8000"/>
-            <a:headEnd len="sm" w="sm" type="none"/>
-            <a:tailEnd len="sm" w="sm" type="none"/>
+            <a:headEnd type="none" w="sm" len="sm"/>
+            <a:tailEnd type="none" w="sm" len="sm"/>
           </a:ln>
         </p:spPr>
         <p:txBody>
-          <a:bodyPr anchorCtr="0" anchor="ctr" bIns="91425" lIns="91425" spcFirstLastPara="1" rIns="91425" wrap="square" tIns="91425">
+          <a:bodyPr spcFirstLastPara="1" wrap="square" lIns="91425" tIns="91425" rIns="91425" bIns="91425" anchor="ctr" anchorCtr="0">
             <a:noAutofit/>
           </a:bodyPr>
           <a:lstStyle/>
           <a:p>
-            <a:pPr indent="0" lvl="0" marL="0" rtl="0" algn="l">
-              <a:spcBef>
-                <a:spcPts val="0"/>
-              </a:spcBef>
-              <a:spcAft>
-                <a:spcPts val="0"/>
-              </a:spcAft>
-              <a:buNone/>
-            </a:pPr>
-            <a:r>
-              <a:t/>
-            </a:r>
+            <a:pPr marL="0" lvl="0" indent="0" algn="l" rtl="0">
+              <a:spcBef>
+                <a:spcPts val="0"/>
+              </a:spcBef>
+              <a:spcAft>
+                <a:spcPts val="0"/>
+              </a:spcAft>
+              <a:buNone/>
+            </a:pPr>
             <a:endParaRPr/>
           </a:p>
         </p:txBody>
@@ -2211,7 +2296,9 @@
       <p:sp>
         <p:nvSpPr>
           <p:cNvPr id="12" name="Google Shape;12;p2"/>
-          <p:cNvSpPr txBox="1"/>
+          <p:cNvSpPr txBox="1">
+            <a:spLocks noGrp="1"/>
+          </p:cNvSpPr>
           <p:nvPr>
             <p:ph type="ctrTitle"/>
           </p:nvPr>
@@ -2226,7 +2313,7 @@
           </a:prstGeom>
         </p:spPr>
         <p:txBody>
-          <a:bodyPr anchorCtr="0" anchor="ctr" bIns="91425" lIns="91425" spcFirstLastPara="1" rIns="91425" wrap="square" tIns="91425">
+          <a:bodyPr spcFirstLastPara="1" wrap="square" lIns="91425" tIns="91425" rIns="91425" bIns="91425" anchor="ctr" anchorCtr="0">
             <a:normAutofit/>
           </a:bodyPr>
           <a:lstStyle>
@@ -2438,15 +2525,19 @@
               </a:defRPr>
             </a:lvl9pPr>
           </a:lstStyle>
-          <a:p/>
+          <a:p>
+            <a:endParaRPr/>
+          </a:p>
         </p:txBody>
       </p:sp>
       <p:sp>
         <p:nvSpPr>
           <p:cNvPr id="13" name="Google Shape;13;p2"/>
-          <p:cNvSpPr txBox="1"/>
+          <p:cNvSpPr txBox="1">
+            <a:spLocks noGrp="1"/>
+          </p:cNvSpPr>
           <p:nvPr>
-            <p:ph idx="1" type="subTitle"/>
+            <p:ph type="subTitle" idx="1"/>
           </p:nvPr>
         </p:nvSpPr>
         <p:spPr>
@@ -2459,7 +2550,7 @@
           </a:prstGeom>
         </p:spPr>
         <p:txBody>
-          <a:bodyPr anchorCtr="0" anchor="b" bIns="91425" lIns="91425" spcFirstLastPara="1" rIns="91425" wrap="square" tIns="91425">
+          <a:bodyPr spcFirstLastPara="1" wrap="square" lIns="91425" tIns="91425" rIns="91425" bIns="91425" anchor="b" anchorCtr="0">
             <a:normAutofit/>
           </a:bodyPr>
           <a:lstStyle>
@@ -2505,7 +2596,7 @@
               <a:buSzPts val="1800"/>
               <a:buFont typeface="Playfair Display"/>
               <a:buNone/>
-              <a:defRPr b="1" sz="1800">
+              <a:defRPr sz="1800" b="1">
                 <a:solidFill>
                   <a:schemeClr val="lt1"/>
                 </a:solidFill>
@@ -2531,7 +2622,7 @@
               <a:buSzPts val="1800"/>
               <a:buFont typeface="Playfair Display"/>
               <a:buNone/>
-              <a:defRPr b="1" sz="1800">
+              <a:defRPr sz="1800" b="1">
                 <a:solidFill>
                   <a:schemeClr val="lt1"/>
                 </a:solidFill>
@@ -2557,7 +2648,7 @@
               <a:buSzPts val="1800"/>
               <a:buFont typeface="Playfair Display"/>
               <a:buNone/>
-              <a:defRPr b="1" sz="1800">
+              <a:defRPr sz="1800" b="1">
                 <a:solidFill>
                   <a:schemeClr val="lt1"/>
                 </a:solidFill>
@@ -2583,7 +2674,7 @@
               <a:buSzPts val="1800"/>
               <a:buFont typeface="Playfair Display"/>
               <a:buNone/>
-              <a:defRPr b="1" sz="1800">
+              <a:defRPr sz="1800" b="1">
                 <a:solidFill>
                   <a:schemeClr val="lt1"/>
                 </a:solidFill>
@@ -2609,7 +2700,7 @@
               <a:buSzPts val="1800"/>
               <a:buFont typeface="Playfair Display"/>
               <a:buNone/>
-              <a:defRPr b="1" sz="1800">
+              <a:defRPr sz="1800" b="1">
                 <a:solidFill>
                   <a:schemeClr val="lt1"/>
                 </a:solidFill>
@@ -2635,7 +2726,7 @@
               <a:buSzPts val="1800"/>
               <a:buFont typeface="Playfair Display"/>
               <a:buNone/>
-              <a:defRPr b="1" sz="1800">
+              <a:defRPr sz="1800" b="1">
                 <a:solidFill>
                   <a:schemeClr val="lt1"/>
                 </a:solidFill>
@@ -2661,7 +2752,7 @@
               <a:buSzPts val="1800"/>
               <a:buFont typeface="Playfair Display"/>
               <a:buNone/>
-              <a:defRPr b="1" sz="1800">
+              <a:defRPr sz="1800" b="1">
                 <a:solidFill>
                   <a:schemeClr val="lt1"/>
                 </a:solidFill>
@@ -2687,7 +2778,7 @@
               <a:buSzPts val="1800"/>
               <a:buFont typeface="Playfair Display"/>
               <a:buNone/>
-              <a:defRPr b="1" sz="1800">
+              <a:defRPr sz="1800" b="1">
                 <a:solidFill>
                   <a:schemeClr val="lt1"/>
                 </a:solidFill>
@@ -2698,15 +2789,19 @@
               </a:defRPr>
             </a:lvl9pPr>
           </a:lstStyle>
-          <a:p/>
+          <a:p>
+            <a:endParaRPr/>
+          </a:p>
         </p:txBody>
       </p:sp>
       <p:sp>
         <p:nvSpPr>
           <p:cNvPr id="14" name="Google Shape;14;p2"/>
-          <p:cNvSpPr txBox="1"/>
+          <p:cNvSpPr txBox="1">
+            <a:spLocks noGrp="1"/>
+          </p:cNvSpPr>
           <p:nvPr>
-            <p:ph idx="12" type="sldNum"/>
+            <p:ph type="sldNum" idx="12"/>
           </p:nvPr>
         </p:nvSpPr>
         <p:spPr>
@@ -2719,7 +2814,7 @@
           </a:prstGeom>
         </p:spPr>
         <p:txBody>
-          <a:bodyPr anchorCtr="0" anchor="ctr" bIns="91425" lIns="91425" spcFirstLastPara="1" rIns="91425" wrap="square" tIns="91425">
+          <a:bodyPr spcFirstLastPara="1" wrap="square" lIns="91425" tIns="91425" rIns="91425" bIns="91425" anchor="ctr" anchorCtr="0">
             <a:normAutofit/>
           </a:bodyPr>
           <a:lstStyle>
@@ -2761,7 +2856,7 @@
             </a:lvl9pPr>
           </a:lstStyle>
           <a:p>
-            <a:pPr indent="0" lvl="0" marL="0" rtl="0" algn="r">
+            <a:pPr marL="0" lvl="0" indent="0" algn="r" rtl="0">
               <a:spcBef>
                 <a:spcPts val="0"/>
               </a:spcBef>
@@ -2787,11 +2882,11 @@
 </file>
 
 <file path=ppt/slideLayouts/slideLayout10.xml><?xml version="1.0" encoding="utf-8"?>
-<p:sldLayout xmlns:a="http://schemas.openxmlformats.org/drawingml/2006/main" xmlns:r="http://schemas.openxmlformats.org/officeDocument/2006/relationships" xmlns:mc="http://schemas.openxmlformats.org/markup-compatibility/2006" xmlns:mv="urn:schemas-microsoft-com:mac:vml" xmlns:p="http://schemas.openxmlformats.org/presentationml/2006/main" xmlns:c="http://schemas.openxmlformats.org/drawingml/2006/chart" xmlns:dgm="http://schemas.openxmlformats.org/drawingml/2006/diagram" xmlns:o="urn:schemas-microsoft-com:office:office" xmlns:v="urn:schemas-microsoft-com:vml" xmlns:pvml="urn:schemas-microsoft-com:office:powerpoint" xmlns:com="http://schemas.openxmlformats.org/drawingml/2006/compatibility" xmlns:p14="http://schemas.microsoft.com/office/powerpoint/2010/main" xmlns:p15="http://schemas.microsoft.com/office/powerpoint/2012/main" xmlns:ahyp="http://schemas.microsoft.com/office/drawing/2018/hyperlinkcolor" matchingName="Big number">
+<p:sldLayout xmlns:a="http://schemas.openxmlformats.org/drawingml/2006/main" xmlns:r="http://schemas.openxmlformats.org/officeDocument/2006/relationships" xmlns:p="http://schemas.openxmlformats.org/presentationml/2006/main" matchingName="Big number">
   <p:cSld name="BIG_NUMBER">
     <p:spTree>
       <p:nvGrpSpPr>
-        <p:cNvPr id="48" name="Shape 48"/>
+        <p:cNvPr id="1" name="Shape 48"/>
         <p:cNvGrpSpPr/>
         <p:nvPr/>
       </p:nvGrpSpPr>
@@ -2825,23 +2920,20 @@
           </a:ln>
         </p:spPr>
         <p:txBody>
-          <a:bodyPr anchorCtr="0" anchor="ctr" bIns="91425" lIns="91425" spcFirstLastPara="1" rIns="91425" wrap="square" tIns="91425">
+          <a:bodyPr spcFirstLastPara="1" wrap="square" lIns="91425" tIns="91425" rIns="91425" bIns="91425" anchor="ctr" anchorCtr="0">
             <a:noAutofit/>
           </a:bodyPr>
           <a:lstStyle/>
           <a:p>
-            <a:pPr indent="0" lvl="0" marL="0" rtl="0" algn="l">
-              <a:spcBef>
-                <a:spcPts val="0"/>
-              </a:spcBef>
-              <a:spcAft>
-                <a:spcPts val="0"/>
-              </a:spcAft>
-              <a:buNone/>
-            </a:pPr>
-            <a:r>
-              <a:t/>
-            </a:r>
+            <a:pPr marL="0" lvl="0" indent="0" algn="l" rtl="0">
+              <a:spcBef>
+                <a:spcPts val="0"/>
+              </a:spcBef>
+              <a:spcAft>
+                <a:spcPts val="0"/>
+              </a:spcAft>
+              <a:buNone/>
+            </a:pPr>
             <a:endParaRPr/>
           </a:p>
         </p:txBody>
@@ -2849,9 +2941,11 @@
       <p:sp>
         <p:nvSpPr>
           <p:cNvPr id="50" name="Google Shape;50;p11"/>
-          <p:cNvSpPr txBox="1"/>
+          <p:cNvSpPr txBox="1">
+            <a:spLocks noGrp="1"/>
+          </p:cNvSpPr>
           <p:nvPr>
-            <p:ph hasCustomPrompt="1" type="title"/>
+            <p:ph type="title" hasCustomPrompt="1"/>
           </p:nvPr>
         </p:nvSpPr>
         <p:spPr>
@@ -2864,7 +2958,7 @@
           </a:prstGeom>
         </p:spPr>
         <p:txBody>
-          <a:bodyPr anchorCtr="0" anchor="b" bIns="91425" lIns="91425" spcFirstLastPara="1" rIns="91425" wrap="square" tIns="91425">
+          <a:bodyPr spcFirstLastPara="1" wrap="square" lIns="91425" tIns="91425" rIns="91425" bIns="91425" anchor="b" anchorCtr="0">
             <a:normAutofit/>
           </a:bodyPr>
           <a:lstStyle>
@@ -3032,9 +3126,11 @@
       <p:sp>
         <p:nvSpPr>
           <p:cNvPr id="51" name="Google Shape;51;p11"/>
-          <p:cNvSpPr txBox="1"/>
+          <p:cNvSpPr txBox="1">
+            <a:spLocks noGrp="1"/>
+          </p:cNvSpPr>
           <p:nvPr>
-            <p:ph idx="1" type="body"/>
+            <p:ph type="body" idx="1"/>
           </p:nvPr>
         </p:nvSpPr>
         <p:spPr>
@@ -3047,11 +3143,11 @@
           </a:prstGeom>
         </p:spPr>
         <p:txBody>
-          <a:bodyPr anchorCtr="0" anchor="t" bIns="91425" lIns="91425" spcFirstLastPara="1" rIns="91425" wrap="square" tIns="91425">
+          <a:bodyPr spcFirstLastPara="1" wrap="square" lIns="91425" tIns="91425" rIns="91425" bIns="91425" anchor="t" anchorCtr="0">
             <a:normAutofit/>
           </a:bodyPr>
           <a:lstStyle>
-            <a:lvl1pPr indent="-342900" lvl="0" marL="457200" algn="ctr">
+            <a:lvl1pPr marL="457200" lvl="0" indent="-342900" algn="ctr">
               <a:spcBef>
                 <a:spcPts val="0"/>
               </a:spcBef>
@@ -3062,7 +3158,7 @@
               <a:buChar char="●"/>
               <a:defRPr/>
             </a:lvl1pPr>
-            <a:lvl2pPr indent="-317500" lvl="1" marL="914400" algn="ctr">
+            <a:lvl2pPr marL="914400" lvl="1" indent="-317500" algn="ctr">
               <a:spcBef>
                 <a:spcPts val="0"/>
               </a:spcBef>
@@ -3073,7 +3169,7 @@
               <a:buChar char="○"/>
               <a:defRPr/>
             </a:lvl2pPr>
-            <a:lvl3pPr indent="-317500" lvl="2" marL="1371600" algn="ctr">
+            <a:lvl3pPr marL="1371600" lvl="2" indent="-317500" algn="ctr">
               <a:spcBef>
                 <a:spcPts val="0"/>
               </a:spcBef>
@@ -3084,7 +3180,7 @@
               <a:buChar char="■"/>
               <a:defRPr/>
             </a:lvl3pPr>
-            <a:lvl4pPr indent="-317500" lvl="3" marL="1828800" algn="ctr">
+            <a:lvl4pPr marL="1828800" lvl="3" indent="-317500" algn="ctr">
               <a:spcBef>
                 <a:spcPts val="0"/>
               </a:spcBef>
@@ -3095,7 +3191,7 @@
               <a:buChar char="●"/>
               <a:defRPr/>
             </a:lvl4pPr>
-            <a:lvl5pPr indent="-317500" lvl="4" marL="2286000" algn="ctr">
+            <a:lvl5pPr marL="2286000" lvl="4" indent="-317500" algn="ctr">
               <a:spcBef>
                 <a:spcPts val="0"/>
               </a:spcBef>
@@ -3106,7 +3202,7 @@
               <a:buChar char="○"/>
               <a:defRPr/>
             </a:lvl5pPr>
-            <a:lvl6pPr indent="-317500" lvl="5" marL="2743200" algn="ctr">
+            <a:lvl6pPr marL="2743200" lvl="5" indent="-317500" algn="ctr">
               <a:spcBef>
                 <a:spcPts val="0"/>
               </a:spcBef>
@@ -3117,7 +3213,7 @@
               <a:buChar char="■"/>
               <a:defRPr/>
             </a:lvl6pPr>
-            <a:lvl7pPr indent="-317500" lvl="6" marL="3200400" algn="ctr">
+            <a:lvl7pPr marL="3200400" lvl="6" indent="-317500" algn="ctr">
               <a:spcBef>
                 <a:spcPts val="0"/>
               </a:spcBef>
@@ -3128,7 +3224,7 @@
               <a:buChar char="●"/>
               <a:defRPr/>
             </a:lvl7pPr>
-            <a:lvl8pPr indent="-317500" lvl="7" marL="3657600" algn="ctr">
+            <a:lvl8pPr marL="3657600" lvl="7" indent="-317500" algn="ctr">
               <a:spcBef>
                 <a:spcPts val="0"/>
               </a:spcBef>
@@ -3139,7 +3235,7 @@
               <a:buChar char="○"/>
               <a:defRPr/>
             </a:lvl8pPr>
-            <a:lvl9pPr indent="-317500" lvl="8" marL="4114800" algn="ctr">
+            <a:lvl9pPr marL="4114800" lvl="8" indent="-317500" algn="ctr">
               <a:spcBef>
                 <a:spcPts val="0"/>
               </a:spcBef>
@@ -3151,15 +3247,19 @@
               <a:defRPr/>
             </a:lvl9pPr>
           </a:lstStyle>
-          <a:p/>
+          <a:p>
+            <a:endParaRPr/>
+          </a:p>
         </p:txBody>
       </p:sp>
       <p:sp>
         <p:nvSpPr>
           <p:cNvPr id="52" name="Google Shape;52;p11"/>
-          <p:cNvSpPr txBox="1"/>
+          <p:cNvSpPr txBox="1">
+            <a:spLocks noGrp="1"/>
+          </p:cNvSpPr>
           <p:nvPr>
-            <p:ph idx="12" type="sldNum"/>
+            <p:ph type="sldNum" idx="12"/>
           </p:nvPr>
         </p:nvSpPr>
         <p:spPr>
@@ -3172,7 +3272,7 @@
           </a:prstGeom>
         </p:spPr>
         <p:txBody>
-          <a:bodyPr anchorCtr="0" anchor="ctr" bIns="91425" lIns="91425" spcFirstLastPara="1" rIns="91425" wrap="square" tIns="91425">
+          <a:bodyPr spcFirstLastPara="1" wrap="square" lIns="91425" tIns="91425" rIns="91425" bIns="91425" anchor="ctr" anchorCtr="0">
             <a:normAutofit/>
           </a:bodyPr>
           <a:lstStyle>
@@ -3214,7 +3314,7 @@
             </a:lvl9pPr>
           </a:lstStyle>
           <a:p>
-            <a:pPr indent="0" lvl="0" marL="0" rtl="0" algn="r">
+            <a:pPr marL="0" lvl="0" indent="0" algn="r" rtl="0">
               <a:spcBef>
                 <a:spcPts val="0"/>
               </a:spcBef>
@@ -3240,11 +3340,11 @@
 </file>
 
 <file path=ppt/slideLayouts/slideLayout11.xml><?xml version="1.0" encoding="utf-8"?>
-<p:sldLayout xmlns:a="http://schemas.openxmlformats.org/drawingml/2006/main" xmlns:r="http://schemas.openxmlformats.org/officeDocument/2006/relationships" xmlns:mc="http://schemas.openxmlformats.org/markup-compatibility/2006" xmlns:mv="urn:schemas-microsoft-com:mac:vml" xmlns:p="http://schemas.openxmlformats.org/presentationml/2006/main" xmlns:c="http://schemas.openxmlformats.org/drawingml/2006/chart" xmlns:dgm="http://schemas.openxmlformats.org/drawingml/2006/diagram" xmlns:o="urn:schemas-microsoft-com:office:office" xmlns:v="urn:schemas-microsoft-com:vml" xmlns:pvml="urn:schemas-microsoft-com:office:powerpoint" xmlns:com="http://schemas.openxmlformats.org/drawingml/2006/compatibility" xmlns:p14="http://schemas.microsoft.com/office/powerpoint/2010/main" xmlns:p15="http://schemas.microsoft.com/office/powerpoint/2012/main" xmlns:ahyp="http://schemas.microsoft.com/office/drawing/2018/hyperlinkcolor" matchingName="Blank" type="blank">
+<p:sldLayout xmlns:a="http://schemas.openxmlformats.org/drawingml/2006/main" xmlns:r="http://schemas.openxmlformats.org/officeDocument/2006/relationships" xmlns:p="http://schemas.openxmlformats.org/presentationml/2006/main" matchingName="Blank" type="blank">
   <p:cSld name="BLANK">
     <p:spTree>
       <p:nvGrpSpPr>
-        <p:cNvPr id="53" name="Shape 53"/>
+        <p:cNvPr id="1" name="Shape 53"/>
         <p:cNvGrpSpPr/>
         <p:nvPr/>
       </p:nvGrpSpPr>
@@ -3259,9 +3359,11 @@
       <p:sp>
         <p:nvSpPr>
           <p:cNvPr id="54" name="Google Shape;54;p12"/>
-          <p:cNvSpPr txBox="1"/>
+          <p:cNvSpPr txBox="1">
+            <a:spLocks noGrp="1"/>
+          </p:cNvSpPr>
           <p:nvPr>
-            <p:ph idx="12" type="sldNum"/>
+            <p:ph type="sldNum" idx="12"/>
           </p:nvPr>
         </p:nvSpPr>
         <p:spPr>
@@ -3274,7 +3376,7 @@
           </a:prstGeom>
         </p:spPr>
         <p:txBody>
-          <a:bodyPr anchorCtr="0" anchor="ctr" bIns="91425" lIns="91425" spcFirstLastPara="1" rIns="91425" wrap="square" tIns="91425">
+          <a:bodyPr spcFirstLastPara="1" wrap="square" lIns="91425" tIns="91425" rIns="91425" bIns="91425" anchor="ctr" anchorCtr="0">
             <a:normAutofit/>
           </a:bodyPr>
           <a:lstStyle>
@@ -3316,7 +3418,7 @@
             </a:lvl9pPr>
           </a:lstStyle>
           <a:p>
-            <a:pPr indent="0" lvl="0" marL="0" rtl="0" algn="r">
+            <a:pPr marL="0" lvl="0" indent="0" algn="r" rtl="0">
               <a:spcBef>
                 <a:spcPts val="0"/>
               </a:spcBef>
@@ -3342,18 +3444,19 @@
 </file>
 
 <file path=ppt/slideLayouts/slideLayout2.xml><?xml version="1.0" encoding="utf-8"?>
-<p:sldLayout xmlns:a="http://schemas.openxmlformats.org/drawingml/2006/main" xmlns:r="http://schemas.openxmlformats.org/officeDocument/2006/relationships" xmlns:mc="http://schemas.openxmlformats.org/markup-compatibility/2006" xmlns:mv="urn:schemas-microsoft-com:mac:vml" xmlns:p="http://schemas.openxmlformats.org/presentationml/2006/main" xmlns:c="http://schemas.openxmlformats.org/drawingml/2006/chart" xmlns:dgm="http://schemas.openxmlformats.org/drawingml/2006/diagram" xmlns:o="urn:schemas-microsoft-com:office:office" xmlns:v="urn:schemas-microsoft-com:vml" xmlns:pvml="urn:schemas-microsoft-com:office:powerpoint" xmlns:com="http://schemas.openxmlformats.org/drawingml/2006/compatibility" xmlns:p14="http://schemas.microsoft.com/office/powerpoint/2010/main" xmlns:p15="http://schemas.microsoft.com/office/powerpoint/2012/main" xmlns:ahyp="http://schemas.microsoft.com/office/drawing/2018/hyperlinkcolor" matchingName="Section header" type="secHead">
+<p:sldLayout xmlns:a="http://schemas.openxmlformats.org/drawingml/2006/main" xmlns:r="http://schemas.openxmlformats.org/officeDocument/2006/relationships" xmlns:p="http://schemas.openxmlformats.org/presentationml/2006/main" matchingName="Section header" type="secHead">
   <p:cSld name="SECTION_HEADER">
     <p:bg>
       <p:bgPr>
         <a:solidFill>
           <a:schemeClr val="dk1"/>
         </a:solidFill>
+        <a:effectLst/>
       </p:bgPr>
     </p:bg>
     <p:spTree>
       <p:nvGrpSpPr>
-        <p:cNvPr id="15" name="Shape 15"/>
+        <p:cNvPr id="1" name="Shape 15"/>
         <p:cNvGrpSpPr/>
         <p:nvPr/>
       </p:nvGrpSpPr>
@@ -3368,7 +3471,9 @@
       <p:sp>
         <p:nvSpPr>
           <p:cNvPr id="16" name="Google Shape;16;p3"/>
-          <p:cNvSpPr txBox="1"/>
+          <p:cNvSpPr txBox="1">
+            <a:spLocks noGrp="1"/>
+          </p:cNvSpPr>
           <p:nvPr>
             <p:ph type="title"/>
           </p:nvPr>
@@ -3383,7 +3488,7 @@
           </a:prstGeom>
         </p:spPr>
         <p:txBody>
-          <a:bodyPr anchorCtr="0" anchor="ctr" bIns="91425" lIns="91425" spcFirstLastPara="1" rIns="91425" wrap="square" tIns="91425">
+          <a:bodyPr spcFirstLastPara="1" wrap="square" lIns="91425" tIns="91425" rIns="91425" bIns="91425" anchor="ctr" anchorCtr="0">
             <a:normAutofit/>
           </a:bodyPr>
           <a:lstStyle>
@@ -3400,7 +3505,7 @@
               <a:buSzPts val="4800"/>
               <a:buFont typeface="Lato"/>
               <a:buNone/>
-              <a:defRPr b="0" sz="4800">
+              <a:defRPr sz="4800" b="0">
                 <a:solidFill>
                   <a:schemeClr val="lt1"/>
                 </a:solidFill>
@@ -3423,7 +3528,7 @@
               <a:buSzPts val="4800"/>
               <a:buFont typeface="Lato"/>
               <a:buNone/>
-              <a:defRPr b="0" sz="4800">
+              <a:defRPr sz="4800" b="0">
                 <a:solidFill>
                   <a:schemeClr val="lt1"/>
                 </a:solidFill>
@@ -3446,7 +3551,7 @@
               <a:buSzPts val="4800"/>
               <a:buFont typeface="Lato"/>
               <a:buNone/>
-              <a:defRPr b="0" sz="4800">
+              <a:defRPr sz="4800" b="0">
                 <a:solidFill>
                   <a:schemeClr val="lt1"/>
                 </a:solidFill>
@@ -3469,7 +3574,7 @@
               <a:buSzPts val="4800"/>
               <a:buFont typeface="Lato"/>
               <a:buNone/>
-              <a:defRPr b="0" sz="4800">
+              <a:defRPr sz="4800" b="0">
                 <a:solidFill>
                   <a:schemeClr val="lt1"/>
                 </a:solidFill>
@@ -3492,7 +3597,7 @@
               <a:buSzPts val="4800"/>
               <a:buFont typeface="Lato"/>
               <a:buNone/>
-              <a:defRPr b="0" sz="4800">
+              <a:defRPr sz="4800" b="0">
                 <a:solidFill>
                   <a:schemeClr val="lt1"/>
                 </a:solidFill>
@@ -3515,7 +3620,7 @@
               <a:buSzPts val="4800"/>
               <a:buFont typeface="Lato"/>
               <a:buNone/>
-              <a:defRPr b="0" sz="4800">
+              <a:defRPr sz="4800" b="0">
                 <a:solidFill>
                   <a:schemeClr val="lt1"/>
                 </a:solidFill>
@@ -3538,7 +3643,7 @@
               <a:buSzPts val="4800"/>
               <a:buFont typeface="Lato"/>
               <a:buNone/>
-              <a:defRPr b="0" sz="4800">
+              <a:defRPr sz="4800" b="0">
                 <a:solidFill>
                   <a:schemeClr val="lt1"/>
                 </a:solidFill>
@@ -3561,7 +3666,7 @@
               <a:buSzPts val="4800"/>
               <a:buFont typeface="Lato"/>
               <a:buNone/>
-              <a:defRPr b="0" sz="4800">
+              <a:defRPr sz="4800" b="0">
                 <a:solidFill>
                   <a:schemeClr val="lt1"/>
                 </a:solidFill>
@@ -3584,7 +3689,7 @@
               <a:buSzPts val="4800"/>
               <a:buFont typeface="Lato"/>
               <a:buNone/>
-              <a:defRPr b="0" sz="4800">
+              <a:defRPr sz="4800" b="0">
                 <a:solidFill>
                   <a:schemeClr val="lt1"/>
                 </a:solidFill>
@@ -3595,15 +3700,19 @@
               </a:defRPr>
             </a:lvl9pPr>
           </a:lstStyle>
-          <a:p/>
+          <a:p>
+            <a:endParaRPr/>
+          </a:p>
         </p:txBody>
       </p:sp>
       <p:sp>
         <p:nvSpPr>
           <p:cNvPr id="17" name="Google Shape;17;p3"/>
-          <p:cNvSpPr txBox="1"/>
+          <p:cNvSpPr txBox="1">
+            <a:spLocks noGrp="1"/>
+          </p:cNvSpPr>
           <p:nvPr>
-            <p:ph idx="12" type="sldNum"/>
+            <p:ph type="sldNum" idx="12"/>
           </p:nvPr>
         </p:nvSpPr>
         <p:spPr>
@@ -3616,7 +3725,7 @@
           </a:prstGeom>
         </p:spPr>
         <p:txBody>
-          <a:bodyPr anchorCtr="0" anchor="ctr" bIns="91425" lIns="91425" spcFirstLastPara="1" rIns="91425" wrap="square" tIns="91425">
+          <a:bodyPr spcFirstLastPara="1" wrap="square" lIns="91425" tIns="91425" rIns="91425" bIns="91425" anchor="ctr" anchorCtr="0">
             <a:normAutofit/>
           </a:bodyPr>
           <a:lstStyle>
@@ -3694,7 +3803,7 @@
             </a:lvl9pPr>
           </a:lstStyle>
           <a:p>
-            <a:pPr indent="0" lvl="0" marL="0" rtl="0" algn="r">
+            <a:pPr marL="0" lvl="0" indent="0" algn="r" rtl="0">
               <a:spcBef>
                 <a:spcPts val="0"/>
               </a:spcBef>
@@ -3720,11 +3829,11 @@
 </file>
 
 <file path=ppt/slideLayouts/slideLayout3.xml><?xml version="1.0" encoding="utf-8"?>
-<p:sldLayout xmlns:a="http://schemas.openxmlformats.org/drawingml/2006/main" xmlns:r="http://schemas.openxmlformats.org/officeDocument/2006/relationships" xmlns:mc="http://schemas.openxmlformats.org/markup-compatibility/2006" xmlns:mv="urn:schemas-microsoft-com:mac:vml" xmlns:p="http://schemas.openxmlformats.org/presentationml/2006/main" xmlns:c="http://schemas.openxmlformats.org/drawingml/2006/chart" xmlns:dgm="http://schemas.openxmlformats.org/drawingml/2006/diagram" xmlns:o="urn:schemas-microsoft-com:office:office" xmlns:v="urn:schemas-microsoft-com:vml" xmlns:pvml="urn:schemas-microsoft-com:office:powerpoint" xmlns:com="http://schemas.openxmlformats.org/drawingml/2006/compatibility" xmlns:p14="http://schemas.microsoft.com/office/powerpoint/2010/main" xmlns:p15="http://schemas.microsoft.com/office/powerpoint/2012/main" xmlns:ahyp="http://schemas.microsoft.com/office/drawing/2018/hyperlinkcolor" matchingName="Title and body" type="tx">
+<p:sldLayout xmlns:a="http://schemas.openxmlformats.org/drawingml/2006/main" xmlns:r="http://schemas.openxmlformats.org/officeDocument/2006/relationships" xmlns:p="http://schemas.openxmlformats.org/presentationml/2006/main" matchingName="Title and body" type="tx">
   <p:cSld name="TITLE_AND_BODY">
     <p:spTree>
       <p:nvGrpSpPr>
-        <p:cNvPr id="18" name="Shape 18"/>
+        <p:cNvPr id="1" name="Shape 18"/>
         <p:cNvGrpSpPr/>
         <p:nvPr/>
       </p:nvGrpSpPr>
@@ -3758,23 +3867,20 @@
           </a:ln>
         </p:spPr>
         <p:txBody>
-          <a:bodyPr anchorCtr="0" anchor="ctr" bIns="91425" lIns="91425" spcFirstLastPara="1" rIns="91425" wrap="square" tIns="91425">
+          <a:bodyPr spcFirstLastPara="1" wrap="square" lIns="91425" tIns="91425" rIns="91425" bIns="91425" anchor="ctr" anchorCtr="0">
             <a:noAutofit/>
           </a:bodyPr>
           <a:lstStyle/>
           <a:p>
-            <a:pPr indent="0" lvl="0" marL="0" rtl="0" algn="l">
-              <a:spcBef>
-                <a:spcPts val="0"/>
-              </a:spcBef>
-              <a:spcAft>
-                <a:spcPts val="0"/>
-              </a:spcAft>
-              <a:buNone/>
-            </a:pPr>
-            <a:r>
-              <a:t/>
-            </a:r>
+            <a:pPr marL="0" lvl="0" indent="0" algn="l" rtl="0">
+              <a:spcBef>
+                <a:spcPts val="0"/>
+              </a:spcBef>
+              <a:spcAft>
+                <a:spcPts val="0"/>
+              </a:spcAft>
+              <a:buNone/>
+            </a:pPr>
             <a:endParaRPr/>
           </a:p>
         </p:txBody>
@@ -3782,7 +3888,9 @@
       <p:sp>
         <p:nvSpPr>
           <p:cNvPr id="20" name="Google Shape;20;p4"/>
-          <p:cNvSpPr txBox="1"/>
+          <p:cNvSpPr txBox="1">
+            <a:spLocks noGrp="1"/>
+          </p:cNvSpPr>
           <p:nvPr>
             <p:ph type="title"/>
           </p:nvPr>
@@ -3797,7 +3905,7 @@
           </a:prstGeom>
         </p:spPr>
         <p:txBody>
-          <a:bodyPr anchorCtr="0" anchor="t" bIns="91425" lIns="91425" spcFirstLastPara="1" rIns="91425" wrap="square" tIns="91425">
+          <a:bodyPr spcFirstLastPara="1" wrap="square" lIns="91425" tIns="91425" rIns="91425" bIns="91425" anchor="t" anchorCtr="0">
             <a:normAutofit/>
           </a:bodyPr>
           <a:lstStyle>
@@ -3901,15 +4009,19 @@
               <a:defRPr/>
             </a:lvl9pPr>
           </a:lstStyle>
-          <a:p/>
+          <a:p>
+            <a:endParaRPr/>
+          </a:p>
         </p:txBody>
       </p:sp>
       <p:sp>
         <p:nvSpPr>
           <p:cNvPr id="21" name="Google Shape;21;p4"/>
-          <p:cNvSpPr txBox="1"/>
+          <p:cNvSpPr txBox="1">
+            <a:spLocks noGrp="1"/>
+          </p:cNvSpPr>
           <p:nvPr>
-            <p:ph idx="1" type="body"/>
+            <p:ph type="body" idx="1"/>
           </p:nvPr>
         </p:nvSpPr>
         <p:spPr>
@@ -3922,11 +4034,11 @@
           </a:prstGeom>
         </p:spPr>
         <p:txBody>
-          <a:bodyPr anchorCtr="0" anchor="t" bIns="91425" lIns="91425" spcFirstLastPara="1" rIns="91425" wrap="square" tIns="91425">
+          <a:bodyPr spcFirstLastPara="1" wrap="square" lIns="91425" tIns="91425" rIns="91425" bIns="91425" anchor="t" anchorCtr="0">
             <a:normAutofit/>
           </a:bodyPr>
           <a:lstStyle>
-            <a:lvl1pPr indent="-342900" lvl="0" marL="457200">
+            <a:lvl1pPr marL="457200" lvl="0" indent="-342900">
               <a:spcBef>
                 <a:spcPts val="0"/>
               </a:spcBef>
@@ -3937,7 +4049,7 @@
               <a:buChar char="●"/>
               <a:defRPr/>
             </a:lvl1pPr>
-            <a:lvl2pPr indent="-317500" lvl="1" marL="914400">
+            <a:lvl2pPr marL="914400" lvl="1" indent="-317500">
               <a:spcBef>
                 <a:spcPts val="0"/>
               </a:spcBef>
@@ -3948,7 +4060,7 @@
               <a:buChar char="○"/>
               <a:defRPr/>
             </a:lvl2pPr>
-            <a:lvl3pPr indent="-317500" lvl="2" marL="1371600">
+            <a:lvl3pPr marL="1371600" lvl="2" indent="-317500">
               <a:spcBef>
                 <a:spcPts val="0"/>
               </a:spcBef>
@@ -3959,7 +4071,7 @@
               <a:buChar char="■"/>
               <a:defRPr/>
             </a:lvl3pPr>
-            <a:lvl4pPr indent="-317500" lvl="3" marL="1828800">
+            <a:lvl4pPr marL="1828800" lvl="3" indent="-317500">
               <a:spcBef>
                 <a:spcPts val="0"/>
               </a:spcBef>
@@ -3970,7 +4082,7 @@
               <a:buChar char="●"/>
               <a:defRPr/>
             </a:lvl4pPr>
-            <a:lvl5pPr indent="-317500" lvl="4" marL="2286000">
+            <a:lvl5pPr marL="2286000" lvl="4" indent="-317500">
               <a:spcBef>
                 <a:spcPts val="0"/>
               </a:spcBef>
@@ -3981,7 +4093,7 @@
               <a:buChar char="○"/>
               <a:defRPr/>
             </a:lvl5pPr>
-            <a:lvl6pPr indent="-317500" lvl="5" marL="2743200">
+            <a:lvl6pPr marL="2743200" lvl="5" indent="-317500">
               <a:spcBef>
                 <a:spcPts val="0"/>
               </a:spcBef>
@@ -3992,7 +4104,7 @@
               <a:buChar char="■"/>
               <a:defRPr/>
             </a:lvl6pPr>
-            <a:lvl7pPr indent="-317500" lvl="6" marL="3200400">
+            <a:lvl7pPr marL="3200400" lvl="6" indent="-317500">
               <a:spcBef>
                 <a:spcPts val="0"/>
               </a:spcBef>
@@ -4003,7 +4115,7 @@
               <a:buChar char="●"/>
               <a:defRPr/>
             </a:lvl7pPr>
-            <a:lvl8pPr indent="-317500" lvl="7" marL="3657600">
+            <a:lvl8pPr marL="3657600" lvl="7" indent="-317500">
               <a:spcBef>
                 <a:spcPts val="0"/>
               </a:spcBef>
@@ -4014,7 +4126,7 @@
               <a:buChar char="○"/>
               <a:defRPr/>
             </a:lvl8pPr>
-            <a:lvl9pPr indent="-317500" lvl="8" marL="4114800">
+            <a:lvl9pPr marL="4114800" lvl="8" indent="-317500">
               <a:spcBef>
                 <a:spcPts val="0"/>
               </a:spcBef>
@@ -4026,15 +4138,19 @@
               <a:defRPr/>
             </a:lvl9pPr>
           </a:lstStyle>
-          <a:p/>
+          <a:p>
+            <a:endParaRPr/>
+          </a:p>
         </p:txBody>
       </p:sp>
       <p:sp>
         <p:nvSpPr>
           <p:cNvPr id="22" name="Google Shape;22;p4"/>
-          <p:cNvSpPr txBox="1"/>
+          <p:cNvSpPr txBox="1">
+            <a:spLocks noGrp="1"/>
+          </p:cNvSpPr>
           <p:nvPr>
-            <p:ph idx="12" type="sldNum"/>
+            <p:ph type="sldNum" idx="12"/>
           </p:nvPr>
         </p:nvSpPr>
         <p:spPr>
@@ -4047,7 +4163,7 @@
           </a:prstGeom>
         </p:spPr>
         <p:txBody>
-          <a:bodyPr anchorCtr="0" anchor="ctr" bIns="91425" lIns="91425" spcFirstLastPara="1" rIns="91425" wrap="square" tIns="91425">
+          <a:bodyPr spcFirstLastPara="1" wrap="square" lIns="91425" tIns="91425" rIns="91425" bIns="91425" anchor="ctr" anchorCtr="0">
             <a:normAutofit/>
           </a:bodyPr>
           <a:lstStyle>
@@ -4089,7 +4205,7 @@
             </a:lvl9pPr>
           </a:lstStyle>
           <a:p>
-            <a:pPr indent="0" lvl="0" marL="0" rtl="0" algn="r">
+            <a:pPr marL="0" lvl="0" indent="0" algn="r" rtl="0">
               <a:spcBef>
                 <a:spcPts val="0"/>
               </a:spcBef>
@@ -4115,11 +4231,11 @@
 </file>
 
 <file path=ppt/slideLayouts/slideLayout4.xml><?xml version="1.0" encoding="utf-8"?>
-<p:sldLayout xmlns:a="http://schemas.openxmlformats.org/drawingml/2006/main" xmlns:r="http://schemas.openxmlformats.org/officeDocument/2006/relationships" xmlns:mc="http://schemas.openxmlformats.org/markup-compatibility/2006" xmlns:mv="urn:schemas-microsoft-com:mac:vml" xmlns:p="http://schemas.openxmlformats.org/presentationml/2006/main" xmlns:c="http://schemas.openxmlformats.org/drawingml/2006/chart" xmlns:dgm="http://schemas.openxmlformats.org/drawingml/2006/diagram" xmlns:o="urn:schemas-microsoft-com:office:office" xmlns:v="urn:schemas-microsoft-com:vml" xmlns:pvml="urn:schemas-microsoft-com:office:powerpoint" xmlns:com="http://schemas.openxmlformats.org/drawingml/2006/compatibility" xmlns:p14="http://schemas.microsoft.com/office/powerpoint/2010/main" xmlns:p15="http://schemas.microsoft.com/office/powerpoint/2012/main" xmlns:ahyp="http://schemas.microsoft.com/office/drawing/2018/hyperlinkcolor" matchingName="Title and two columns" type="twoColTx">
+<p:sldLayout xmlns:a="http://schemas.openxmlformats.org/drawingml/2006/main" xmlns:r="http://schemas.openxmlformats.org/officeDocument/2006/relationships" xmlns:p="http://schemas.openxmlformats.org/presentationml/2006/main" matchingName="Title and two columns" type="twoColTx">
   <p:cSld name="TITLE_AND_TWO_COLUMNS">
     <p:spTree>
       <p:nvGrpSpPr>
-        <p:cNvPr id="23" name="Shape 23"/>
+        <p:cNvPr id="1" name="Shape 23"/>
         <p:cNvGrpSpPr/>
         <p:nvPr/>
       </p:nvGrpSpPr>
@@ -4134,7 +4250,9 @@
       <p:sp>
         <p:nvSpPr>
           <p:cNvPr id="24" name="Google Shape;24;p5"/>
-          <p:cNvSpPr txBox="1"/>
+          <p:cNvSpPr txBox="1">
+            <a:spLocks noGrp="1"/>
+          </p:cNvSpPr>
           <p:nvPr>
             <p:ph type="title"/>
           </p:nvPr>
@@ -4149,7 +4267,7 @@
           </a:prstGeom>
         </p:spPr>
         <p:txBody>
-          <a:bodyPr anchorCtr="0" anchor="t" bIns="91425" lIns="91425" spcFirstLastPara="1" rIns="91425" wrap="square" tIns="91425">
+          <a:bodyPr spcFirstLastPara="1" wrap="square" lIns="91425" tIns="91425" rIns="91425" bIns="91425" anchor="t" anchorCtr="0">
             <a:normAutofit/>
           </a:bodyPr>
           <a:lstStyle>
@@ -4253,15 +4371,19 @@
               <a:defRPr/>
             </a:lvl9pPr>
           </a:lstStyle>
-          <a:p/>
+          <a:p>
+            <a:endParaRPr/>
+          </a:p>
         </p:txBody>
       </p:sp>
       <p:sp>
         <p:nvSpPr>
           <p:cNvPr id="25" name="Google Shape;25;p5"/>
-          <p:cNvSpPr txBox="1"/>
+          <p:cNvSpPr txBox="1">
+            <a:spLocks noGrp="1"/>
+          </p:cNvSpPr>
           <p:nvPr>
-            <p:ph idx="1" type="body"/>
+            <p:ph type="body" idx="1"/>
           </p:nvPr>
         </p:nvSpPr>
         <p:spPr>
@@ -4274,11 +4396,11 @@
           </a:prstGeom>
         </p:spPr>
         <p:txBody>
-          <a:bodyPr anchorCtr="0" anchor="t" bIns="91425" lIns="91425" spcFirstLastPara="1" rIns="91425" wrap="square" tIns="91425">
+          <a:bodyPr spcFirstLastPara="1" wrap="square" lIns="91425" tIns="91425" rIns="91425" bIns="91425" anchor="t" anchorCtr="0">
             <a:normAutofit/>
           </a:bodyPr>
           <a:lstStyle>
-            <a:lvl1pPr indent="-317500" lvl="0" marL="457200">
+            <a:lvl1pPr marL="457200" lvl="0" indent="-317500">
               <a:spcBef>
                 <a:spcPts val="0"/>
               </a:spcBef>
@@ -4289,7 +4411,7 @@
               <a:buChar char="●"/>
               <a:defRPr sz="1400"/>
             </a:lvl1pPr>
-            <a:lvl2pPr indent="-304800" lvl="1" marL="914400">
+            <a:lvl2pPr marL="914400" lvl="1" indent="-304800">
               <a:spcBef>
                 <a:spcPts val="0"/>
               </a:spcBef>
@@ -4300,7 +4422,7 @@
               <a:buChar char="○"/>
               <a:defRPr sz="1200"/>
             </a:lvl2pPr>
-            <a:lvl3pPr indent="-304800" lvl="2" marL="1371600">
+            <a:lvl3pPr marL="1371600" lvl="2" indent="-304800">
               <a:spcBef>
                 <a:spcPts val="0"/>
               </a:spcBef>
@@ -4311,7 +4433,7 @@
               <a:buChar char="■"/>
               <a:defRPr sz="1200"/>
             </a:lvl3pPr>
-            <a:lvl4pPr indent="-304800" lvl="3" marL="1828800">
+            <a:lvl4pPr marL="1828800" lvl="3" indent="-304800">
               <a:spcBef>
                 <a:spcPts val="0"/>
               </a:spcBef>
@@ -4322,7 +4444,7 @@
               <a:buChar char="●"/>
               <a:defRPr sz="1200"/>
             </a:lvl4pPr>
-            <a:lvl5pPr indent="-304800" lvl="4" marL="2286000">
+            <a:lvl5pPr marL="2286000" lvl="4" indent="-304800">
               <a:spcBef>
                 <a:spcPts val="0"/>
               </a:spcBef>
@@ -4333,7 +4455,7 @@
               <a:buChar char="○"/>
               <a:defRPr sz="1200"/>
             </a:lvl5pPr>
-            <a:lvl6pPr indent="-304800" lvl="5" marL="2743200">
+            <a:lvl6pPr marL="2743200" lvl="5" indent="-304800">
               <a:spcBef>
                 <a:spcPts val="0"/>
               </a:spcBef>
@@ -4344,7 +4466,7 @@
               <a:buChar char="■"/>
               <a:defRPr sz="1200"/>
             </a:lvl6pPr>
-            <a:lvl7pPr indent="-304800" lvl="6" marL="3200400">
+            <a:lvl7pPr marL="3200400" lvl="6" indent="-304800">
               <a:spcBef>
                 <a:spcPts val="0"/>
               </a:spcBef>
@@ -4355,7 +4477,7 @@
               <a:buChar char="●"/>
               <a:defRPr sz="1200"/>
             </a:lvl7pPr>
-            <a:lvl8pPr indent="-304800" lvl="7" marL="3657600">
+            <a:lvl8pPr marL="3657600" lvl="7" indent="-304800">
               <a:spcBef>
                 <a:spcPts val="0"/>
               </a:spcBef>
@@ -4366,7 +4488,7 @@
               <a:buChar char="○"/>
               <a:defRPr sz="1200"/>
             </a:lvl8pPr>
-            <a:lvl9pPr indent="-304800" lvl="8" marL="4114800">
+            <a:lvl9pPr marL="4114800" lvl="8" indent="-304800">
               <a:spcBef>
                 <a:spcPts val="0"/>
               </a:spcBef>
@@ -4378,15 +4500,19 @@
               <a:defRPr sz="1200"/>
             </a:lvl9pPr>
           </a:lstStyle>
-          <a:p/>
+          <a:p>
+            <a:endParaRPr/>
+          </a:p>
         </p:txBody>
       </p:sp>
       <p:sp>
         <p:nvSpPr>
           <p:cNvPr id="26" name="Google Shape;26;p5"/>
-          <p:cNvSpPr txBox="1"/>
+          <p:cNvSpPr txBox="1">
+            <a:spLocks noGrp="1"/>
+          </p:cNvSpPr>
           <p:nvPr>
-            <p:ph idx="2" type="body"/>
+            <p:ph type="body" idx="2"/>
           </p:nvPr>
         </p:nvSpPr>
         <p:spPr>
@@ -4399,11 +4525,11 @@
           </a:prstGeom>
         </p:spPr>
         <p:txBody>
-          <a:bodyPr anchorCtr="0" anchor="t" bIns="91425" lIns="91425" spcFirstLastPara="1" rIns="91425" wrap="square" tIns="91425">
+          <a:bodyPr spcFirstLastPara="1" wrap="square" lIns="91425" tIns="91425" rIns="91425" bIns="91425" anchor="t" anchorCtr="0">
             <a:normAutofit/>
           </a:bodyPr>
           <a:lstStyle>
-            <a:lvl1pPr indent="-317500" lvl="0" marL="457200">
+            <a:lvl1pPr marL="457200" lvl="0" indent="-317500">
               <a:spcBef>
                 <a:spcPts val="0"/>
               </a:spcBef>
@@ -4414,7 +4540,7 @@
               <a:buChar char="●"/>
               <a:defRPr sz="1400"/>
             </a:lvl1pPr>
-            <a:lvl2pPr indent="-304800" lvl="1" marL="914400">
+            <a:lvl2pPr marL="914400" lvl="1" indent="-304800">
               <a:spcBef>
                 <a:spcPts val="0"/>
               </a:spcBef>
@@ -4425,7 +4551,7 @@
               <a:buChar char="○"/>
               <a:defRPr sz="1200"/>
             </a:lvl2pPr>
-            <a:lvl3pPr indent="-304800" lvl="2" marL="1371600">
+            <a:lvl3pPr marL="1371600" lvl="2" indent="-304800">
               <a:spcBef>
                 <a:spcPts val="0"/>
               </a:spcBef>
@@ -4436,7 +4562,7 @@
               <a:buChar char="■"/>
               <a:defRPr sz="1200"/>
             </a:lvl3pPr>
-            <a:lvl4pPr indent="-304800" lvl="3" marL="1828800">
+            <a:lvl4pPr marL="1828800" lvl="3" indent="-304800">
               <a:spcBef>
                 <a:spcPts val="0"/>
               </a:spcBef>
@@ -4447,7 +4573,7 @@
               <a:buChar char="●"/>
               <a:defRPr sz="1200"/>
             </a:lvl4pPr>
-            <a:lvl5pPr indent="-304800" lvl="4" marL="2286000">
+            <a:lvl5pPr marL="2286000" lvl="4" indent="-304800">
               <a:spcBef>
                 <a:spcPts val="0"/>
               </a:spcBef>
@@ -4458,7 +4584,7 @@
               <a:buChar char="○"/>
               <a:defRPr sz="1200"/>
             </a:lvl5pPr>
-            <a:lvl6pPr indent="-304800" lvl="5" marL="2743200">
+            <a:lvl6pPr marL="2743200" lvl="5" indent="-304800">
               <a:spcBef>
                 <a:spcPts val="0"/>
               </a:spcBef>
@@ -4469,7 +4595,7 @@
               <a:buChar char="■"/>
               <a:defRPr sz="1200"/>
             </a:lvl6pPr>
-            <a:lvl7pPr indent="-304800" lvl="6" marL="3200400">
+            <a:lvl7pPr marL="3200400" lvl="6" indent="-304800">
               <a:spcBef>
                 <a:spcPts val="0"/>
               </a:spcBef>
@@ -4480,7 +4606,7 @@
               <a:buChar char="●"/>
               <a:defRPr sz="1200"/>
             </a:lvl7pPr>
-            <a:lvl8pPr indent="-304800" lvl="7" marL="3657600">
+            <a:lvl8pPr marL="3657600" lvl="7" indent="-304800">
               <a:spcBef>
                 <a:spcPts val="0"/>
               </a:spcBef>
@@ -4491,7 +4617,7 @@
               <a:buChar char="○"/>
               <a:defRPr sz="1200"/>
             </a:lvl8pPr>
-            <a:lvl9pPr indent="-304800" lvl="8" marL="4114800">
+            <a:lvl9pPr marL="4114800" lvl="8" indent="-304800">
               <a:spcBef>
                 <a:spcPts val="0"/>
               </a:spcBef>
@@ -4503,15 +4629,19 @@
               <a:defRPr sz="1200"/>
             </a:lvl9pPr>
           </a:lstStyle>
-          <a:p/>
+          <a:p>
+            <a:endParaRPr/>
+          </a:p>
         </p:txBody>
       </p:sp>
       <p:sp>
         <p:nvSpPr>
           <p:cNvPr id="27" name="Google Shape;27;p5"/>
-          <p:cNvSpPr txBox="1"/>
+          <p:cNvSpPr txBox="1">
+            <a:spLocks noGrp="1"/>
+          </p:cNvSpPr>
           <p:nvPr>
-            <p:ph idx="12" type="sldNum"/>
+            <p:ph type="sldNum" idx="12"/>
           </p:nvPr>
         </p:nvSpPr>
         <p:spPr>
@@ -4524,7 +4654,7 @@
           </a:prstGeom>
         </p:spPr>
         <p:txBody>
-          <a:bodyPr anchorCtr="0" anchor="ctr" bIns="91425" lIns="91425" spcFirstLastPara="1" rIns="91425" wrap="square" tIns="91425">
+          <a:bodyPr spcFirstLastPara="1" wrap="square" lIns="91425" tIns="91425" rIns="91425" bIns="91425" anchor="ctr" anchorCtr="0">
             <a:normAutofit/>
           </a:bodyPr>
           <a:lstStyle>
@@ -4566,7 +4696,7 @@
             </a:lvl9pPr>
           </a:lstStyle>
           <a:p>
-            <a:pPr indent="0" lvl="0" marL="0" rtl="0" algn="r">
+            <a:pPr marL="0" lvl="0" indent="0" algn="r" rtl="0">
               <a:spcBef>
                 <a:spcPts val="0"/>
               </a:spcBef>
@@ -4592,11 +4722,11 @@
 </file>
 
 <file path=ppt/slideLayouts/slideLayout5.xml><?xml version="1.0" encoding="utf-8"?>
-<p:sldLayout xmlns:a="http://schemas.openxmlformats.org/drawingml/2006/main" xmlns:r="http://schemas.openxmlformats.org/officeDocument/2006/relationships" xmlns:mc="http://schemas.openxmlformats.org/markup-compatibility/2006" xmlns:mv="urn:schemas-microsoft-com:mac:vml" xmlns:p="http://schemas.openxmlformats.org/presentationml/2006/main" xmlns:c="http://schemas.openxmlformats.org/drawingml/2006/chart" xmlns:dgm="http://schemas.openxmlformats.org/drawingml/2006/diagram" xmlns:o="urn:schemas-microsoft-com:office:office" xmlns:v="urn:schemas-microsoft-com:vml" xmlns:pvml="urn:schemas-microsoft-com:office:powerpoint" xmlns:com="http://schemas.openxmlformats.org/drawingml/2006/compatibility" xmlns:p14="http://schemas.microsoft.com/office/powerpoint/2010/main" xmlns:p15="http://schemas.microsoft.com/office/powerpoint/2012/main" xmlns:ahyp="http://schemas.microsoft.com/office/drawing/2018/hyperlinkcolor" matchingName="Title only" type="titleOnly">
+<p:sldLayout xmlns:a="http://schemas.openxmlformats.org/drawingml/2006/main" xmlns:r="http://schemas.openxmlformats.org/officeDocument/2006/relationships" xmlns:p="http://schemas.openxmlformats.org/presentationml/2006/main" matchingName="Title only" type="titleOnly">
   <p:cSld name="TITLE_ONLY">
     <p:spTree>
       <p:nvGrpSpPr>
-        <p:cNvPr id="28" name="Shape 28"/>
+        <p:cNvPr id="1" name="Shape 28"/>
         <p:cNvGrpSpPr/>
         <p:nvPr/>
       </p:nvGrpSpPr>
@@ -4611,7 +4741,9 @@
       <p:sp>
         <p:nvSpPr>
           <p:cNvPr id="29" name="Google Shape;29;p6"/>
-          <p:cNvSpPr txBox="1"/>
+          <p:cNvSpPr txBox="1">
+            <a:spLocks noGrp="1"/>
+          </p:cNvSpPr>
           <p:nvPr>
             <p:ph type="title"/>
           </p:nvPr>
@@ -4626,7 +4758,7 @@
           </a:prstGeom>
         </p:spPr>
         <p:txBody>
-          <a:bodyPr anchorCtr="0" anchor="t" bIns="91425" lIns="91425" spcFirstLastPara="1" rIns="91425" wrap="square" tIns="91425">
+          <a:bodyPr spcFirstLastPara="1" wrap="square" lIns="91425" tIns="91425" rIns="91425" bIns="91425" anchor="t" anchorCtr="0">
             <a:normAutofit/>
           </a:bodyPr>
           <a:lstStyle>
@@ -4730,15 +4862,19 @@
               <a:defRPr/>
             </a:lvl9pPr>
           </a:lstStyle>
-          <a:p/>
+          <a:p>
+            <a:endParaRPr/>
+          </a:p>
         </p:txBody>
       </p:sp>
       <p:sp>
         <p:nvSpPr>
           <p:cNvPr id="30" name="Google Shape;30;p6"/>
-          <p:cNvSpPr txBox="1"/>
+          <p:cNvSpPr txBox="1">
+            <a:spLocks noGrp="1"/>
+          </p:cNvSpPr>
           <p:nvPr>
-            <p:ph idx="12" type="sldNum"/>
+            <p:ph type="sldNum" idx="12"/>
           </p:nvPr>
         </p:nvSpPr>
         <p:spPr>
@@ -4751,7 +4887,7 @@
           </a:prstGeom>
         </p:spPr>
         <p:txBody>
-          <a:bodyPr anchorCtr="0" anchor="ctr" bIns="91425" lIns="91425" spcFirstLastPara="1" rIns="91425" wrap="square" tIns="91425">
+          <a:bodyPr spcFirstLastPara="1" wrap="square" lIns="91425" tIns="91425" rIns="91425" bIns="91425" anchor="ctr" anchorCtr="0">
             <a:normAutofit/>
           </a:bodyPr>
           <a:lstStyle>
@@ -4793,7 +4929,7 @@
             </a:lvl9pPr>
           </a:lstStyle>
           <a:p>
-            <a:pPr indent="0" lvl="0" marL="0" rtl="0" algn="r">
+            <a:pPr marL="0" lvl="0" indent="0" algn="r" rtl="0">
               <a:spcBef>
                 <a:spcPts val="0"/>
               </a:spcBef>
@@ -4819,11 +4955,11 @@
 </file>
 
 <file path=ppt/slideLayouts/slideLayout6.xml><?xml version="1.0" encoding="utf-8"?>
-<p:sldLayout xmlns:a="http://schemas.openxmlformats.org/drawingml/2006/main" xmlns:r="http://schemas.openxmlformats.org/officeDocument/2006/relationships" xmlns:mc="http://schemas.openxmlformats.org/markup-compatibility/2006" xmlns:mv="urn:schemas-microsoft-com:mac:vml" xmlns:p="http://schemas.openxmlformats.org/presentationml/2006/main" xmlns:c="http://schemas.openxmlformats.org/drawingml/2006/chart" xmlns:dgm="http://schemas.openxmlformats.org/drawingml/2006/diagram" xmlns:o="urn:schemas-microsoft-com:office:office" xmlns:v="urn:schemas-microsoft-com:vml" xmlns:pvml="urn:schemas-microsoft-com:office:powerpoint" xmlns:com="http://schemas.openxmlformats.org/drawingml/2006/compatibility" xmlns:p14="http://schemas.microsoft.com/office/powerpoint/2010/main" xmlns:p15="http://schemas.microsoft.com/office/powerpoint/2012/main" xmlns:ahyp="http://schemas.microsoft.com/office/drawing/2018/hyperlinkcolor" matchingName="One column text">
+<p:sldLayout xmlns:a="http://schemas.openxmlformats.org/drawingml/2006/main" xmlns:r="http://schemas.openxmlformats.org/officeDocument/2006/relationships" xmlns:p="http://schemas.openxmlformats.org/presentationml/2006/main" matchingName="One column text">
   <p:cSld name="ONE_COLUMN_TEXT">
     <p:spTree>
       <p:nvGrpSpPr>
-        <p:cNvPr id="31" name="Shape 31"/>
+        <p:cNvPr id="1" name="Shape 31"/>
         <p:cNvGrpSpPr/>
         <p:nvPr/>
       </p:nvGrpSpPr>
@@ -4838,7 +4974,9 @@
       <p:sp>
         <p:nvSpPr>
           <p:cNvPr id="32" name="Google Shape;32;p7"/>
-          <p:cNvSpPr txBox="1"/>
+          <p:cNvSpPr txBox="1">
+            <a:spLocks noGrp="1"/>
+          </p:cNvSpPr>
           <p:nvPr>
             <p:ph type="title"/>
           </p:nvPr>
@@ -4853,7 +4991,7 @@
           </a:prstGeom>
         </p:spPr>
         <p:txBody>
-          <a:bodyPr anchorCtr="0" anchor="b" bIns="91425" lIns="91425" spcFirstLastPara="1" rIns="91425" wrap="square" tIns="91425">
+          <a:bodyPr spcFirstLastPara="1" wrap="square" lIns="91425" tIns="91425" rIns="91425" bIns="91425" anchor="b" anchorCtr="0">
             <a:normAutofit/>
           </a:bodyPr>
           <a:lstStyle>
@@ -4957,15 +5095,19 @@
               <a:defRPr sz="2400"/>
             </a:lvl9pPr>
           </a:lstStyle>
-          <a:p/>
+          <a:p>
+            <a:endParaRPr/>
+          </a:p>
         </p:txBody>
       </p:sp>
       <p:sp>
         <p:nvSpPr>
           <p:cNvPr id="33" name="Google Shape;33;p7"/>
-          <p:cNvSpPr txBox="1"/>
+          <p:cNvSpPr txBox="1">
+            <a:spLocks noGrp="1"/>
+          </p:cNvSpPr>
           <p:nvPr>
-            <p:ph idx="1" type="body"/>
+            <p:ph type="body" idx="1"/>
           </p:nvPr>
         </p:nvSpPr>
         <p:spPr>
@@ -4978,11 +5120,11 @@
           </a:prstGeom>
         </p:spPr>
         <p:txBody>
-          <a:bodyPr anchorCtr="0" anchor="t" bIns="91425" lIns="91425" spcFirstLastPara="1" rIns="91425" wrap="square" tIns="91425">
+          <a:bodyPr spcFirstLastPara="1" wrap="square" lIns="91425" tIns="91425" rIns="91425" bIns="91425" anchor="t" anchorCtr="0">
             <a:normAutofit/>
           </a:bodyPr>
           <a:lstStyle>
-            <a:lvl1pPr indent="-304800" lvl="0" marL="457200">
+            <a:lvl1pPr marL="457200" lvl="0" indent="-304800">
               <a:spcBef>
                 <a:spcPts val="0"/>
               </a:spcBef>
@@ -4993,7 +5135,7 @@
               <a:buChar char="●"/>
               <a:defRPr sz="1200"/>
             </a:lvl1pPr>
-            <a:lvl2pPr indent="-304800" lvl="1" marL="914400">
+            <a:lvl2pPr marL="914400" lvl="1" indent="-304800">
               <a:spcBef>
                 <a:spcPts val="0"/>
               </a:spcBef>
@@ -5004,7 +5146,7 @@
               <a:buChar char="○"/>
               <a:defRPr sz="1200"/>
             </a:lvl2pPr>
-            <a:lvl3pPr indent="-304800" lvl="2" marL="1371600">
+            <a:lvl3pPr marL="1371600" lvl="2" indent="-304800">
               <a:spcBef>
                 <a:spcPts val="0"/>
               </a:spcBef>
@@ -5015,7 +5157,7 @@
               <a:buChar char="■"/>
               <a:defRPr sz="1200"/>
             </a:lvl3pPr>
-            <a:lvl4pPr indent="-304800" lvl="3" marL="1828800">
+            <a:lvl4pPr marL="1828800" lvl="3" indent="-304800">
               <a:spcBef>
                 <a:spcPts val="0"/>
               </a:spcBef>
@@ -5026,7 +5168,7 @@
               <a:buChar char="●"/>
               <a:defRPr sz="1200"/>
             </a:lvl4pPr>
-            <a:lvl5pPr indent="-304800" lvl="4" marL="2286000">
+            <a:lvl5pPr marL="2286000" lvl="4" indent="-304800">
               <a:spcBef>
                 <a:spcPts val="0"/>
               </a:spcBef>
@@ -5037,7 +5179,7 @@
               <a:buChar char="○"/>
               <a:defRPr sz="1200"/>
             </a:lvl5pPr>
-            <a:lvl6pPr indent="-304800" lvl="5" marL="2743200">
+            <a:lvl6pPr marL="2743200" lvl="5" indent="-304800">
               <a:spcBef>
                 <a:spcPts val="0"/>
               </a:spcBef>
@@ -5048,7 +5190,7 @@
               <a:buChar char="■"/>
               <a:defRPr sz="1200"/>
             </a:lvl6pPr>
-            <a:lvl7pPr indent="-304800" lvl="6" marL="3200400">
+            <a:lvl7pPr marL="3200400" lvl="6" indent="-304800">
               <a:spcBef>
                 <a:spcPts val="0"/>
               </a:spcBef>
@@ -5059,7 +5201,7 @@
               <a:buChar char="●"/>
               <a:defRPr sz="1200"/>
             </a:lvl7pPr>
-            <a:lvl8pPr indent="-304800" lvl="7" marL="3657600">
+            <a:lvl8pPr marL="3657600" lvl="7" indent="-304800">
               <a:spcBef>
                 <a:spcPts val="0"/>
               </a:spcBef>
@@ -5070,7 +5212,7 @@
               <a:buChar char="○"/>
               <a:defRPr sz="1200"/>
             </a:lvl8pPr>
-            <a:lvl9pPr indent="-304800" lvl="8" marL="4114800">
+            <a:lvl9pPr marL="4114800" lvl="8" indent="-304800">
               <a:spcBef>
                 <a:spcPts val="0"/>
               </a:spcBef>
@@ -5082,15 +5224,19 @@
               <a:defRPr sz="1200"/>
             </a:lvl9pPr>
           </a:lstStyle>
-          <a:p/>
+          <a:p>
+            <a:endParaRPr/>
+          </a:p>
         </p:txBody>
       </p:sp>
       <p:sp>
         <p:nvSpPr>
           <p:cNvPr id="34" name="Google Shape;34;p7"/>
-          <p:cNvSpPr txBox="1"/>
+          <p:cNvSpPr txBox="1">
+            <a:spLocks noGrp="1"/>
+          </p:cNvSpPr>
           <p:nvPr>
-            <p:ph idx="12" type="sldNum"/>
+            <p:ph type="sldNum" idx="12"/>
           </p:nvPr>
         </p:nvSpPr>
         <p:spPr>
@@ -5103,7 +5249,7 @@
           </a:prstGeom>
         </p:spPr>
         <p:txBody>
-          <a:bodyPr anchorCtr="0" anchor="ctr" bIns="91425" lIns="91425" spcFirstLastPara="1" rIns="91425" wrap="square" tIns="91425">
+          <a:bodyPr spcFirstLastPara="1" wrap="square" lIns="91425" tIns="91425" rIns="91425" bIns="91425" anchor="ctr" anchorCtr="0">
             <a:normAutofit/>
           </a:bodyPr>
           <a:lstStyle>
@@ -5145,7 +5291,7 @@
             </a:lvl9pPr>
           </a:lstStyle>
           <a:p>
-            <a:pPr indent="0" lvl="0" marL="0" rtl="0" algn="r">
+            <a:pPr marL="0" lvl="0" indent="0" algn="r" rtl="0">
               <a:spcBef>
                 <a:spcPts val="0"/>
               </a:spcBef>
@@ -5171,18 +5317,19 @@
 </file>
 
 <file path=ppt/slideLayouts/slideLayout7.xml><?xml version="1.0" encoding="utf-8"?>
-<p:sldLayout xmlns:a="http://schemas.openxmlformats.org/drawingml/2006/main" xmlns:r="http://schemas.openxmlformats.org/officeDocument/2006/relationships" xmlns:mc="http://schemas.openxmlformats.org/markup-compatibility/2006" xmlns:mv="urn:schemas-microsoft-com:mac:vml" xmlns:p="http://schemas.openxmlformats.org/presentationml/2006/main" xmlns:c="http://schemas.openxmlformats.org/drawingml/2006/chart" xmlns:dgm="http://schemas.openxmlformats.org/drawingml/2006/diagram" xmlns:o="urn:schemas-microsoft-com:office:office" xmlns:v="urn:schemas-microsoft-com:vml" xmlns:pvml="urn:schemas-microsoft-com:office:powerpoint" xmlns:com="http://schemas.openxmlformats.org/drawingml/2006/compatibility" xmlns:p14="http://schemas.microsoft.com/office/powerpoint/2010/main" xmlns:p15="http://schemas.microsoft.com/office/powerpoint/2012/main" xmlns:ahyp="http://schemas.microsoft.com/office/drawing/2018/hyperlinkcolor" matchingName="Main point">
+<p:sldLayout xmlns:a="http://schemas.openxmlformats.org/drawingml/2006/main" xmlns:r="http://schemas.openxmlformats.org/officeDocument/2006/relationships" xmlns:p="http://schemas.openxmlformats.org/presentationml/2006/main" matchingName="Main point">
   <p:cSld name="MAIN_POINT">
     <p:bg>
       <p:bgPr>
         <a:solidFill>
           <a:schemeClr val="dk2"/>
         </a:solidFill>
+        <a:effectLst/>
       </p:bgPr>
     </p:bg>
     <p:spTree>
       <p:nvGrpSpPr>
-        <p:cNvPr id="35" name="Shape 35"/>
+        <p:cNvPr id="1" name="Shape 35"/>
         <p:cNvGrpSpPr/>
         <p:nvPr/>
       </p:nvGrpSpPr>
@@ -5197,7 +5344,9 @@
       <p:sp>
         <p:nvSpPr>
           <p:cNvPr id="36" name="Google Shape;36;p8"/>
-          <p:cNvSpPr txBox="1"/>
+          <p:cNvSpPr txBox="1">
+            <a:spLocks noGrp="1"/>
+          </p:cNvSpPr>
           <p:nvPr>
             <p:ph type="title"/>
           </p:nvPr>
@@ -5212,7 +5361,7 @@
           </a:prstGeom>
         </p:spPr>
         <p:txBody>
-          <a:bodyPr anchorCtr="0" anchor="ctr" bIns="91425" lIns="91425" spcFirstLastPara="1" rIns="91425" wrap="square" tIns="91425">
+          <a:bodyPr spcFirstLastPara="1" wrap="square" lIns="91425" tIns="91425" rIns="91425" bIns="91425" anchor="ctr" anchorCtr="0">
             <a:normAutofit/>
           </a:bodyPr>
           <a:lstStyle>
@@ -5229,7 +5378,7 @@
               <a:buSzPts val="4800"/>
               <a:buFont typeface="Lato"/>
               <a:buNone/>
-              <a:defRPr b="0" sz="4800">
+              <a:defRPr sz="4800" b="0">
                 <a:solidFill>
                   <a:schemeClr val="lt1"/>
                 </a:solidFill>
@@ -5252,7 +5401,7 @@
               <a:buSzPts val="4800"/>
               <a:buFont typeface="Lato"/>
               <a:buNone/>
-              <a:defRPr b="0" sz="4800">
+              <a:defRPr sz="4800" b="0">
                 <a:solidFill>
                   <a:schemeClr val="lt1"/>
                 </a:solidFill>
@@ -5275,7 +5424,7 @@
               <a:buSzPts val="4800"/>
               <a:buFont typeface="Lato"/>
               <a:buNone/>
-              <a:defRPr b="0" sz="4800">
+              <a:defRPr sz="4800" b="0">
                 <a:solidFill>
                   <a:schemeClr val="lt1"/>
                 </a:solidFill>
@@ -5298,7 +5447,7 @@
               <a:buSzPts val="4800"/>
               <a:buFont typeface="Lato"/>
               <a:buNone/>
-              <a:defRPr b="0" sz="4800">
+              <a:defRPr sz="4800" b="0">
                 <a:solidFill>
                   <a:schemeClr val="lt1"/>
                 </a:solidFill>
@@ -5321,7 +5470,7 @@
               <a:buSzPts val="4800"/>
               <a:buFont typeface="Lato"/>
               <a:buNone/>
-              <a:defRPr b="0" sz="4800">
+              <a:defRPr sz="4800" b="0">
                 <a:solidFill>
                   <a:schemeClr val="lt1"/>
                 </a:solidFill>
@@ -5344,7 +5493,7 @@
               <a:buSzPts val="4800"/>
               <a:buFont typeface="Lato"/>
               <a:buNone/>
-              <a:defRPr b="0" sz="4800">
+              <a:defRPr sz="4800" b="0">
                 <a:solidFill>
                   <a:schemeClr val="lt1"/>
                 </a:solidFill>
@@ -5367,7 +5516,7 @@
               <a:buSzPts val="4800"/>
               <a:buFont typeface="Lato"/>
               <a:buNone/>
-              <a:defRPr b="0" sz="4800">
+              <a:defRPr sz="4800" b="0">
                 <a:solidFill>
                   <a:schemeClr val="lt1"/>
                 </a:solidFill>
@@ -5390,7 +5539,7 @@
               <a:buSzPts val="4800"/>
               <a:buFont typeface="Lato"/>
               <a:buNone/>
-              <a:defRPr b="0" sz="4800">
+              <a:defRPr sz="4800" b="0">
                 <a:solidFill>
                   <a:schemeClr val="lt1"/>
                 </a:solidFill>
@@ -5413,7 +5562,7 @@
               <a:buSzPts val="4800"/>
               <a:buFont typeface="Lato"/>
               <a:buNone/>
-              <a:defRPr b="0" sz="4800">
+              <a:defRPr sz="4800" b="0">
                 <a:solidFill>
                   <a:schemeClr val="lt1"/>
                 </a:solidFill>
@@ -5424,15 +5573,19 @@
               </a:defRPr>
             </a:lvl9pPr>
           </a:lstStyle>
-          <a:p/>
+          <a:p>
+            <a:endParaRPr/>
+          </a:p>
         </p:txBody>
       </p:sp>
       <p:sp>
         <p:nvSpPr>
           <p:cNvPr id="37" name="Google Shape;37;p8"/>
-          <p:cNvSpPr txBox="1"/>
+          <p:cNvSpPr txBox="1">
+            <a:spLocks noGrp="1"/>
+          </p:cNvSpPr>
           <p:nvPr>
-            <p:ph idx="12" type="sldNum"/>
+            <p:ph type="sldNum" idx="12"/>
           </p:nvPr>
         </p:nvSpPr>
         <p:spPr>
@@ -5445,7 +5598,7 @@
           </a:prstGeom>
         </p:spPr>
         <p:txBody>
-          <a:bodyPr anchorCtr="0" anchor="ctr" bIns="91425" lIns="91425" spcFirstLastPara="1" rIns="91425" wrap="square" tIns="91425">
+          <a:bodyPr spcFirstLastPara="1" wrap="square" lIns="91425" tIns="91425" rIns="91425" bIns="91425" anchor="ctr" anchorCtr="0">
             <a:normAutofit/>
           </a:bodyPr>
           <a:lstStyle>
@@ -5523,7 +5676,7 @@
             </a:lvl9pPr>
           </a:lstStyle>
           <a:p>
-            <a:pPr indent="0" lvl="0" marL="0" rtl="0" algn="r">
+            <a:pPr marL="0" lvl="0" indent="0" algn="r" rtl="0">
               <a:spcBef>
                 <a:spcPts val="0"/>
               </a:spcBef>
@@ -5549,11 +5702,11 @@
 </file>
 
 <file path=ppt/slideLayouts/slideLayout8.xml><?xml version="1.0" encoding="utf-8"?>
-<p:sldLayout xmlns:a="http://schemas.openxmlformats.org/drawingml/2006/main" xmlns:r="http://schemas.openxmlformats.org/officeDocument/2006/relationships" xmlns:mc="http://schemas.openxmlformats.org/markup-compatibility/2006" xmlns:mv="urn:schemas-microsoft-com:mac:vml" xmlns:p="http://schemas.openxmlformats.org/presentationml/2006/main" xmlns:c="http://schemas.openxmlformats.org/drawingml/2006/chart" xmlns:dgm="http://schemas.openxmlformats.org/drawingml/2006/diagram" xmlns:o="urn:schemas-microsoft-com:office:office" xmlns:v="urn:schemas-microsoft-com:vml" xmlns:pvml="urn:schemas-microsoft-com:office:powerpoint" xmlns:com="http://schemas.openxmlformats.org/drawingml/2006/compatibility" xmlns:p14="http://schemas.microsoft.com/office/powerpoint/2010/main" xmlns:p15="http://schemas.microsoft.com/office/powerpoint/2012/main" xmlns:ahyp="http://schemas.microsoft.com/office/drawing/2018/hyperlinkcolor" matchingName="Section title and description">
+<p:sldLayout xmlns:a="http://schemas.openxmlformats.org/drawingml/2006/main" xmlns:r="http://schemas.openxmlformats.org/officeDocument/2006/relationships" xmlns:p="http://schemas.openxmlformats.org/presentationml/2006/main" matchingName="Section title and description">
   <p:cSld name="SECTION_TITLE_AND_DESCRIPTION">
     <p:spTree>
       <p:nvGrpSpPr>
-        <p:cNvPr id="38" name="Shape 38"/>
+        <p:cNvPr id="1" name="Shape 38"/>
         <p:cNvGrpSpPr/>
         <p:nvPr/>
       </p:nvGrpSpPr>
@@ -5587,23 +5740,20 @@
           </a:ln>
         </p:spPr>
         <p:txBody>
-          <a:bodyPr anchorCtr="0" anchor="ctr" bIns="91425" lIns="91425" spcFirstLastPara="1" rIns="91425" wrap="square" tIns="91425">
+          <a:bodyPr spcFirstLastPara="1" wrap="square" lIns="91425" tIns="91425" rIns="91425" bIns="91425" anchor="ctr" anchorCtr="0">
             <a:noAutofit/>
           </a:bodyPr>
           <a:lstStyle/>
           <a:p>
-            <a:pPr indent="0" lvl="0" marL="0" rtl="0" algn="l">
-              <a:spcBef>
-                <a:spcPts val="0"/>
-              </a:spcBef>
-              <a:spcAft>
-                <a:spcPts val="0"/>
-              </a:spcAft>
-              <a:buNone/>
-            </a:pPr>
-            <a:r>
-              <a:t/>
-            </a:r>
+            <a:pPr marL="0" lvl="0" indent="0" algn="l" rtl="0">
+              <a:spcBef>
+                <a:spcPts val="0"/>
+              </a:spcBef>
+              <a:spcAft>
+                <a:spcPts val="0"/>
+              </a:spcAft>
+              <a:buNone/>
+            </a:pPr>
             <a:endParaRPr/>
           </a:p>
         </p:txBody>
@@ -5623,21 +5773,23 @@
             <a:avLst/>
           </a:prstGeom>
           <a:noFill/>
-          <a:ln cap="flat" cmpd="sng" w="19050">
+          <a:ln w="19050" cap="flat" cmpd="sng">
             <a:solidFill>
               <a:schemeClr val="lt1"/>
             </a:solidFill>
             <a:prstDash val="solid"/>
             <a:round/>
-            <a:headEnd len="sm" w="sm" type="none"/>
-            <a:tailEnd len="sm" w="sm" type="none"/>
+            <a:headEnd type="none" w="sm" len="sm"/>
+            <a:tailEnd type="none" w="sm" len="sm"/>
           </a:ln>
         </p:spPr>
       </p:cxnSp>
       <p:sp>
         <p:nvSpPr>
           <p:cNvPr id="41" name="Google Shape;41;p9"/>
-          <p:cNvSpPr txBox="1"/>
+          <p:cNvSpPr txBox="1">
+            <a:spLocks noGrp="1"/>
+          </p:cNvSpPr>
           <p:nvPr>
             <p:ph type="title"/>
           </p:nvPr>
@@ -5652,7 +5804,7 @@
           </a:prstGeom>
         </p:spPr>
         <p:txBody>
-          <a:bodyPr anchorCtr="0" anchor="b" bIns="91425" lIns="91425" spcFirstLastPara="1" rIns="91425" wrap="square" tIns="91425">
+          <a:bodyPr spcFirstLastPara="1" wrap="square" lIns="91425" tIns="91425" rIns="91425" bIns="91425" anchor="b" anchorCtr="0">
             <a:normAutofit/>
           </a:bodyPr>
           <a:lstStyle>
@@ -5756,15 +5908,19 @@
               <a:defRPr sz="4200"/>
             </a:lvl9pPr>
           </a:lstStyle>
-          <a:p/>
+          <a:p>
+            <a:endParaRPr/>
+          </a:p>
         </p:txBody>
       </p:sp>
       <p:sp>
         <p:nvSpPr>
           <p:cNvPr id="42" name="Google Shape;42;p9"/>
-          <p:cNvSpPr txBox="1"/>
+          <p:cNvSpPr txBox="1">
+            <a:spLocks noGrp="1"/>
+          </p:cNvSpPr>
           <p:nvPr>
-            <p:ph idx="1" type="subTitle"/>
+            <p:ph type="subTitle" idx="1"/>
           </p:nvPr>
         </p:nvSpPr>
         <p:spPr>
@@ -5777,7 +5933,7 @@
           </a:prstGeom>
         </p:spPr>
         <p:txBody>
-          <a:bodyPr anchorCtr="0" anchor="t" bIns="91425" lIns="91425" spcFirstLastPara="1" rIns="91425" wrap="square" tIns="91425">
+          <a:bodyPr spcFirstLastPara="1" wrap="square" lIns="91425" tIns="91425" rIns="91425" bIns="91425" anchor="t" anchorCtr="0">
             <a:normAutofit/>
           </a:bodyPr>
           <a:lstStyle>
@@ -5908,15 +6064,19 @@
               <a:defRPr sz="2100"/>
             </a:lvl9pPr>
           </a:lstStyle>
-          <a:p/>
+          <a:p>
+            <a:endParaRPr/>
+          </a:p>
         </p:txBody>
       </p:sp>
       <p:sp>
         <p:nvSpPr>
           <p:cNvPr id="43" name="Google Shape;43;p9"/>
-          <p:cNvSpPr txBox="1"/>
+          <p:cNvSpPr txBox="1">
+            <a:spLocks noGrp="1"/>
+          </p:cNvSpPr>
           <p:nvPr>
-            <p:ph idx="2" type="body"/>
+            <p:ph type="body" idx="2"/>
           </p:nvPr>
         </p:nvSpPr>
         <p:spPr>
@@ -5929,11 +6089,11 @@
           </a:prstGeom>
         </p:spPr>
         <p:txBody>
-          <a:bodyPr anchorCtr="0" anchor="ctr" bIns="91425" lIns="91425" spcFirstLastPara="1" rIns="91425" wrap="square" tIns="91425">
+          <a:bodyPr spcFirstLastPara="1" wrap="square" lIns="91425" tIns="91425" rIns="91425" bIns="91425" anchor="ctr" anchorCtr="0">
             <a:normAutofit/>
           </a:bodyPr>
           <a:lstStyle>
-            <a:lvl1pPr indent="-342900" lvl="0" marL="457200">
+            <a:lvl1pPr marL="457200" lvl="0" indent="-342900">
               <a:spcBef>
                 <a:spcPts val="0"/>
               </a:spcBef>
@@ -5951,7 +6111,7 @@
                 </a:solidFill>
               </a:defRPr>
             </a:lvl1pPr>
-            <a:lvl2pPr indent="-317500" lvl="1" marL="914400">
+            <a:lvl2pPr marL="914400" lvl="1" indent="-317500">
               <a:spcBef>
                 <a:spcPts val="0"/>
               </a:spcBef>
@@ -5969,7 +6129,7 @@
                 </a:solidFill>
               </a:defRPr>
             </a:lvl2pPr>
-            <a:lvl3pPr indent="-317500" lvl="2" marL="1371600">
+            <a:lvl3pPr marL="1371600" lvl="2" indent="-317500">
               <a:spcBef>
                 <a:spcPts val="0"/>
               </a:spcBef>
@@ -5987,7 +6147,7 @@
                 </a:solidFill>
               </a:defRPr>
             </a:lvl3pPr>
-            <a:lvl4pPr indent="-317500" lvl="3" marL="1828800">
+            <a:lvl4pPr marL="1828800" lvl="3" indent="-317500">
               <a:spcBef>
                 <a:spcPts val="0"/>
               </a:spcBef>
@@ -6005,7 +6165,7 @@
                 </a:solidFill>
               </a:defRPr>
             </a:lvl4pPr>
-            <a:lvl5pPr indent="-317500" lvl="4" marL="2286000">
+            <a:lvl5pPr marL="2286000" lvl="4" indent="-317500">
               <a:spcBef>
                 <a:spcPts val="0"/>
               </a:spcBef>
@@ -6023,7 +6183,7 @@
                 </a:solidFill>
               </a:defRPr>
             </a:lvl5pPr>
-            <a:lvl6pPr indent="-317500" lvl="5" marL="2743200">
+            <a:lvl6pPr marL="2743200" lvl="5" indent="-317500">
               <a:spcBef>
                 <a:spcPts val="0"/>
               </a:spcBef>
@@ -6041,7 +6201,7 @@
                 </a:solidFill>
               </a:defRPr>
             </a:lvl6pPr>
-            <a:lvl7pPr indent="-317500" lvl="6" marL="3200400">
+            <a:lvl7pPr marL="3200400" lvl="6" indent="-317500">
               <a:spcBef>
                 <a:spcPts val="0"/>
               </a:spcBef>
@@ -6059,7 +6219,7 @@
                 </a:solidFill>
               </a:defRPr>
             </a:lvl7pPr>
-            <a:lvl8pPr indent="-317500" lvl="7" marL="3657600">
+            <a:lvl8pPr marL="3657600" lvl="7" indent="-317500">
               <a:spcBef>
                 <a:spcPts val="0"/>
               </a:spcBef>
@@ -6077,7 +6237,7 @@
                 </a:solidFill>
               </a:defRPr>
             </a:lvl8pPr>
-            <a:lvl9pPr indent="-317500" lvl="8" marL="4114800">
+            <a:lvl9pPr marL="4114800" lvl="8" indent="-317500">
               <a:spcBef>
                 <a:spcPts val="0"/>
               </a:spcBef>
@@ -6096,15 +6256,19 @@
               </a:defRPr>
             </a:lvl9pPr>
           </a:lstStyle>
-          <a:p/>
+          <a:p>
+            <a:endParaRPr/>
+          </a:p>
         </p:txBody>
       </p:sp>
       <p:sp>
         <p:nvSpPr>
           <p:cNvPr id="44" name="Google Shape;44;p9"/>
-          <p:cNvSpPr txBox="1"/>
+          <p:cNvSpPr txBox="1">
+            <a:spLocks noGrp="1"/>
+          </p:cNvSpPr>
           <p:nvPr>
-            <p:ph idx="12" type="sldNum"/>
+            <p:ph type="sldNum" idx="12"/>
           </p:nvPr>
         </p:nvSpPr>
         <p:spPr>
@@ -6117,7 +6281,7 @@
           </a:prstGeom>
         </p:spPr>
         <p:txBody>
-          <a:bodyPr anchorCtr="0" anchor="ctr" bIns="91425" lIns="91425" spcFirstLastPara="1" rIns="91425" wrap="square" tIns="91425">
+          <a:bodyPr spcFirstLastPara="1" wrap="square" lIns="91425" tIns="91425" rIns="91425" bIns="91425" anchor="ctr" anchorCtr="0">
             <a:normAutofit/>
           </a:bodyPr>
           <a:lstStyle>
@@ -6195,7 +6359,7 @@
             </a:lvl9pPr>
           </a:lstStyle>
           <a:p>
-            <a:pPr indent="0" lvl="0" marL="0" rtl="0" algn="r">
+            <a:pPr marL="0" lvl="0" indent="0" algn="r" rtl="0">
               <a:spcBef>
                 <a:spcPts val="0"/>
               </a:spcBef>
@@ -6221,11 +6385,11 @@
 </file>
 
 <file path=ppt/slideLayouts/slideLayout9.xml><?xml version="1.0" encoding="utf-8"?>
-<p:sldLayout xmlns:a="http://schemas.openxmlformats.org/drawingml/2006/main" xmlns:r="http://schemas.openxmlformats.org/officeDocument/2006/relationships" xmlns:mc="http://schemas.openxmlformats.org/markup-compatibility/2006" xmlns:mv="urn:schemas-microsoft-com:mac:vml" xmlns:p="http://schemas.openxmlformats.org/presentationml/2006/main" xmlns:c="http://schemas.openxmlformats.org/drawingml/2006/chart" xmlns:dgm="http://schemas.openxmlformats.org/drawingml/2006/diagram" xmlns:o="urn:schemas-microsoft-com:office:office" xmlns:v="urn:schemas-microsoft-com:vml" xmlns:pvml="urn:schemas-microsoft-com:office:powerpoint" xmlns:com="http://schemas.openxmlformats.org/drawingml/2006/compatibility" xmlns:p14="http://schemas.microsoft.com/office/powerpoint/2010/main" xmlns:p15="http://schemas.microsoft.com/office/powerpoint/2012/main" xmlns:ahyp="http://schemas.microsoft.com/office/drawing/2018/hyperlinkcolor" matchingName="Caption">
+<p:sldLayout xmlns:a="http://schemas.openxmlformats.org/drawingml/2006/main" xmlns:r="http://schemas.openxmlformats.org/officeDocument/2006/relationships" xmlns:p="http://schemas.openxmlformats.org/presentationml/2006/main" matchingName="Caption">
   <p:cSld name="CAPTION_ONLY">
     <p:spTree>
       <p:nvGrpSpPr>
-        <p:cNvPr id="45" name="Shape 45"/>
+        <p:cNvPr id="1" name="Shape 45"/>
         <p:cNvGrpSpPr/>
         <p:nvPr/>
       </p:nvGrpSpPr>
@@ -6240,9 +6404,11 @@
       <p:sp>
         <p:nvSpPr>
           <p:cNvPr id="46" name="Google Shape;46;p10"/>
-          <p:cNvSpPr txBox="1"/>
+          <p:cNvSpPr txBox="1">
+            <a:spLocks noGrp="1"/>
+          </p:cNvSpPr>
           <p:nvPr>
-            <p:ph idx="1" type="body"/>
+            <p:ph type="body" idx="1"/>
           </p:nvPr>
         </p:nvSpPr>
         <p:spPr>
@@ -6255,11 +6421,11 @@
           </a:prstGeom>
         </p:spPr>
         <p:txBody>
-          <a:bodyPr anchorCtr="0" anchor="ctr" bIns="91425" lIns="91425" spcFirstLastPara="1" rIns="91425" wrap="square" tIns="91425">
+          <a:bodyPr spcFirstLastPara="1" wrap="square" lIns="91425" tIns="91425" rIns="91425" bIns="91425" anchor="ctr" anchorCtr="0">
             <a:normAutofit/>
           </a:bodyPr>
           <a:lstStyle>
-            <a:lvl1pPr indent="-228600" lvl="0" marL="457200">
+            <a:lvl1pPr marL="457200" lvl="0" indent="-228600">
               <a:lnSpc>
                 <a:spcPct val="100000"/>
               </a:lnSpc>
@@ -6274,15 +6440,19 @@
               <a:defRPr/>
             </a:lvl1pPr>
           </a:lstStyle>
-          <a:p/>
+          <a:p>
+            <a:endParaRPr/>
+          </a:p>
         </p:txBody>
       </p:sp>
       <p:sp>
         <p:nvSpPr>
           <p:cNvPr id="47" name="Google Shape;47;p10"/>
-          <p:cNvSpPr txBox="1"/>
+          <p:cNvSpPr txBox="1">
+            <a:spLocks noGrp="1"/>
+          </p:cNvSpPr>
           <p:nvPr>
-            <p:ph idx="12" type="sldNum"/>
+            <p:ph type="sldNum" idx="12"/>
           </p:nvPr>
         </p:nvSpPr>
         <p:spPr>
@@ -6295,7 +6465,7 @@
           </a:prstGeom>
         </p:spPr>
         <p:txBody>
-          <a:bodyPr anchorCtr="0" anchor="ctr" bIns="91425" lIns="91425" spcFirstLastPara="1" rIns="91425" wrap="square" tIns="91425">
+          <a:bodyPr spcFirstLastPara="1" wrap="square" lIns="91425" tIns="91425" rIns="91425" bIns="91425" anchor="ctr" anchorCtr="0">
             <a:normAutofit/>
           </a:bodyPr>
           <a:lstStyle>
@@ -6337,7 +6507,7 @@
             </a:lvl9pPr>
           </a:lstStyle>
           <a:p>
-            <a:pPr indent="0" lvl="0" marL="0" rtl="0" algn="r">
+            <a:pPr marL="0" lvl="0" indent="0" algn="r" rtl="0">
               <a:spcBef>
                 <a:spcPts val="0"/>
               </a:spcBef>
@@ -6363,18 +6533,19 @@
 </file>
 
 <file path=ppt/slideMasters/slideMaster1.xml><?xml version="1.0" encoding="utf-8"?>
-<p:sldMaster xmlns:a="http://schemas.openxmlformats.org/drawingml/2006/main" xmlns:r="http://schemas.openxmlformats.org/officeDocument/2006/relationships" xmlns:mc="http://schemas.openxmlformats.org/markup-compatibility/2006" xmlns:mv="urn:schemas-microsoft-com:mac:vml" xmlns:p="http://schemas.openxmlformats.org/presentationml/2006/main" xmlns:c="http://schemas.openxmlformats.org/drawingml/2006/chart" xmlns:dgm="http://schemas.openxmlformats.org/drawingml/2006/diagram" xmlns:o="urn:schemas-microsoft-com:office:office" xmlns:v="urn:schemas-microsoft-com:vml" xmlns:pvml="urn:schemas-microsoft-com:office:powerpoint" xmlns:com="http://schemas.openxmlformats.org/drawingml/2006/compatibility" xmlns:p14="http://schemas.microsoft.com/office/powerpoint/2010/main" xmlns:p15="http://schemas.microsoft.com/office/powerpoint/2012/main" xmlns:ahyp="http://schemas.microsoft.com/office/drawing/2018/hyperlinkcolor">
+<p:sldMaster xmlns:a="http://schemas.openxmlformats.org/drawingml/2006/main" xmlns:r="http://schemas.openxmlformats.org/officeDocument/2006/relationships" xmlns:p="http://schemas.openxmlformats.org/presentationml/2006/main">
   <p:cSld name="coral">
     <p:bg>
       <p:bgPr>
         <a:solidFill>
           <a:schemeClr val="lt1"/>
         </a:solidFill>
+        <a:effectLst/>
       </p:bgPr>
     </p:bg>
     <p:spTree>
       <p:nvGrpSpPr>
-        <p:cNvPr id="5" name="Shape 5"/>
+        <p:cNvPr id="1" name="Shape 5"/>
         <p:cNvGrpSpPr/>
         <p:nvPr/>
       </p:nvGrpSpPr>
@@ -6389,7 +6560,9 @@
       <p:sp>
         <p:nvSpPr>
           <p:cNvPr id="6" name="Google Shape;6;p1"/>
-          <p:cNvSpPr txBox="1"/>
+          <p:cNvSpPr txBox="1">
+            <a:spLocks noGrp="1"/>
+          </p:cNvSpPr>
           <p:nvPr>
             <p:ph type="title"/>
           </p:nvPr>
@@ -6408,7 +6581,7 @@
           </a:ln>
         </p:spPr>
         <p:txBody>
-          <a:bodyPr anchorCtr="0" anchor="t" bIns="91425" lIns="91425" spcFirstLastPara="1" rIns="91425" wrap="square" tIns="91425">
+          <a:bodyPr spcFirstLastPara="1" wrap="square" lIns="91425" tIns="91425" rIns="91425" bIns="91425" anchor="t" anchorCtr="0">
             <a:normAutofit/>
           </a:bodyPr>
           <a:lstStyle>
@@ -6425,7 +6598,7 @@
               <a:buSzPts val="3200"/>
               <a:buFont typeface="Playfair Display"/>
               <a:buNone/>
-              <a:defRPr b="1" sz="3200">
+              <a:defRPr sz="3200" b="1">
                 <a:solidFill>
                   <a:schemeClr val="dk1"/>
                 </a:solidFill>
@@ -6448,7 +6621,7 @@
               <a:buSzPts val="3200"/>
               <a:buFont typeface="Playfair Display"/>
               <a:buNone/>
-              <a:defRPr b="1" sz="3200">
+              <a:defRPr sz="3200" b="1">
                 <a:solidFill>
                   <a:schemeClr val="dk1"/>
                 </a:solidFill>
@@ -6471,7 +6644,7 @@
               <a:buSzPts val="3200"/>
               <a:buFont typeface="Playfair Display"/>
               <a:buNone/>
-              <a:defRPr b="1" sz="3200">
+              <a:defRPr sz="3200" b="1">
                 <a:solidFill>
                   <a:schemeClr val="dk1"/>
                 </a:solidFill>
@@ -6494,7 +6667,7 @@
               <a:buSzPts val="3200"/>
               <a:buFont typeface="Playfair Display"/>
               <a:buNone/>
-              <a:defRPr b="1" sz="3200">
+              <a:defRPr sz="3200" b="1">
                 <a:solidFill>
                   <a:schemeClr val="dk1"/>
                 </a:solidFill>
@@ -6517,7 +6690,7 @@
               <a:buSzPts val="3200"/>
               <a:buFont typeface="Playfair Display"/>
               <a:buNone/>
-              <a:defRPr b="1" sz="3200">
+              <a:defRPr sz="3200" b="1">
                 <a:solidFill>
                   <a:schemeClr val="dk1"/>
                 </a:solidFill>
@@ -6540,7 +6713,7 @@
               <a:buSzPts val="3200"/>
               <a:buFont typeface="Playfair Display"/>
               <a:buNone/>
-              <a:defRPr b="1" sz="3200">
+              <a:defRPr sz="3200" b="1">
                 <a:solidFill>
                   <a:schemeClr val="dk1"/>
                 </a:solidFill>
@@ -6563,7 +6736,7 @@
               <a:buSzPts val="3200"/>
               <a:buFont typeface="Playfair Display"/>
               <a:buNone/>
-              <a:defRPr b="1" sz="3200">
+              <a:defRPr sz="3200" b="1">
                 <a:solidFill>
                   <a:schemeClr val="dk1"/>
                 </a:solidFill>
@@ -6586,7 +6759,7 @@
               <a:buSzPts val="3200"/>
               <a:buFont typeface="Playfair Display"/>
               <a:buNone/>
-              <a:defRPr b="1" sz="3200">
+              <a:defRPr sz="3200" b="1">
                 <a:solidFill>
                   <a:schemeClr val="dk1"/>
                 </a:solidFill>
@@ -6609,7 +6782,7 @@
               <a:buSzPts val="3200"/>
               <a:buFont typeface="Playfair Display"/>
               <a:buNone/>
-              <a:defRPr b="1" sz="3200">
+              <a:defRPr sz="3200" b="1">
                 <a:solidFill>
                   <a:schemeClr val="dk1"/>
                 </a:solidFill>
@@ -6620,15 +6793,19 @@
               </a:defRPr>
             </a:lvl9pPr>
           </a:lstStyle>
-          <a:p/>
+          <a:p>
+            <a:endParaRPr/>
+          </a:p>
         </p:txBody>
       </p:sp>
       <p:sp>
         <p:nvSpPr>
           <p:cNvPr id="7" name="Google Shape;7;p1"/>
-          <p:cNvSpPr txBox="1"/>
+          <p:cNvSpPr txBox="1">
+            <a:spLocks noGrp="1"/>
+          </p:cNvSpPr>
           <p:nvPr>
-            <p:ph idx="1" type="body"/>
+            <p:ph type="body" idx="1"/>
           </p:nvPr>
         </p:nvSpPr>
         <p:spPr>
@@ -6645,11 +6822,11 @@
           </a:ln>
         </p:spPr>
         <p:txBody>
-          <a:bodyPr anchorCtr="0" anchor="t" bIns="91425" lIns="91425" spcFirstLastPara="1" rIns="91425" wrap="square" tIns="91425">
+          <a:bodyPr spcFirstLastPara="1" wrap="square" lIns="91425" tIns="91425" rIns="91425" bIns="91425" anchor="t" anchorCtr="0">
             <a:normAutofit/>
           </a:bodyPr>
           <a:lstStyle>
-            <a:lvl1pPr indent="-342900" lvl="0" marL="457200">
+            <a:lvl1pPr marL="457200" lvl="0" indent="-342900">
               <a:lnSpc>
                 <a:spcPct val="115000"/>
               </a:lnSpc>
@@ -6675,7 +6852,7 @@
                 <a:sym typeface="Lato"/>
               </a:defRPr>
             </a:lvl1pPr>
-            <a:lvl2pPr indent="-317500" lvl="1" marL="914400">
+            <a:lvl2pPr marL="914400" lvl="1" indent="-317500">
               <a:lnSpc>
                 <a:spcPct val="115000"/>
               </a:lnSpc>
@@ -6701,7 +6878,7 @@
                 <a:sym typeface="Lato"/>
               </a:defRPr>
             </a:lvl2pPr>
-            <a:lvl3pPr indent="-317500" lvl="2" marL="1371600">
+            <a:lvl3pPr marL="1371600" lvl="2" indent="-317500">
               <a:lnSpc>
                 <a:spcPct val="115000"/>
               </a:lnSpc>
@@ -6727,7 +6904,7 @@
                 <a:sym typeface="Lato"/>
               </a:defRPr>
             </a:lvl3pPr>
-            <a:lvl4pPr indent="-317500" lvl="3" marL="1828800">
+            <a:lvl4pPr marL="1828800" lvl="3" indent="-317500">
               <a:lnSpc>
                 <a:spcPct val="115000"/>
               </a:lnSpc>
@@ -6753,7 +6930,7 @@
                 <a:sym typeface="Lato"/>
               </a:defRPr>
             </a:lvl4pPr>
-            <a:lvl5pPr indent="-317500" lvl="4" marL="2286000">
+            <a:lvl5pPr marL="2286000" lvl="4" indent="-317500">
               <a:lnSpc>
                 <a:spcPct val="115000"/>
               </a:lnSpc>
@@ -6779,7 +6956,7 @@
                 <a:sym typeface="Lato"/>
               </a:defRPr>
             </a:lvl5pPr>
-            <a:lvl6pPr indent="-317500" lvl="5" marL="2743200">
+            <a:lvl6pPr marL="2743200" lvl="5" indent="-317500">
               <a:lnSpc>
                 <a:spcPct val="115000"/>
               </a:lnSpc>
@@ -6805,7 +6982,7 @@
                 <a:sym typeface="Lato"/>
               </a:defRPr>
             </a:lvl6pPr>
-            <a:lvl7pPr indent="-317500" lvl="6" marL="3200400">
+            <a:lvl7pPr marL="3200400" lvl="6" indent="-317500">
               <a:lnSpc>
                 <a:spcPct val="115000"/>
               </a:lnSpc>
@@ -6831,7 +7008,7 @@
                 <a:sym typeface="Lato"/>
               </a:defRPr>
             </a:lvl7pPr>
-            <a:lvl8pPr indent="-317500" lvl="7" marL="3657600">
+            <a:lvl8pPr marL="3657600" lvl="7" indent="-317500">
               <a:lnSpc>
                 <a:spcPct val="115000"/>
               </a:lnSpc>
@@ -6857,7 +7034,7 @@
                 <a:sym typeface="Lato"/>
               </a:defRPr>
             </a:lvl8pPr>
-            <a:lvl9pPr indent="-317500" lvl="8" marL="4114800">
+            <a:lvl9pPr marL="4114800" lvl="8" indent="-317500">
               <a:lnSpc>
                 <a:spcPct val="115000"/>
               </a:lnSpc>
@@ -6884,15 +7061,19 @@
               </a:defRPr>
             </a:lvl9pPr>
           </a:lstStyle>
-          <a:p/>
+          <a:p>
+            <a:endParaRPr/>
+          </a:p>
         </p:txBody>
       </p:sp>
       <p:sp>
         <p:nvSpPr>
           <p:cNvPr id="8" name="Google Shape;8;p1"/>
-          <p:cNvSpPr txBox="1"/>
+          <p:cNvSpPr txBox="1">
+            <a:spLocks noGrp="1"/>
+          </p:cNvSpPr>
           <p:nvPr>
-            <p:ph idx="12" type="sldNum"/>
+            <p:ph type="sldNum" idx="12"/>
           </p:nvPr>
         </p:nvSpPr>
         <p:spPr>
@@ -6909,7 +7090,7 @@
           </a:ln>
         </p:spPr>
         <p:txBody>
-          <a:bodyPr anchorCtr="0" anchor="ctr" bIns="91425" lIns="91425" spcFirstLastPara="1" rIns="91425" wrap="square" tIns="91425">
+          <a:bodyPr spcFirstLastPara="1" wrap="square" lIns="91425" tIns="91425" rIns="91425" bIns="91425" anchor="ctr" anchorCtr="0">
             <a:normAutofit/>
           </a:bodyPr>
           <a:lstStyle>
@@ -7023,7 +7204,7 @@
             </a:lvl9pPr>
           </a:lstStyle>
           <a:p>
-            <a:pPr indent="0" lvl="0" marL="0" rtl="0" algn="r">
+            <a:pPr marL="0" lvl="0" indent="0" algn="r" rtl="0">
               <a:spcBef>
                 <a:spcPts val="0"/>
               </a:spcBef>
@@ -7042,7 +7223,7 @@
       </p:sp>
     </p:spTree>
   </p:cSld>
-  <p:clrMap accent1="accent1" accent2="accent2" accent3="accent3" accent4="accent4" accent5="accent5" accent6="accent6" bg1="lt1" bg2="dk2" tx1="dk1" tx2="lt2" folHlink="folHlink" hlink="hlink"/>
+  <p:clrMap bg1="lt1" tx1="dk1" bg2="dk2" tx2="lt2" accent1="accent1" accent2="accent2" accent3="accent3" accent4="accent4" accent5="accent5" accent6="accent6" hlink="hlink" folHlink="folHlink"/>
   <p:sldLayoutIdLst>
     <p:sldLayoutId id="2147483648" r:id="rId1"/>
     <p:sldLayoutId id="2147483649" r:id="rId2"/>
@@ -7056,10 +7237,10 @@
     <p:sldLayoutId id="2147483657" r:id="rId10"/>
     <p:sldLayoutId id="2147483658" r:id="rId11"/>
   </p:sldLayoutIdLst>
-  <p:hf dt="0" ftr="0" hdr="0" sldNum="0"/>
+  <p:hf sldNum="0" hdr="0" ftr="0" dt="0"/>
   <p:txStyles>
     <p:titleStyle>
-      <a:defPPr lvl="0" marR="0" rtl="0" algn="l">
+      <a:defPPr marR="0" lvl="0" algn="l" rtl="0">
         <a:lnSpc>
           <a:spcPct val="100000"/>
         </a:lnSpc>
@@ -7070,7 +7251,7 @@
           <a:spcPts val="0"/>
         </a:spcAft>
       </a:defPPr>
-      <a:lvl1pPr lvl="0" marR="0" rtl="0" algn="l">
+      <a:lvl1pPr marR="0" lvl="0" algn="l" rtl="0">
         <a:lnSpc>
           <a:spcPct val="100000"/>
         </a:lnSpc>
@@ -7084,7 +7265,7 @@
           <a:srgbClr val="000000"/>
         </a:buClr>
         <a:buFont typeface="Arial"/>
-        <a:defRPr b="0" i="0" sz="1400" u="none" cap="none" strike="noStrike">
+        <a:defRPr sz="1400" b="0" i="0" u="none" strike="noStrike" cap="none">
           <a:solidFill>
             <a:srgbClr val="000000"/>
           </a:solidFill>
@@ -7094,7 +7275,7 @@
           <a:sym typeface="Arial"/>
         </a:defRPr>
       </a:lvl1pPr>
-      <a:lvl2pPr lvl="1" marR="0" rtl="0" algn="l">
+      <a:lvl2pPr marR="0" lvl="1" algn="l" rtl="0">
         <a:lnSpc>
           <a:spcPct val="100000"/>
         </a:lnSpc>
@@ -7108,7 +7289,7 @@
           <a:srgbClr val="000000"/>
         </a:buClr>
         <a:buFont typeface="Arial"/>
-        <a:defRPr b="0" i="0" sz="1400" u="none" cap="none" strike="noStrike">
+        <a:defRPr sz="1400" b="0" i="0" u="none" strike="noStrike" cap="none">
           <a:solidFill>
             <a:srgbClr val="000000"/>
           </a:solidFill>
@@ -7118,7 +7299,7 @@
           <a:sym typeface="Arial"/>
         </a:defRPr>
       </a:lvl2pPr>
-      <a:lvl3pPr lvl="2" marR="0" rtl="0" algn="l">
+      <a:lvl3pPr marR="0" lvl="2" algn="l" rtl="0">
         <a:lnSpc>
           <a:spcPct val="100000"/>
         </a:lnSpc>
@@ -7132,7 +7313,7 @@
           <a:srgbClr val="000000"/>
         </a:buClr>
         <a:buFont typeface="Arial"/>
-        <a:defRPr b="0" i="0" sz="1400" u="none" cap="none" strike="noStrike">
+        <a:defRPr sz="1400" b="0" i="0" u="none" strike="noStrike" cap="none">
           <a:solidFill>
             <a:srgbClr val="000000"/>
           </a:solidFill>
@@ -7142,7 +7323,7 @@
           <a:sym typeface="Arial"/>
         </a:defRPr>
       </a:lvl3pPr>
-      <a:lvl4pPr lvl="3" marR="0" rtl="0" algn="l">
+      <a:lvl4pPr marR="0" lvl="3" algn="l" rtl="0">
         <a:lnSpc>
           <a:spcPct val="100000"/>
         </a:lnSpc>
@@ -7156,7 +7337,7 @@
           <a:srgbClr val="000000"/>
         </a:buClr>
         <a:buFont typeface="Arial"/>
-        <a:defRPr b="0" i="0" sz="1400" u="none" cap="none" strike="noStrike">
+        <a:defRPr sz="1400" b="0" i="0" u="none" strike="noStrike" cap="none">
           <a:solidFill>
             <a:srgbClr val="000000"/>
           </a:solidFill>
@@ -7166,7 +7347,7 @@
           <a:sym typeface="Arial"/>
         </a:defRPr>
       </a:lvl4pPr>
-      <a:lvl5pPr lvl="4" marR="0" rtl="0" algn="l">
+      <a:lvl5pPr marR="0" lvl="4" algn="l" rtl="0">
         <a:lnSpc>
           <a:spcPct val="100000"/>
         </a:lnSpc>
@@ -7180,7 +7361,7 @@
           <a:srgbClr val="000000"/>
         </a:buClr>
         <a:buFont typeface="Arial"/>
-        <a:defRPr b="0" i="0" sz="1400" u="none" cap="none" strike="noStrike">
+        <a:defRPr sz="1400" b="0" i="0" u="none" strike="noStrike" cap="none">
           <a:solidFill>
             <a:srgbClr val="000000"/>
           </a:solidFill>
@@ -7190,7 +7371,7 @@
           <a:sym typeface="Arial"/>
         </a:defRPr>
       </a:lvl5pPr>
-      <a:lvl6pPr lvl="5" marR="0" rtl="0" algn="l">
+      <a:lvl6pPr marR="0" lvl="5" algn="l" rtl="0">
         <a:lnSpc>
           <a:spcPct val="100000"/>
         </a:lnSpc>
@@ -7204,7 +7385,7 @@
           <a:srgbClr val="000000"/>
         </a:buClr>
         <a:buFont typeface="Arial"/>
-        <a:defRPr b="0" i="0" sz="1400" u="none" cap="none" strike="noStrike">
+        <a:defRPr sz="1400" b="0" i="0" u="none" strike="noStrike" cap="none">
           <a:solidFill>
             <a:srgbClr val="000000"/>
           </a:solidFill>
@@ -7214,7 +7395,7 @@
           <a:sym typeface="Arial"/>
         </a:defRPr>
       </a:lvl6pPr>
-      <a:lvl7pPr lvl="6" marR="0" rtl="0" algn="l">
+      <a:lvl7pPr marR="0" lvl="6" algn="l" rtl="0">
         <a:lnSpc>
           <a:spcPct val="100000"/>
         </a:lnSpc>
@@ -7228,7 +7409,7 @@
           <a:srgbClr val="000000"/>
         </a:buClr>
         <a:buFont typeface="Arial"/>
-        <a:defRPr b="0" i="0" sz="1400" u="none" cap="none" strike="noStrike">
+        <a:defRPr sz="1400" b="0" i="0" u="none" strike="noStrike" cap="none">
           <a:solidFill>
             <a:srgbClr val="000000"/>
           </a:solidFill>
@@ -7238,7 +7419,7 @@
           <a:sym typeface="Arial"/>
         </a:defRPr>
       </a:lvl7pPr>
-      <a:lvl8pPr lvl="7" marR="0" rtl="0" algn="l">
+      <a:lvl8pPr marR="0" lvl="7" algn="l" rtl="0">
         <a:lnSpc>
           <a:spcPct val="100000"/>
         </a:lnSpc>
@@ -7252,7 +7433,7 @@
           <a:srgbClr val="000000"/>
         </a:buClr>
         <a:buFont typeface="Arial"/>
-        <a:defRPr b="0" i="0" sz="1400" u="none" cap="none" strike="noStrike">
+        <a:defRPr sz="1400" b="0" i="0" u="none" strike="noStrike" cap="none">
           <a:solidFill>
             <a:srgbClr val="000000"/>
           </a:solidFill>
@@ -7262,7 +7443,7 @@
           <a:sym typeface="Arial"/>
         </a:defRPr>
       </a:lvl8pPr>
-      <a:lvl9pPr lvl="8" marR="0" rtl="0" algn="l">
+      <a:lvl9pPr marR="0" lvl="8" algn="l" rtl="0">
         <a:lnSpc>
           <a:spcPct val="100000"/>
         </a:lnSpc>
@@ -7276,7 +7457,7 @@
           <a:srgbClr val="000000"/>
         </a:buClr>
         <a:buFont typeface="Arial"/>
-        <a:defRPr b="0" i="0" sz="1400" u="none" cap="none" strike="noStrike">
+        <a:defRPr sz="1400" b="0" i="0" u="none" strike="noStrike" cap="none">
           <a:solidFill>
             <a:srgbClr val="000000"/>
           </a:solidFill>
@@ -7288,7 +7469,7 @@
       </a:lvl9pPr>
     </p:titleStyle>
     <p:bodyStyle>
-      <a:defPPr lvl="0" marR="0" rtl="0" algn="l">
+      <a:defPPr marR="0" lvl="0" algn="l" rtl="0">
         <a:lnSpc>
           <a:spcPct val="100000"/>
         </a:lnSpc>
@@ -7299,7 +7480,7 @@
           <a:spcPts val="0"/>
         </a:spcAft>
       </a:defPPr>
-      <a:lvl1pPr lvl="0" marR="0" rtl="0" algn="l">
+      <a:lvl1pPr marR="0" lvl="0" algn="l" rtl="0">
         <a:lnSpc>
           <a:spcPct val="100000"/>
         </a:lnSpc>
@@ -7313,7 +7494,7 @@
           <a:srgbClr val="000000"/>
         </a:buClr>
         <a:buFont typeface="Arial"/>
-        <a:defRPr b="0" i="0" sz="1400" u="none" cap="none" strike="noStrike">
+        <a:defRPr sz="1400" b="0" i="0" u="none" strike="noStrike" cap="none">
           <a:solidFill>
             <a:srgbClr val="000000"/>
           </a:solidFill>
@@ -7323,7 +7504,7 @@
           <a:sym typeface="Arial"/>
         </a:defRPr>
       </a:lvl1pPr>
-      <a:lvl2pPr lvl="1" marR="0" rtl="0" algn="l">
+      <a:lvl2pPr marR="0" lvl="1" algn="l" rtl="0">
         <a:lnSpc>
           <a:spcPct val="100000"/>
         </a:lnSpc>
@@ -7337,7 +7518,7 @@
           <a:srgbClr val="000000"/>
         </a:buClr>
         <a:buFont typeface="Arial"/>
-        <a:defRPr b="0" i="0" sz="1400" u="none" cap="none" strike="noStrike">
+        <a:defRPr sz="1400" b="0" i="0" u="none" strike="noStrike" cap="none">
           <a:solidFill>
             <a:srgbClr val="000000"/>
           </a:solidFill>
@@ -7347,7 +7528,7 @@
           <a:sym typeface="Arial"/>
         </a:defRPr>
       </a:lvl2pPr>
-      <a:lvl3pPr lvl="2" marR="0" rtl="0" algn="l">
+      <a:lvl3pPr marR="0" lvl="2" algn="l" rtl="0">
         <a:lnSpc>
           <a:spcPct val="100000"/>
         </a:lnSpc>
@@ -7361,7 +7542,7 @@
           <a:srgbClr val="000000"/>
         </a:buClr>
         <a:buFont typeface="Arial"/>
-        <a:defRPr b="0" i="0" sz="1400" u="none" cap="none" strike="noStrike">
+        <a:defRPr sz="1400" b="0" i="0" u="none" strike="noStrike" cap="none">
           <a:solidFill>
             <a:srgbClr val="000000"/>
           </a:solidFill>
@@ -7371,7 +7552,7 @@
           <a:sym typeface="Arial"/>
         </a:defRPr>
       </a:lvl3pPr>
-      <a:lvl4pPr lvl="3" marR="0" rtl="0" algn="l">
+      <a:lvl4pPr marR="0" lvl="3" algn="l" rtl="0">
         <a:lnSpc>
           <a:spcPct val="100000"/>
         </a:lnSpc>
@@ -7385,7 +7566,7 @@
           <a:srgbClr val="000000"/>
         </a:buClr>
         <a:buFont typeface="Arial"/>
-        <a:defRPr b="0" i="0" sz="1400" u="none" cap="none" strike="noStrike">
+        <a:defRPr sz="1400" b="0" i="0" u="none" strike="noStrike" cap="none">
           <a:solidFill>
             <a:srgbClr val="000000"/>
           </a:solidFill>
@@ -7395,7 +7576,7 @@
           <a:sym typeface="Arial"/>
         </a:defRPr>
       </a:lvl4pPr>
-      <a:lvl5pPr lvl="4" marR="0" rtl="0" algn="l">
+      <a:lvl5pPr marR="0" lvl="4" algn="l" rtl="0">
         <a:lnSpc>
           <a:spcPct val="100000"/>
         </a:lnSpc>
@@ -7409,7 +7590,7 @@
           <a:srgbClr val="000000"/>
         </a:buClr>
         <a:buFont typeface="Arial"/>
-        <a:defRPr b="0" i="0" sz="1400" u="none" cap="none" strike="noStrike">
+        <a:defRPr sz="1400" b="0" i="0" u="none" strike="noStrike" cap="none">
           <a:solidFill>
             <a:srgbClr val="000000"/>
           </a:solidFill>
@@ -7419,7 +7600,7 @@
           <a:sym typeface="Arial"/>
         </a:defRPr>
       </a:lvl5pPr>
-      <a:lvl6pPr lvl="5" marR="0" rtl="0" algn="l">
+      <a:lvl6pPr marR="0" lvl="5" algn="l" rtl="0">
         <a:lnSpc>
           <a:spcPct val="100000"/>
         </a:lnSpc>
@@ -7433,7 +7614,7 @@
           <a:srgbClr val="000000"/>
         </a:buClr>
         <a:buFont typeface="Arial"/>
-        <a:defRPr b="0" i="0" sz="1400" u="none" cap="none" strike="noStrike">
+        <a:defRPr sz="1400" b="0" i="0" u="none" strike="noStrike" cap="none">
           <a:solidFill>
             <a:srgbClr val="000000"/>
           </a:solidFill>
@@ -7443,7 +7624,7 @@
           <a:sym typeface="Arial"/>
         </a:defRPr>
       </a:lvl6pPr>
-      <a:lvl7pPr lvl="6" marR="0" rtl="0" algn="l">
+      <a:lvl7pPr marR="0" lvl="6" algn="l" rtl="0">
         <a:lnSpc>
           <a:spcPct val="100000"/>
         </a:lnSpc>
@@ -7457,7 +7638,7 @@
           <a:srgbClr val="000000"/>
         </a:buClr>
         <a:buFont typeface="Arial"/>
-        <a:defRPr b="0" i="0" sz="1400" u="none" cap="none" strike="noStrike">
+        <a:defRPr sz="1400" b="0" i="0" u="none" strike="noStrike" cap="none">
           <a:solidFill>
             <a:srgbClr val="000000"/>
           </a:solidFill>
@@ -7467,7 +7648,7 @@
           <a:sym typeface="Arial"/>
         </a:defRPr>
       </a:lvl7pPr>
-      <a:lvl8pPr lvl="7" marR="0" rtl="0" algn="l">
+      <a:lvl8pPr marR="0" lvl="7" algn="l" rtl="0">
         <a:lnSpc>
           <a:spcPct val="100000"/>
         </a:lnSpc>
@@ -7481,7 +7662,7 @@
           <a:srgbClr val="000000"/>
         </a:buClr>
         <a:buFont typeface="Arial"/>
-        <a:defRPr b="0" i="0" sz="1400" u="none" cap="none" strike="noStrike">
+        <a:defRPr sz="1400" b="0" i="0" u="none" strike="noStrike" cap="none">
           <a:solidFill>
             <a:srgbClr val="000000"/>
           </a:solidFill>
@@ -7491,7 +7672,7 @@
           <a:sym typeface="Arial"/>
         </a:defRPr>
       </a:lvl8pPr>
-      <a:lvl9pPr lvl="8" marR="0" rtl="0" algn="l">
+      <a:lvl9pPr marR="0" lvl="8" algn="l" rtl="0">
         <a:lnSpc>
           <a:spcPct val="100000"/>
         </a:lnSpc>
@@ -7505,7 +7686,7 @@
           <a:srgbClr val="000000"/>
         </a:buClr>
         <a:buFont typeface="Arial"/>
-        <a:defRPr b="0" i="0" sz="1400" u="none" cap="none" strike="noStrike">
+        <a:defRPr sz="1400" b="0" i="0" u="none" strike="noStrike" cap="none">
           <a:solidFill>
             <a:srgbClr val="000000"/>
           </a:solidFill>
@@ -7517,7 +7698,7 @@
       </a:lvl9pPr>
     </p:bodyStyle>
     <p:otherStyle>
-      <a:defPPr lvl="0" marR="0" rtl="0" algn="l">
+      <a:defPPr marR="0" lvl="0" algn="l" rtl="0">
         <a:lnSpc>
           <a:spcPct val="100000"/>
         </a:lnSpc>
@@ -7528,7 +7709,7 @@
           <a:spcPts val="0"/>
         </a:spcAft>
       </a:defPPr>
-      <a:lvl1pPr lvl="0" marR="0" rtl="0" algn="l">
+      <a:lvl1pPr marR="0" lvl="0" algn="l" rtl="0">
         <a:lnSpc>
           <a:spcPct val="100000"/>
         </a:lnSpc>
@@ -7542,7 +7723,7 @@
           <a:srgbClr val="000000"/>
         </a:buClr>
         <a:buFont typeface="Arial"/>
-        <a:defRPr b="0" i="0" sz="1400" u="none" cap="none" strike="noStrike">
+        <a:defRPr sz="1400" b="0" i="0" u="none" strike="noStrike" cap="none">
           <a:solidFill>
             <a:srgbClr val="000000"/>
           </a:solidFill>
@@ -7552,7 +7733,7 @@
           <a:sym typeface="Arial"/>
         </a:defRPr>
       </a:lvl1pPr>
-      <a:lvl2pPr lvl="1" marR="0" rtl="0" algn="l">
+      <a:lvl2pPr marR="0" lvl="1" algn="l" rtl="0">
         <a:lnSpc>
           <a:spcPct val="100000"/>
         </a:lnSpc>
@@ -7566,7 +7747,7 @@
           <a:srgbClr val="000000"/>
         </a:buClr>
         <a:buFont typeface="Arial"/>
-        <a:defRPr b="0" i="0" sz="1400" u="none" cap="none" strike="noStrike">
+        <a:defRPr sz="1400" b="0" i="0" u="none" strike="noStrike" cap="none">
           <a:solidFill>
             <a:srgbClr val="000000"/>
           </a:solidFill>
@@ -7576,7 +7757,7 @@
           <a:sym typeface="Arial"/>
         </a:defRPr>
       </a:lvl2pPr>
-      <a:lvl3pPr lvl="2" marR="0" rtl="0" algn="l">
+      <a:lvl3pPr marR="0" lvl="2" algn="l" rtl="0">
         <a:lnSpc>
           <a:spcPct val="100000"/>
         </a:lnSpc>
@@ -7590,7 +7771,7 @@
           <a:srgbClr val="000000"/>
         </a:buClr>
         <a:buFont typeface="Arial"/>
-        <a:defRPr b="0" i="0" sz="1400" u="none" cap="none" strike="noStrike">
+        <a:defRPr sz="1400" b="0" i="0" u="none" strike="noStrike" cap="none">
           <a:solidFill>
             <a:srgbClr val="000000"/>
           </a:solidFill>
@@ -7600,7 +7781,7 @@
           <a:sym typeface="Arial"/>
         </a:defRPr>
       </a:lvl3pPr>
-      <a:lvl4pPr lvl="3" marR="0" rtl="0" algn="l">
+      <a:lvl4pPr marR="0" lvl="3" algn="l" rtl="0">
         <a:lnSpc>
           <a:spcPct val="100000"/>
         </a:lnSpc>
@@ -7614,7 +7795,7 @@
           <a:srgbClr val="000000"/>
         </a:buClr>
         <a:buFont typeface="Arial"/>
-        <a:defRPr b="0" i="0" sz="1400" u="none" cap="none" strike="noStrike">
+        <a:defRPr sz="1400" b="0" i="0" u="none" strike="noStrike" cap="none">
           <a:solidFill>
             <a:srgbClr val="000000"/>
           </a:solidFill>
@@ -7624,7 +7805,7 @@
           <a:sym typeface="Arial"/>
         </a:defRPr>
       </a:lvl4pPr>
-      <a:lvl5pPr lvl="4" marR="0" rtl="0" algn="l">
+      <a:lvl5pPr marR="0" lvl="4" algn="l" rtl="0">
         <a:lnSpc>
           <a:spcPct val="100000"/>
         </a:lnSpc>
@@ -7638,7 +7819,7 @@
           <a:srgbClr val="000000"/>
         </a:buClr>
         <a:buFont typeface="Arial"/>
-        <a:defRPr b="0" i="0" sz="1400" u="none" cap="none" strike="noStrike">
+        <a:defRPr sz="1400" b="0" i="0" u="none" strike="noStrike" cap="none">
           <a:solidFill>
             <a:srgbClr val="000000"/>
           </a:solidFill>
@@ -7648,7 +7829,7 @@
           <a:sym typeface="Arial"/>
         </a:defRPr>
       </a:lvl5pPr>
-      <a:lvl6pPr lvl="5" marR="0" rtl="0" algn="l">
+      <a:lvl6pPr marR="0" lvl="5" algn="l" rtl="0">
         <a:lnSpc>
           <a:spcPct val="100000"/>
         </a:lnSpc>
@@ -7662,7 +7843,7 @@
           <a:srgbClr val="000000"/>
         </a:buClr>
         <a:buFont typeface="Arial"/>
-        <a:defRPr b="0" i="0" sz="1400" u="none" cap="none" strike="noStrike">
+        <a:defRPr sz="1400" b="0" i="0" u="none" strike="noStrike" cap="none">
           <a:solidFill>
             <a:srgbClr val="000000"/>
           </a:solidFill>
@@ -7672,7 +7853,7 @@
           <a:sym typeface="Arial"/>
         </a:defRPr>
       </a:lvl6pPr>
-      <a:lvl7pPr lvl="6" marR="0" rtl="0" algn="l">
+      <a:lvl7pPr marR="0" lvl="6" algn="l" rtl="0">
         <a:lnSpc>
           <a:spcPct val="100000"/>
         </a:lnSpc>
@@ -7686,7 +7867,7 @@
           <a:srgbClr val="000000"/>
         </a:buClr>
         <a:buFont typeface="Arial"/>
-        <a:defRPr b="0" i="0" sz="1400" u="none" cap="none" strike="noStrike">
+        <a:defRPr sz="1400" b="0" i="0" u="none" strike="noStrike" cap="none">
           <a:solidFill>
             <a:srgbClr val="000000"/>
           </a:solidFill>
@@ -7696,7 +7877,7 @@
           <a:sym typeface="Arial"/>
         </a:defRPr>
       </a:lvl7pPr>
-      <a:lvl8pPr lvl="7" marR="0" rtl="0" algn="l">
+      <a:lvl8pPr marR="0" lvl="7" algn="l" rtl="0">
         <a:lnSpc>
           <a:spcPct val="100000"/>
         </a:lnSpc>
@@ -7710,7 +7891,7 @@
           <a:srgbClr val="000000"/>
         </a:buClr>
         <a:buFont typeface="Arial"/>
-        <a:defRPr b="0" i="0" sz="1400" u="none" cap="none" strike="noStrike">
+        <a:defRPr sz="1400" b="0" i="0" u="none" strike="noStrike" cap="none">
           <a:solidFill>
             <a:srgbClr val="000000"/>
           </a:solidFill>
@@ -7720,7 +7901,7 @@
           <a:sym typeface="Arial"/>
         </a:defRPr>
       </a:lvl8pPr>
-      <a:lvl9pPr lvl="8" marR="0" rtl="0" algn="l">
+      <a:lvl9pPr marR="0" lvl="8" algn="l" rtl="0">
         <a:lnSpc>
           <a:spcPct val="100000"/>
         </a:lnSpc>
@@ -7734,7 +7915,7 @@
           <a:srgbClr val="000000"/>
         </a:buClr>
         <a:buFont typeface="Arial"/>
-        <a:defRPr b="0" i="0" sz="1400" u="none" cap="none" strike="noStrike">
+        <a:defRPr sz="1400" b="0" i="0" u="none" strike="noStrike" cap="none">
           <a:solidFill>
             <a:srgbClr val="000000"/>
           </a:solidFill>
@@ -7750,11 +7931,11 @@
 </file>
 
 <file path=ppt/slides/slide1.xml><?xml version="1.0" encoding="utf-8"?>
-<p:sld xmlns:a="http://schemas.openxmlformats.org/drawingml/2006/main" xmlns:r="http://schemas.openxmlformats.org/officeDocument/2006/relationships" xmlns:mc="http://schemas.openxmlformats.org/markup-compatibility/2006" xmlns:mv="urn:schemas-microsoft-com:mac:vml" xmlns:p="http://schemas.openxmlformats.org/presentationml/2006/main" xmlns:c="http://schemas.openxmlformats.org/drawingml/2006/chart" xmlns:dgm="http://schemas.openxmlformats.org/drawingml/2006/diagram" xmlns:o="urn:schemas-microsoft-com:office:office" xmlns:v="urn:schemas-microsoft-com:vml" xmlns:pvml="urn:schemas-microsoft-com:office:powerpoint" xmlns:com="http://schemas.openxmlformats.org/drawingml/2006/compatibility" xmlns:p14="http://schemas.microsoft.com/office/powerpoint/2010/main" xmlns:p15="http://schemas.microsoft.com/office/powerpoint/2012/main" xmlns:ahyp="http://schemas.microsoft.com/office/drawing/2018/hyperlinkcolor">
+<p:sld xmlns:a="http://schemas.openxmlformats.org/drawingml/2006/main" xmlns:r="http://schemas.openxmlformats.org/officeDocument/2006/relationships" xmlns:p="http://schemas.openxmlformats.org/presentationml/2006/main">
   <p:cSld>
     <p:spTree>
       <p:nvGrpSpPr>
-        <p:cNvPr id="58" name="Shape 58"/>
+        <p:cNvPr id="1" name="Shape 58"/>
         <p:cNvGrpSpPr/>
         <p:nvPr/>
       </p:nvGrpSpPr>
@@ -7769,7 +7950,9 @@
       <p:sp>
         <p:nvSpPr>
           <p:cNvPr id="59" name="Google Shape;59;p13"/>
-          <p:cNvSpPr txBox="1"/>
+          <p:cNvSpPr txBox="1">
+            <a:spLocks noGrp="1"/>
+          </p:cNvSpPr>
           <p:nvPr>
             <p:ph type="ctrTitle"/>
           </p:nvPr>
@@ -7784,12 +7967,12 @@
           </a:prstGeom>
         </p:spPr>
         <p:txBody>
-          <a:bodyPr anchorCtr="0" anchor="ctr" bIns="91425" lIns="91425" spcFirstLastPara="1" rIns="91425" wrap="square" tIns="91425">
+          <a:bodyPr spcFirstLastPara="1" wrap="square" lIns="91425" tIns="91425" rIns="91425" bIns="91425" anchor="ctr" anchorCtr="0">
             <a:normAutofit fontScale="90000"/>
           </a:bodyPr>
           <a:lstStyle/>
           <a:p>
-            <a:pPr indent="0" lvl="0" marL="0" rtl="0" algn="ctr">
+            <a:pPr marL="0" lvl="0" indent="0" algn="ctr" rtl="0">
               <a:spcBef>
                 <a:spcPts val="0"/>
               </a:spcBef>
@@ -7799,13 +7982,13 @@
               <a:buNone/>
             </a:pPr>
             <a:r>
-              <a:rPr lang="en"/>
-              <a:t>Semantic Role Labelling in Hindi Interim Report</a:t>
+              <a:rPr lang="en" dirty="0"/>
+              <a:t>Semantic Role Labelling in Hindi Final Report</a:t>
             </a:r>
-            <a:endParaRPr/>
-          </a:p>
-          <a:p>
-            <a:pPr indent="0" lvl="0" marL="0" rtl="0" algn="ctr">
+            <a:endParaRPr dirty="0"/>
+          </a:p>
+          <a:p>
+            <a:pPr marL="0" lvl="0" indent="0" algn="ctr" rtl="0">
               <a:spcBef>
                 <a:spcPts val="0"/>
               </a:spcBef>
@@ -7815,23 +7998,21 @@
               <a:buNone/>
             </a:pPr>
             <a:r>
-              <a:rPr lang="en" sz="1311"/>
-              <a:t>30</a:t>
+              <a:rPr lang="en" sz="1311" dirty="0"/>
+              <a:t>30 April 2021</a:t>
             </a:r>
-            <a:r>
-              <a:rPr lang="en" sz="1311"/>
-              <a:t> April 2021</a:t>
-            </a:r>
-            <a:endParaRPr sz="1311"/>
+            <a:endParaRPr sz="1311" dirty="0"/>
           </a:p>
         </p:txBody>
       </p:sp>
       <p:sp>
         <p:nvSpPr>
           <p:cNvPr id="60" name="Google Shape;60;p13"/>
-          <p:cNvSpPr txBox="1"/>
+          <p:cNvSpPr txBox="1">
+            <a:spLocks noGrp="1"/>
+          </p:cNvSpPr>
           <p:nvPr>
-            <p:ph idx="1" type="subTitle"/>
+            <p:ph type="subTitle" idx="1"/>
           </p:nvPr>
         </p:nvSpPr>
         <p:spPr>
@@ -7844,12 +8025,12 @@
           </a:prstGeom>
         </p:spPr>
         <p:txBody>
-          <a:bodyPr anchorCtr="0" anchor="b" bIns="91425" lIns="91425" spcFirstLastPara="1" rIns="91425" wrap="square" tIns="91425">
+          <a:bodyPr spcFirstLastPara="1" wrap="square" lIns="91425" tIns="91425" rIns="91425" bIns="91425" anchor="b" anchorCtr="0">
             <a:normAutofit fontScale="55000"/>
           </a:bodyPr>
           <a:lstStyle/>
           <a:p>
-            <a:pPr indent="0" lvl="0" marL="0" rtl="0" algn="ctr">
+            <a:pPr marL="0" lvl="0" indent="0" algn="ctr" rtl="0">
               <a:spcBef>
                 <a:spcPts val="0"/>
               </a:spcBef>
@@ -7865,22 +8046,19 @@
             <a:endParaRPr/>
           </a:p>
           <a:p>
-            <a:pPr indent="0" lvl="0" marL="0" rtl="0" algn="ctr">
-              <a:spcBef>
-                <a:spcPts val="0"/>
-              </a:spcBef>
-              <a:spcAft>
-                <a:spcPts val="0"/>
-              </a:spcAft>
-              <a:buNone/>
-            </a:pPr>
-            <a:r>
-              <a:t/>
-            </a:r>
+            <a:pPr marL="0" lvl="0" indent="0" algn="ctr" rtl="0">
+              <a:spcBef>
+                <a:spcPts val="0"/>
+              </a:spcBef>
+              <a:spcAft>
+                <a:spcPts val="0"/>
+              </a:spcAft>
+              <a:buNone/>
+            </a:pPr>
             <a:endParaRPr/>
           </a:p>
           <a:p>
-            <a:pPr indent="0" lvl="0" marL="0" rtl="0" algn="ctr">
+            <a:pPr marL="0" lvl="0" indent="0" algn="ctr" rtl="0">
               <a:spcBef>
                 <a:spcPts val="0"/>
               </a:spcBef>
@@ -7906,11 +8084,11 @@
 </file>
 
 <file path=ppt/slides/slide10.xml><?xml version="1.0" encoding="utf-8"?>
-<p:sld xmlns:a="http://schemas.openxmlformats.org/drawingml/2006/main" xmlns:r="http://schemas.openxmlformats.org/officeDocument/2006/relationships" xmlns:mc="http://schemas.openxmlformats.org/markup-compatibility/2006" xmlns:mv="urn:schemas-microsoft-com:mac:vml" xmlns:p="http://schemas.openxmlformats.org/presentationml/2006/main" xmlns:c="http://schemas.openxmlformats.org/drawingml/2006/chart" xmlns:dgm="http://schemas.openxmlformats.org/drawingml/2006/diagram" xmlns:o="urn:schemas-microsoft-com:office:office" xmlns:v="urn:schemas-microsoft-com:vml" xmlns:pvml="urn:schemas-microsoft-com:office:powerpoint" xmlns:com="http://schemas.openxmlformats.org/drawingml/2006/compatibility" xmlns:p14="http://schemas.microsoft.com/office/powerpoint/2010/main" xmlns:p15="http://schemas.microsoft.com/office/powerpoint/2012/main" xmlns:ahyp="http://schemas.microsoft.com/office/drawing/2018/hyperlinkcolor">
+<p:sld xmlns:a="http://schemas.openxmlformats.org/drawingml/2006/main" xmlns:r="http://schemas.openxmlformats.org/officeDocument/2006/relationships" xmlns:p="http://schemas.openxmlformats.org/presentationml/2006/main">
   <p:cSld>
     <p:spTree>
       <p:nvGrpSpPr>
-        <p:cNvPr id="122" name="Shape 122"/>
+        <p:cNvPr id="1" name="Shape 122"/>
         <p:cNvGrpSpPr/>
         <p:nvPr/>
       </p:nvGrpSpPr>
@@ -7925,7 +8103,9 @@
       <p:sp>
         <p:nvSpPr>
           <p:cNvPr id="123" name="Google Shape;123;p22"/>
-          <p:cNvSpPr txBox="1"/>
+          <p:cNvSpPr txBox="1">
+            <a:spLocks noGrp="1"/>
+          </p:cNvSpPr>
           <p:nvPr>
             <p:ph type="title"/>
           </p:nvPr>
@@ -7940,12 +8120,12 @@
           </a:prstGeom>
         </p:spPr>
         <p:txBody>
-          <a:bodyPr anchorCtr="0" anchor="t" bIns="91425" lIns="91425" spcFirstLastPara="1" rIns="91425" wrap="square" tIns="91425">
+          <a:bodyPr spcFirstLastPara="1" wrap="square" lIns="91425" tIns="91425" rIns="91425" bIns="91425" anchor="t" anchorCtr="0">
             <a:normAutofit fontScale="90000"/>
           </a:bodyPr>
           <a:lstStyle/>
           <a:p>
-            <a:pPr indent="0" lvl="0" marL="0" rtl="0" algn="l">
+            <a:pPr marL="0" lvl="0" indent="0" algn="l" rtl="0">
               <a:spcBef>
                 <a:spcPts val="0"/>
               </a:spcBef>
@@ -7956,11 +8136,7 @@
             </a:pPr>
             <a:r>
               <a:rPr lang="en"/>
-              <a:t>Bidirectional </a:t>
-            </a:r>
-            <a:r>
-              <a:rPr lang="en"/>
-              <a:t>LSTM - Architecture </a:t>
+              <a:t>Bidirectional LSTM - Architecture </a:t>
             </a:r>
             <a:endParaRPr/>
           </a:p>
@@ -7969,9 +8145,11 @@
       <p:sp>
         <p:nvSpPr>
           <p:cNvPr id="124" name="Google Shape;124;p22"/>
-          <p:cNvSpPr txBox="1"/>
+          <p:cNvSpPr txBox="1">
+            <a:spLocks noGrp="1"/>
+          </p:cNvSpPr>
           <p:nvPr>
-            <p:ph idx="1" type="body"/>
+            <p:ph type="body" idx="1"/>
           </p:nvPr>
         </p:nvSpPr>
         <p:spPr>
@@ -7984,12 +8162,12 @@
           </a:prstGeom>
         </p:spPr>
         <p:txBody>
-          <a:bodyPr anchorCtr="0" anchor="t" bIns="91425" lIns="91425" spcFirstLastPara="1" rIns="91425" wrap="square" tIns="91425">
+          <a:bodyPr spcFirstLastPara="1" wrap="square" lIns="91425" tIns="91425" rIns="91425" bIns="91425" anchor="t" anchorCtr="0">
             <a:normAutofit/>
           </a:bodyPr>
           <a:lstStyle/>
           <a:p>
-            <a:pPr indent="-298450" lvl="0" marL="457200" rtl="0" algn="l">
+            <a:pPr marL="457200" lvl="0" indent="-298450" algn="l" rtl="0">
               <a:spcBef>
                 <a:spcPts val="0"/>
               </a:spcBef>
@@ -8026,7 +8204,7 @@
             </a:endParaRPr>
           </a:p>
           <a:p>
-            <a:pPr indent="0" lvl="0" marL="457200" rtl="0" algn="l">
+            <a:pPr marL="457200" lvl="0" indent="0" algn="l" rtl="0">
               <a:spcBef>
                 <a:spcPts val="0"/>
               </a:spcBef>
@@ -8058,7 +8236,7 @@
             </a:endParaRPr>
           </a:p>
           <a:p>
-            <a:pPr indent="0" lvl="0" marL="457200" rtl="0" algn="l">
+            <a:pPr marL="457200" lvl="0" indent="0" algn="l" rtl="0">
               <a:spcBef>
                 <a:spcPts val="0"/>
               </a:spcBef>
@@ -8090,7 +8268,7 @@
             </a:endParaRPr>
           </a:p>
           <a:p>
-            <a:pPr indent="0" lvl="0" marL="457200" rtl="0" algn="l">
+            <a:pPr marL="457200" lvl="0" indent="0" algn="l" rtl="0">
               <a:spcBef>
                 <a:spcPts val="0"/>
               </a:spcBef>
@@ -8122,7 +8300,7 @@
             </a:endParaRPr>
           </a:p>
           <a:p>
-            <a:pPr indent="0" lvl="0" marL="457200" rtl="0" algn="l">
+            <a:pPr marL="457200" lvl="0" indent="0" algn="l" rtl="0">
               <a:spcBef>
                 <a:spcPts val="0"/>
               </a:spcBef>
@@ -8154,7 +8332,7 @@
             </a:endParaRPr>
           </a:p>
           <a:p>
-            <a:pPr indent="0" lvl="0" marL="457200" rtl="0" algn="l">
+            <a:pPr marL="457200" lvl="0" indent="0" algn="l" rtl="0">
               <a:spcBef>
                 <a:spcPts val="0"/>
               </a:spcBef>
@@ -8186,18 +8364,15 @@
             </a:endParaRPr>
           </a:p>
           <a:p>
-            <a:pPr indent="0" lvl="0" marL="457200" rtl="0" algn="l">
-              <a:spcBef>
-                <a:spcPts val="0"/>
-              </a:spcBef>
-              <a:spcAft>
-                <a:spcPts val="0"/>
-              </a:spcAft>
-              <a:buNone/>
-            </a:pPr>
-            <a:r>
-              <a:t/>
-            </a:r>
+            <a:pPr marL="457200" lvl="0" indent="0" algn="l" rtl="0">
+              <a:spcBef>
+                <a:spcPts val="0"/>
+              </a:spcBef>
+              <a:spcAft>
+                <a:spcPts val="0"/>
+              </a:spcAft>
+              <a:buNone/>
+            </a:pPr>
             <a:endParaRPr sz="1000">
               <a:solidFill>
                 <a:srgbClr val="24292E"/>
@@ -8209,7 +8384,7 @@
             </a:endParaRPr>
           </a:p>
           <a:p>
-            <a:pPr indent="-307022" lvl="0" marL="457200" rtl="0" algn="l">
+            <a:pPr marL="457200" lvl="0" indent="-307022" algn="l" rtl="0">
               <a:spcBef>
                 <a:spcPts val="0"/>
               </a:spcBef>
@@ -8246,7 +8421,7 @@
             </a:endParaRPr>
           </a:p>
           <a:p>
-            <a:pPr indent="-307022" lvl="0" marL="457200" rtl="0" algn="l">
+            <a:pPr marL="457200" lvl="0" indent="-307022" algn="l" rtl="0">
               <a:spcBef>
                 <a:spcPts val="0"/>
               </a:spcBef>
@@ -8283,7 +8458,7 @@
             </a:endParaRPr>
           </a:p>
           <a:p>
-            <a:pPr indent="-298450" lvl="0" marL="457200" rtl="0" algn="l">
+            <a:pPr marL="457200" lvl="0" indent="-298450" algn="l" rtl="0">
               <a:spcBef>
                 <a:spcPts val="0"/>
               </a:spcBef>
@@ -8320,7 +8495,7 @@
             </a:endParaRPr>
           </a:p>
           <a:p>
-            <a:pPr indent="-298450" lvl="1" marL="914400" rtl="0" algn="l">
+            <a:pPr marL="914400" lvl="1" indent="-298450" algn="l" rtl="0">
               <a:spcBef>
                 <a:spcPts val="0"/>
               </a:spcBef>
@@ -8363,18 +8538,15 @@
             </a:endParaRPr>
           </a:p>
           <a:p>
-            <a:pPr indent="0" lvl="0" marL="914400" rtl="0" algn="l">
-              <a:spcBef>
-                <a:spcPts val="0"/>
-              </a:spcBef>
-              <a:spcAft>
-                <a:spcPts val="0"/>
-              </a:spcAft>
-              <a:buNone/>
-            </a:pPr>
-            <a:r>
-              <a:t/>
-            </a:r>
+            <a:pPr marL="914400" lvl="0" indent="0" algn="l" rtl="0">
+              <a:spcBef>
+                <a:spcPts val="0"/>
+              </a:spcBef>
+              <a:spcAft>
+                <a:spcPts val="0"/>
+              </a:spcAft>
+              <a:buNone/>
+            </a:pPr>
             <a:endParaRPr sz="900">
               <a:solidFill>
                 <a:srgbClr val="008000"/>
@@ -8389,7 +8561,7 @@
             </a:endParaRPr>
           </a:p>
           <a:p>
-            <a:pPr indent="-307022" lvl="0" marL="457200" rtl="0" algn="l">
+            <a:pPr marL="457200" lvl="0" indent="-307022" algn="l" rtl="0">
               <a:spcBef>
                 <a:spcPts val="0"/>
               </a:spcBef>
@@ -8438,7 +8610,7 @@
             </a:endParaRPr>
           </a:p>
           <a:p>
-            <a:pPr indent="0" lvl="0" marL="0" rtl="0" algn="l">
+            <a:pPr marL="0" lvl="0" indent="0" algn="l" rtl="0">
               <a:spcBef>
                 <a:spcPts val="0"/>
               </a:spcBef>
@@ -8470,7 +8642,7 @@
             </a:endParaRPr>
           </a:p>
           <a:p>
-            <a:pPr indent="0" lvl="0" marL="0" rtl="0" algn="l">
+            <a:pPr marL="0" lvl="0" indent="0" algn="l" rtl="0">
               <a:spcBef>
                 <a:spcPts val="0"/>
               </a:spcBef>
@@ -8502,7 +8674,7 @@
             </a:endParaRPr>
           </a:p>
           <a:p>
-            <a:pPr indent="0" lvl="0" marL="457200" rtl="0" algn="l">
+            <a:pPr marL="457200" lvl="0" indent="0" algn="l" rtl="0">
               <a:spcBef>
                 <a:spcPts val="0"/>
               </a:spcBef>
@@ -8511,9 +8683,6 @@
               </a:spcAft>
               <a:buNone/>
             </a:pPr>
-            <a:r>
-              <a:t/>
-            </a:r>
             <a:endParaRPr sz="1235">
               <a:solidFill>
                 <a:srgbClr val="000000"/>
@@ -8546,23 +8715,20 @@
           </a:ln>
         </p:spPr>
         <p:txBody>
-          <a:bodyPr anchorCtr="0" anchor="t" bIns="91425" lIns="91425" spcFirstLastPara="1" rIns="91425" wrap="square" tIns="91425">
+          <a:bodyPr spcFirstLastPara="1" wrap="square" lIns="91425" tIns="91425" rIns="91425" bIns="91425" anchor="t" anchorCtr="0">
             <a:spAutoFit/>
           </a:bodyPr>
           <a:lstStyle/>
           <a:p>
-            <a:pPr indent="0" lvl="0" marL="0" rtl="0" algn="l">
-              <a:spcBef>
-                <a:spcPts val="0"/>
-              </a:spcBef>
-              <a:spcAft>
-                <a:spcPts val="0"/>
-              </a:spcAft>
-              <a:buNone/>
-            </a:pPr>
-            <a:r>
-              <a:t/>
-            </a:r>
+            <a:pPr marL="0" lvl="0" indent="0" algn="l" rtl="0">
+              <a:spcBef>
+                <a:spcPts val="0"/>
+              </a:spcBef>
+              <a:spcAft>
+                <a:spcPts val="0"/>
+              </a:spcAft>
+              <a:buNone/>
+            </a:pPr>
             <a:endParaRPr>
               <a:latin typeface="Lato"/>
               <a:ea typeface="Lato"/>
@@ -8581,11 +8747,11 @@
 </file>
 
 <file path=ppt/slides/slide11.xml><?xml version="1.0" encoding="utf-8"?>
-<p:sld xmlns:a="http://schemas.openxmlformats.org/drawingml/2006/main" xmlns:r="http://schemas.openxmlformats.org/officeDocument/2006/relationships" xmlns:mc="http://schemas.openxmlformats.org/markup-compatibility/2006" xmlns:mv="urn:schemas-microsoft-com:mac:vml" xmlns:p="http://schemas.openxmlformats.org/presentationml/2006/main" xmlns:c="http://schemas.openxmlformats.org/drawingml/2006/chart" xmlns:dgm="http://schemas.openxmlformats.org/drawingml/2006/diagram" xmlns:o="urn:schemas-microsoft-com:office:office" xmlns:v="urn:schemas-microsoft-com:vml" xmlns:pvml="urn:schemas-microsoft-com:office:powerpoint" xmlns:com="http://schemas.openxmlformats.org/drawingml/2006/compatibility" xmlns:p14="http://schemas.microsoft.com/office/powerpoint/2010/main" xmlns:p15="http://schemas.microsoft.com/office/powerpoint/2012/main" xmlns:ahyp="http://schemas.microsoft.com/office/drawing/2018/hyperlinkcolor">
+<p:sld xmlns:a="http://schemas.openxmlformats.org/drawingml/2006/main" xmlns:r="http://schemas.openxmlformats.org/officeDocument/2006/relationships" xmlns:p="http://schemas.openxmlformats.org/presentationml/2006/main">
   <p:cSld>
     <p:spTree>
       <p:nvGrpSpPr>
-        <p:cNvPr id="129" name="Shape 129"/>
+        <p:cNvPr id="1" name="Shape 129"/>
         <p:cNvGrpSpPr/>
         <p:nvPr/>
       </p:nvGrpSpPr>
@@ -8600,7 +8766,9 @@
       <p:sp>
         <p:nvSpPr>
           <p:cNvPr id="130" name="Google Shape;130;p23"/>
-          <p:cNvSpPr txBox="1"/>
+          <p:cNvSpPr txBox="1">
+            <a:spLocks noGrp="1"/>
+          </p:cNvSpPr>
           <p:nvPr>
             <p:ph type="title"/>
           </p:nvPr>
@@ -8615,12 +8783,12 @@
           </a:prstGeom>
         </p:spPr>
         <p:txBody>
-          <a:bodyPr anchorCtr="0" anchor="t" bIns="91425" lIns="91425" spcFirstLastPara="1" rIns="91425" wrap="square" tIns="91425">
+          <a:bodyPr spcFirstLastPara="1" wrap="square" lIns="91425" tIns="91425" rIns="91425" bIns="91425" anchor="t" anchorCtr="0">
             <a:normAutofit fontScale="90000"/>
           </a:bodyPr>
           <a:lstStyle/>
           <a:p>
-            <a:pPr indent="0" lvl="0" marL="0" rtl="0" algn="l">
+            <a:pPr marL="0" lvl="0" indent="0" algn="l" rtl="0">
               <a:spcBef>
                 <a:spcPts val="0"/>
               </a:spcBef>
@@ -8631,11 +8799,7 @@
             </a:pPr>
             <a:r>
               <a:rPr lang="en"/>
-              <a:t>Bidirectional LSTM</a:t>
-            </a:r>
-            <a:r>
-              <a:rPr lang="en"/>
-              <a:t> - Results</a:t>
+              <a:t>Bidirectional LSTM - Results</a:t>
             </a:r>
             <a:endParaRPr/>
           </a:p>
@@ -8644,9 +8808,11 @@
       <p:sp>
         <p:nvSpPr>
           <p:cNvPr id="131" name="Google Shape;131;p23"/>
-          <p:cNvSpPr txBox="1"/>
+          <p:cNvSpPr txBox="1">
+            <a:spLocks noGrp="1"/>
+          </p:cNvSpPr>
           <p:nvPr>
-            <p:ph idx="1" type="body"/>
+            <p:ph type="body" idx="1"/>
           </p:nvPr>
         </p:nvSpPr>
         <p:spPr>
@@ -8659,12 +8825,12 @@
           </a:prstGeom>
         </p:spPr>
         <p:txBody>
-          <a:bodyPr anchorCtr="0" anchor="t" bIns="91425" lIns="91425" spcFirstLastPara="1" rIns="91425" wrap="square" tIns="91425">
+          <a:bodyPr spcFirstLastPara="1" wrap="square" lIns="91425" tIns="91425" rIns="91425" bIns="91425" anchor="t" anchorCtr="0">
             <a:normAutofit/>
           </a:bodyPr>
           <a:lstStyle/>
           <a:p>
-            <a:pPr indent="-307022" lvl="0" marL="457200" rtl="0" algn="l">
+            <a:pPr marL="457200" lvl="0" indent="-307022" algn="l" rtl="0">
               <a:spcBef>
                 <a:spcPts val="0"/>
               </a:spcBef>
@@ -8759,11 +8925,11 @@
 </file>
 
 <file path=ppt/slides/slide12.xml><?xml version="1.0" encoding="utf-8"?>
-<p:sld xmlns:a="http://schemas.openxmlformats.org/drawingml/2006/main" xmlns:r="http://schemas.openxmlformats.org/officeDocument/2006/relationships" xmlns:mc="http://schemas.openxmlformats.org/markup-compatibility/2006" xmlns:mv="urn:schemas-microsoft-com:mac:vml" xmlns:p="http://schemas.openxmlformats.org/presentationml/2006/main" xmlns:c="http://schemas.openxmlformats.org/drawingml/2006/chart" xmlns:dgm="http://schemas.openxmlformats.org/drawingml/2006/diagram" xmlns:o="urn:schemas-microsoft-com:office:office" xmlns:v="urn:schemas-microsoft-com:vml" xmlns:pvml="urn:schemas-microsoft-com:office:powerpoint" xmlns:com="http://schemas.openxmlformats.org/drawingml/2006/compatibility" xmlns:p14="http://schemas.microsoft.com/office/powerpoint/2010/main" xmlns:p15="http://schemas.microsoft.com/office/powerpoint/2012/main" xmlns:ahyp="http://schemas.microsoft.com/office/drawing/2018/hyperlinkcolor">
+<p:sld xmlns:a="http://schemas.openxmlformats.org/drawingml/2006/main" xmlns:r="http://schemas.openxmlformats.org/officeDocument/2006/relationships" xmlns:p="http://schemas.openxmlformats.org/presentationml/2006/main">
   <p:cSld>
     <p:spTree>
       <p:nvGrpSpPr>
-        <p:cNvPr id="137" name="Shape 137"/>
+        <p:cNvPr id="1" name="Shape 137"/>
         <p:cNvGrpSpPr/>
         <p:nvPr/>
       </p:nvGrpSpPr>
@@ -8778,7 +8944,9 @@
       <p:sp>
         <p:nvSpPr>
           <p:cNvPr id="138" name="Google Shape;138;p24"/>
-          <p:cNvSpPr txBox="1"/>
+          <p:cNvSpPr txBox="1">
+            <a:spLocks noGrp="1"/>
+          </p:cNvSpPr>
           <p:nvPr>
             <p:ph type="title"/>
           </p:nvPr>
@@ -8793,12 +8961,12 @@
           </a:prstGeom>
         </p:spPr>
         <p:txBody>
-          <a:bodyPr anchorCtr="0" anchor="t" bIns="91425" lIns="91425" spcFirstLastPara="1" rIns="91425" wrap="square" tIns="91425">
+          <a:bodyPr spcFirstLastPara="1" wrap="square" lIns="91425" tIns="91425" rIns="91425" bIns="91425" anchor="t" anchorCtr="0">
             <a:normAutofit fontScale="90000"/>
           </a:bodyPr>
           <a:lstStyle/>
           <a:p>
-            <a:pPr indent="0" lvl="0" marL="0" rtl="0" algn="l">
+            <a:pPr marL="0" lvl="0" indent="0" algn="l" rtl="0">
               <a:spcBef>
                 <a:spcPts val="0"/>
               </a:spcBef>
@@ -8809,15 +8977,7 @@
             </a:pPr>
             <a:r>
               <a:rPr lang="en"/>
-              <a:t>Bidirectional</a:t>
-            </a:r>
-            <a:r>
-              <a:rPr lang="en"/>
-              <a:t> </a:t>
-            </a:r>
-            <a:r>
-              <a:rPr lang="en"/>
-              <a:t>LSTM Model - Classification Report</a:t>
+              <a:t>Bidirectional LSTM Model - Classification Report</a:t>
             </a:r>
             <a:endParaRPr/>
           </a:p>
@@ -8860,11 +9020,11 @@
 </file>
 
 <file path=ppt/slides/slide13.xml><?xml version="1.0" encoding="utf-8"?>
-<p:sld xmlns:a="http://schemas.openxmlformats.org/drawingml/2006/main" xmlns:r="http://schemas.openxmlformats.org/officeDocument/2006/relationships" xmlns:mc="http://schemas.openxmlformats.org/markup-compatibility/2006" xmlns:mv="urn:schemas-microsoft-com:mac:vml" xmlns:p="http://schemas.openxmlformats.org/presentationml/2006/main" xmlns:c="http://schemas.openxmlformats.org/drawingml/2006/chart" xmlns:dgm="http://schemas.openxmlformats.org/drawingml/2006/diagram" xmlns:o="urn:schemas-microsoft-com:office:office" xmlns:v="urn:schemas-microsoft-com:vml" xmlns:pvml="urn:schemas-microsoft-com:office:powerpoint" xmlns:com="http://schemas.openxmlformats.org/drawingml/2006/compatibility" xmlns:p14="http://schemas.microsoft.com/office/powerpoint/2010/main" xmlns:p15="http://schemas.microsoft.com/office/powerpoint/2012/main" xmlns:ahyp="http://schemas.microsoft.com/office/drawing/2018/hyperlinkcolor">
+<p:sld xmlns:a="http://schemas.openxmlformats.org/drawingml/2006/main" xmlns:r="http://schemas.openxmlformats.org/officeDocument/2006/relationships" xmlns:p="http://schemas.openxmlformats.org/presentationml/2006/main">
   <p:cSld>
     <p:spTree>
       <p:nvGrpSpPr>
-        <p:cNvPr id="143" name="Shape 143"/>
+        <p:cNvPr id="1" name="Shape 143"/>
         <p:cNvGrpSpPr/>
         <p:nvPr/>
       </p:nvGrpSpPr>
@@ -8879,7 +9039,9 @@
       <p:sp>
         <p:nvSpPr>
           <p:cNvPr id="144" name="Google Shape;144;p25"/>
-          <p:cNvSpPr txBox="1"/>
+          <p:cNvSpPr txBox="1">
+            <a:spLocks noGrp="1"/>
+          </p:cNvSpPr>
           <p:nvPr>
             <p:ph type="title"/>
           </p:nvPr>
@@ -8894,12 +9056,12 @@
           </a:prstGeom>
         </p:spPr>
         <p:txBody>
-          <a:bodyPr anchorCtr="0" anchor="t" bIns="91425" lIns="91425" spcFirstLastPara="1" rIns="91425" wrap="square" tIns="91425">
+          <a:bodyPr spcFirstLastPara="1" wrap="square" lIns="91425" tIns="91425" rIns="91425" bIns="91425" anchor="t" anchorCtr="0">
             <a:normAutofit fontScale="90000"/>
           </a:bodyPr>
           <a:lstStyle/>
           <a:p>
-            <a:pPr indent="0" lvl="0" marL="0" rtl="0" algn="l">
+            <a:pPr marL="0" lvl="0" indent="0" algn="l" rtl="0">
               <a:spcBef>
                 <a:spcPts val="0"/>
               </a:spcBef>
@@ -8919,9 +9081,11 @@
       <p:sp>
         <p:nvSpPr>
           <p:cNvPr id="145" name="Google Shape;145;p25"/>
-          <p:cNvSpPr txBox="1"/>
+          <p:cNvSpPr txBox="1">
+            <a:spLocks noGrp="1"/>
+          </p:cNvSpPr>
           <p:nvPr>
-            <p:ph idx="1" type="body"/>
+            <p:ph type="body" idx="1"/>
           </p:nvPr>
         </p:nvSpPr>
         <p:spPr>
@@ -8934,27 +9098,24 @@
           </a:prstGeom>
         </p:spPr>
         <p:txBody>
-          <a:bodyPr anchorCtr="0" anchor="t" bIns="91425" lIns="91425" spcFirstLastPara="1" rIns="91425" wrap="square" tIns="91425">
+          <a:bodyPr spcFirstLastPara="1" wrap="square" lIns="91425" tIns="91425" rIns="91425" bIns="91425" anchor="t" anchorCtr="0">
             <a:normAutofit/>
           </a:bodyPr>
           <a:lstStyle/>
           <a:p>
-            <a:pPr indent="0" lvl="0" marL="0" rtl="0" algn="l">
-              <a:spcBef>
-                <a:spcPts val="0"/>
-              </a:spcBef>
-              <a:spcAft>
-                <a:spcPts val="0"/>
-              </a:spcAft>
-              <a:buNone/>
-            </a:pPr>
-            <a:r>
-              <a:t/>
-            </a:r>
+            <a:pPr marL="0" lvl="0" indent="0" algn="l" rtl="0">
+              <a:spcBef>
+                <a:spcPts val="0"/>
+              </a:spcBef>
+              <a:spcAft>
+                <a:spcPts val="0"/>
+              </a:spcAft>
+              <a:buNone/>
+            </a:pPr>
             <a:endParaRPr/>
           </a:p>
           <a:p>
-            <a:pPr indent="0" lvl="0" marL="0" rtl="0" algn="l">
+            <a:pPr marL="0" lvl="0" indent="0" algn="l" rtl="0">
               <a:spcBef>
                 <a:spcPts val="1200"/>
               </a:spcBef>
@@ -8963,13 +9124,10 @@
               </a:spcAft>
               <a:buNone/>
             </a:pPr>
-            <a:r>
-              <a:t/>
-            </a:r>
             <a:endParaRPr/>
           </a:p>
           <a:p>
-            <a:pPr indent="0" lvl="0" marL="0" rtl="0" algn="l">
+            <a:pPr marL="0" lvl="0" indent="0" algn="l" rtl="0">
               <a:spcBef>
                 <a:spcPts val="1200"/>
               </a:spcBef>
@@ -8978,13 +9136,10 @@
               </a:spcAft>
               <a:buNone/>
             </a:pPr>
-            <a:r>
-              <a:t/>
-            </a:r>
             <a:endParaRPr/>
           </a:p>
           <a:p>
-            <a:pPr indent="0" lvl="0" marL="0" rtl="0" algn="l">
+            <a:pPr marL="0" lvl="0" indent="0" algn="l" rtl="0">
               <a:spcBef>
                 <a:spcPts val="1200"/>
               </a:spcBef>
@@ -8993,13 +9148,10 @@
               </a:spcAft>
               <a:buNone/>
             </a:pPr>
-            <a:r>
-              <a:t/>
-            </a:r>
             <a:endParaRPr/>
           </a:p>
           <a:p>
-            <a:pPr indent="0" lvl="0" marL="0" rtl="0" algn="l">
+            <a:pPr marL="0" lvl="0" indent="0" algn="l" rtl="0">
               <a:spcBef>
                 <a:spcPts val="1200"/>
               </a:spcBef>
@@ -9008,13 +9160,10 @@
               </a:spcAft>
               <a:buNone/>
             </a:pPr>
-            <a:r>
-              <a:t/>
-            </a:r>
             <a:endParaRPr/>
           </a:p>
           <a:p>
-            <a:pPr indent="0" lvl="0" marL="0" rtl="0" algn="l">
+            <a:pPr marL="0" lvl="0" indent="0" algn="l" rtl="0">
               <a:spcBef>
                 <a:spcPts val="1200"/>
               </a:spcBef>
@@ -9046,7 +9195,7 @@
             </a:endParaRPr>
           </a:p>
           <a:p>
-            <a:pPr indent="0" lvl="0" marL="0" rtl="0" algn="l">
+            <a:pPr marL="0" lvl="0" indent="0" algn="l" rtl="0">
               <a:spcBef>
                 <a:spcPts val="0"/>
               </a:spcBef>
@@ -9055,9 +9204,6 @@
               </a:spcAft>
               <a:buNone/>
             </a:pPr>
-            <a:r>
-              <a:t/>
-            </a:r>
             <a:endParaRPr/>
           </a:p>
         </p:txBody>
@@ -9099,11 +9245,11 @@
 </file>
 
 <file path=ppt/slides/slide14.xml><?xml version="1.0" encoding="utf-8"?>
-<p:sld xmlns:a="http://schemas.openxmlformats.org/drawingml/2006/main" xmlns:r="http://schemas.openxmlformats.org/officeDocument/2006/relationships" xmlns:mc="http://schemas.openxmlformats.org/markup-compatibility/2006" xmlns:mv="urn:schemas-microsoft-com:mac:vml" xmlns:p="http://schemas.openxmlformats.org/presentationml/2006/main" xmlns:c="http://schemas.openxmlformats.org/drawingml/2006/chart" xmlns:dgm="http://schemas.openxmlformats.org/drawingml/2006/diagram" xmlns:o="urn:schemas-microsoft-com:office:office" xmlns:v="urn:schemas-microsoft-com:vml" xmlns:pvml="urn:schemas-microsoft-com:office:powerpoint" xmlns:com="http://schemas.openxmlformats.org/drawingml/2006/compatibility" xmlns:p14="http://schemas.microsoft.com/office/powerpoint/2010/main" xmlns:p15="http://schemas.microsoft.com/office/powerpoint/2012/main" xmlns:ahyp="http://schemas.microsoft.com/office/drawing/2018/hyperlinkcolor">
+<p:sld xmlns:a="http://schemas.openxmlformats.org/drawingml/2006/main" xmlns:r="http://schemas.openxmlformats.org/officeDocument/2006/relationships" xmlns:p="http://schemas.openxmlformats.org/presentationml/2006/main">
   <p:cSld>
     <p:spTree>
       <p:nvGrpSpPr>
-        <p:cNvPr id="150" name="Shape 150"/>
+        <p:cNvPr id="1" name="Shape 150"/>
         <p:cNvGrpSpPr/>
         <p:nvPr/>
       </p:nvGrpSpPr>
@@ -9118,7 +9264,9 @@
       <p:sp>
         <p:nvSpPr>
           <p:cNvPr id="151" name="Google Shape;151;p26"/>
-          <p:cNvSpPr txBox="1"/>
+          <p:cNvSpPr txBox="1">
+            <a:spLocks noGrp="1"/>
+          </p:cNvSpPr>
           <p:nvPr>
             <p:ph type="title"/>
           </p:nvPr>
@@ -9133,12 +9281,12 @@
           </a:prstGeom>
         </p:spPr>
         <p:txBody>
-          <a:bodyPr anchorCtr="0" anchor="t" bIns="91425" lIns="91425" spcFirstLastPara="1" rIns="91425" wrap="square" tIns="91425">
+          <a:bodyPr spcFirstLastPara="1" wrap="square" lIns="91425" tIns="91425" rIns="91425" bIns="91425" anchor="t" anchorCtr="0">
             <a:normAutofit fontScale="90000"/>
           </a:bodyPr>
           <a:lstStyle/>
           <a:p>
-            <a:pPr indent="0" lvl="0" marL="0" rtl="0" algn="l">
+            <a:pPr marL="0" lvl="0" indent="0" algn="l" rtl="0">
               <a:spcBef>
                 <a:spcPts val="0"/>
               </a:spcBef>
@@ -9158,9 +9306,11 @@
       <p:sp>
         <p:nvSpPr>
           <p:cNvPr id="152" name="Google Shape;152;p26"/>
-          <p:cNvSpPr txBox="1"/>
+          <p:cNvSpPr txBox="1">
+            <a:spLocks noGrp="1"/>
+          </p:cNvSpPr>
           <p:nvPr>
-            <p:ph idx="1" type="body"/>
+            <p:ph type="body" idx="1"/>
           </p:nvPr>
         </p:nvSpPr>
         <p:spPr>
@@ -9173,12 +9323,12 @@
           </a:prstGeom>
         </p:spPr>
         <p:txBody>
-          <a:bodyPr anchorCtr="0" anchor="t" bIns="91425" lIns="91425" spcFirstLastPara="1" rIns="91425" wrap="square" tIns="91425">
+          <a:bodyPr spcFirstLastPara="1" wrap="square" lIns="91425" tIns="91425" rIns="91425" bIns="91425" anchor="t" anchorCtr="0">
             <a:normAutofit/>
           </a:bodyPr>
           <a:lstStyle/>
           <a:p>
-            <a:pPr indent="0" lvl="0" marL="0" rtl="0" algn="l">
+            <a:pPr marL="0" lvl="0" indent="0" algn="l" rtl="0">
               <a:spcBef>
                 <a:spcPts val="1200"/>
               </a:spcBef>
@@ -9222,7 +9372,7 @@
             </a:endParaRPr>
           </a:p>
           <a:p>
-            <a:pPr indent="0" lvl="0" marL="0" rtl="0" algn="l">
+            <a:pPr marL="0" lvl="0" indent="0" algn="l" rtl="0">
               <a:spcBef>
                 <a:spcPts val="1200"/>
               </a:spcBef>
@@ -9243,7 +9393,7 @@
             <a:endParaRPr sz="1100"/>
           </a:p>
           <a:p>
-            <a:pPr indent="-311150" lvl="0" marL="457200" rtl="0" algn="l">
+            <a:pPr marL="457200" lvl="0" indent="-311150" algn="l" rtl="0">
               <a:spcBef>
                 <a:spcPts val="1200"/>
               </a:spcBef>
@@ -9278,11 +9428,11 @@
 </file>
 
 <file path=ppt/slides/slide2.xml><?xml version="1.0" encoding="utf-8"?>
-<p:sld xmlns:a="http://schemas.openxmlformats.org/drawingml/2006/main" xmlns:r="http://schemas.openxmlformats.org/officeDocument/2006/relationships" xmlns:mc="http://schemas.openxmlformats.org/markup-compatibility/2006" xmlns:mv="urn:schemas-microsoft-com:mac:vml" xmlns:p="http://schemas.openxmlformats.org/presentationml/2006/main" xmlns:c="http://schemas.openxmlformats.org/drawingml/2006/chart" xmlns:dgm="http://schemas.openxmlformats.org/drawingml/2006/diagram" xmlns:o="urn:schemas-microsoft-com:office:office" xmlns:v="urn:schemas-microsoft-com:vml" xmlns:pvml="urn:schemas-microsoft-com:office:powerpoint" xmlns:com="http://schemas.openxmlformats.org/drawingml/2006/compatibility" xmlns:p14="http://schemas.microsoft.com/office/powerpoint/2010/main" xmlns:p15="http://schemas.microsoft.com/office/powerpoint/2012/main" xmlns:ahyp="http://schemas.microsoft.com/office/drawing/2018/hyperlinkcolor">
+<p:sld xmlns:a="http://schemas.openxmlformats.org/drawingml/2006/main" xmlns:r="http://schemas.openxmlformats.org/officeDocument/2006/relationships" xmlns:p="http://schemas.openxmlformats.org/presentationml/2006/main">
   <p:cSld>
     <p:spTree>
       <p:nvGrpSpPr>
-        <p:cNvPr id="64" name="Shape 64"/>
+        <p:cNvPr id="1" name="Shape 64"/>
         <p:cNvGrpSpPr/>
         <p:nvPr/>
       </p:nvGrpSpPr>
@@ -9297,7 +9447,9 @@
       <p:sp>
         <p:nvSpPr>
           <p:cNvPr id="65" name="Google Shape;65;p14"/>
-          <p:cNvSpPr txBox="1"/>
+          <p:cNvSpPr txBox="1">
+            <a:spLocks noGrp="1"/>
+          </p:cNvSpPr>
           <p:nvPr>
             <p:ph type="title"/>
           </p:nvPr>
@@ -9312,12 +9464,12 @@
           </a:prstGeom>
         </p:spPr>
         <p:txBody>
-          <a:bodyPr anchorCtr="0" anchor="t" bIns="91425" lIns="91425" spcFirstLastPara="1" rIns="91425" wrap="square" tIns="91425">
+          <a:bodyPr spcFirstLastPara="1" wrap="square" lIns="91425" tIns="91425" rIns="91425" bIns="91425" anchor="t" anchorCtr="0">
             <a:normAutofit fontScale="90000"/>
           </a:bodyPr>
           <a:lstStyle/>
           <a:p>
-            <a:pPr indent="0" lvl="0" marL="0" rtl="0" algn="l">
+            <a:pPr marL="0" lvl="0" indent="0" algn="l" rtl="0">
               <a:spcBef>
                 <a:spcPts val="0"/>
               </a:spcBef>
@@ -9337,9 +9489,11 @@
       <p:sp>
         <p:nvSpPr>
           <p:cNvPr id="66" name="Google Shape;66;p14"/>
-          <p:cNvSpPr txBox="1"/>
+          <p:cNvSpPr txBox="1">
+            <a:spLocks noGrp="1"/>
+          </p:cNvSpPr>
           <p:nvPr>
-            <p:ph idx="1" type="body"/>
+            <p:ph type="body" idx="1"/>
           </p:nvPr>
         </p:nvSpPr>
         <p:spPr>
@@ -9352,12 +9506,12 @@
           </a:prstGeom>
         </p:spPr>
         <p:txBody>
-          <a:bodyPr anchorCtr="0" anchor="t" bIns="91425" lIns="91425" spcFirstLastPara="1" rIns="91425" wrap="square" tIns="91425">
+          <a:bodyPr spcFirstLastPara="1" wrap="square" lIns="91425" tIns="91425" rIns="91425" bIns="91425" anchor="t" anchorCtr="0">
             <a:noAutofit/>
           </a:bodyPr>
           <a:lstStyle/>
           <a:p>
-            <a:pPr indent="-307022" lvl="0" marL="457200" rtl="0" algn="l">
+            <a:pPr marL="457200" lvl="0" indent="-307022" algn="l" rtl="0">
               <a:lnSpc>
                 <a:spcPct val="95000"/>
               </a:lnSpc>
@@ -9384,19 +9538,7 @@
                 <a:cs typeface="Arial"/>
                 <a:sym typeface="Arial"/>
               </a:rPr>
-              <a:t>Semantic Role Labelling or also called Thematic role labelling is a task of identifying the type of argument(also called semantic roles) that relates to a predicate, which is the main verb of the </a:t>
-            </a:r>
-            <a:r>
-              <a:rPr lang="en" sz="1235">
-                <a:solidFill>
-                  <a:srgbClr val="000000"/>
-                </a:solidFill>
-                <a:latin typeface="Arial"/>
-                <a:ea typeface="Arial"/>
-                <a:cs typeface="Arial"/>
-                <a:sym typeface="Arial"/>
-              </a:rPr>
-              <a:t>sentence.</a:t>
+              <a:t>Semantic Role Labelling or also called Thematic role labelling is a task of identifying the type of argument(also called semantic roles) that relates to a predicate, which is the main verb of the sentence.</a:t>
             </a:r>
             <a:endParaRPr sz="1235">
               <a:solidFill>
@@ -9409,7 +9551,7 @@
             </a:endParaRPr>
           </a:p>
           <a:p>
-            <a:pPr indent="0" lvl="0" marL="0" rtl="0" algn="l">
+            <a:pPr marL="0" lvl="0" indent="0" algn="l" rtl="0">
               <a:lnSpc>
                 <a:spcPct val="95000"/>
               </a:lnSpc>
@@ -9422,9 +9564,6 @@
               <a:buSzPts val="935"/>
               <a:buNone/>
             </a:pPr>
-            <a:r>
-              <a:t/>
-            </a:r>
             <a:endParaRPr sz="1235">
               <a:solidFill>
                 <a:srgbClr val="000000"/>
@@ -9436,7 +9575,7 @@
             </a:endParaRPr>
           </a:p>
           <a:p>
-            <a:pPr indent="-307022" lvl="0" marL="457200" rtl="0" algn="l">
+            <a:pPr marL="457200" lvl="0" indent="-307022" algn="l" rtl="0">
               <a:lnSpc>
                 <a:spcPct val="95000"/>
               </a:lnSpc>
@@ -9476,7 +9615,7 @@
             </a:endParaRPr>
           </a:p>
           <a:p>
-            <a:pPr indent="0" lvl="0" marL="0" rtl="0" algn="l">
+            <a:pPr marL="0" lvl="0" indent="0" algn="l" rtl="0">
               <a:lnSpc>
                 <a:spcPct val="95000"/>
               </a:lnSpc>
@@ -9489,9 +9628,6 @@
               <a:buSzPts val="935"/>
               <a:buNone/>
             </a:pPr>
-            <a:r>
-              <a:t/>
-            </a:r>
             <a:endParaRPr sz="1235">
               <a:solidFill>
                 <a:srgbClr val="000000"/>
@@ -9503,7 +9639,7 @@
             </a:endParaRPr>
           </a:p>
           <a:p>
-            <a:pPr indent="0" lvl="0" marL="0" rtl="0" algn="l">
+            <a:pPr marL="0" lvl="0" indent="0" algn="l" rtl="0">
               <a:lnSpc>
                 <a:spcPct val="95000"/>
               </a:lnSpc>
@@ -9516,9 +9652,6 @@
               <a:buSzPts val="935"/>
               <a:buNone/>
             </a:pPr>
-            <a:r>
-              <a:t/>
-            </a:r>
             <a:endParaRPr sz="1235">
               <a:solidFill>
                 <a:srgbClr val="000000"/>
@@ -9530,7 +9663,7 @@
             </a:endParaRPr>
           </a:p>
           <a:p>
-            <a:pPr indent="0" lvl="0" marL="457200" rtl="0" algn="l">
+            <a:pPr marL="457200" lvl="0" indent="0" algn="l" rtl="0">
               <a:lnSpc>
                 <a:spcPct val="95000"/>
               </a:lnSpc>
@@ -9543,9 +9676,6 @@
               <a:buSzPts val="935"/>
               <a:buNone/>
             </a:pPr>
-            <a:r>
-              <a:t/>
-            </a:r>
             <a:endParaRPr sz="1235">
               <a:solidFill>
                 <a:srgbClr val="000000"/>
@@ -9557,7 +9687,7 @@
             </a:endParaRPr>
           </a:p>
           <a:p>
-            <a:pPr indent="0" lvl="0" marL="457200" rtl="0" algn="l">
+            <a:pPr marL="457200" lvl="0" indent="0" algn="l" rtl="0">
               <a:lnSpc>
                 <a:spcPct val="95000"/>
               </a:lnSpc>
@@ -9570,9 +9700,6 @@
               <a:buSzPts val="935"/>
               <a:buNone/>
             </a:pPr>
-            <a:r>
-              <a:t/>
-            </a:r>
             <a:endParaRPr sz="1235">
               <a:solidFill>
                 <a:srgbClr val="000000"/>
@@ -9584,7 +9711,7 @@
             </a:endParaRPr>
           </a:p>
           <a:p>
-            <a:pPr indent="-307022" lvl="0" marL="457200" rtl="0" algn="l">
+            <a:pPr marL="457200" lvl="0" indent="-307022" algn="l" rtl="0">
               <a:lnSpc>
                 <a:spcPct val="95000"/>
               </a:lnSpc>
@@ -9624,7 +9751,7 @@
             </a:endParaRPr>
           </a:p>
           <a:p>
-            <a:pPr indent="-307022" lvl="1" marL="914400" rtl="0" algn="l">
+            <a:pPr marL="914400" lvl="1" indent="-307022" algn="l" rtl="0">
               <a:lnSpc>
                 <a:spcPct val="95000"/>
               </a:lnSpc>
@@ -9664,7 +9791,7 @@
             </a:endParaRPr>
           </a:p>
           <a:p>
-            <a:pPr indent="-307022" lvl="1" marL="914400" rtl="0" algn="l">
+            <a:pPr marL="914400" lvl="1" indent="-307022" algn="l" rtl="0">
               <a:lnSpc>
                 <a:spcPct val="95000"/>
               </a:lnSpc>
@@ -9704,7 +9831,7 @@
             </a:endParaRPr>
           </a:p>
           <a:p>
-            <a:pPr indent="-307022" lvl="1" marL="914400" rtl="0" algn="l">
+            <a:pPr marL="914400" lvl="1" indent="-307022" algn="l" rtl="0">
               <a:lnSpc>
                 <a:spcPct val="95000"/>
               </a:lnSpc>
@@ -9744,7 +9871,7 @@
             </a:endParaRPr>
           </a:p>
           <a:p>
-            <a:pPr indent="-307022" lvl="1" marL="914400" rtl="0" algn="l">
+            <a:pPr marL="914400" lvl="1" indent="-307022" algn="l" rtl="0">
               <a:lnSpc>
                 <a:spcPct val="95000"/>
               </a:lnSpc>
@@ -9771,19 +9898,7 @@
                 <a:cs typeface="Arial"/>
                 <a:sym typeface="Arial"/>
               </a:rPr>
-              <a:t>Argument Classification - After arguments are identified, assign a semantic label like </a:t>
-            </a:r>
-            <a:r>
-              <a:rPr lang="en" sz="1235">
-                <a:solidFill>
-                  <a:srgbClr val="000000"/>
-                </a:solidFill>
-                <a:latin typeface="Arial"/>
-                <a:ea typeface="Arial"/>
-                <a:cs typeface="Arial"/>
-                <a:sym typeface="Arial"/>
-              </a:rPr>
-              <a:t>DOER, THEME, LOCATIVE, CAUSE, PURPOSE etc</a:t>
+              <a:t>Argument Classification - After arguments are identified, assign a semantic label like DOER, THEME, LOCATIVE, CAUSE, PURPOSE etc</a:t>
             </a:r>
             <a:endParaRPr sz="1235">
               <a:solidFill>
@@ -9796,7 +9911,7 @@
             </a:endParaRPr>
           </a:p>
           <a:p>
-            <a:pPr indent="-307022" lvl="0" marL="457200" rtl="0" algn="l">
+            <a:pPr marL="457200" lvl="0" indent="-307022" algn="l" rtl="0">
               <a:lnSpc>
                 <a:spcPct val="95000"/>
               </a:lnSpc>
@@ -9836,7 +9951,7 @@
             </a:endParaRPr>
           </a:p>
           <a:p>
-            <a:pPr indent="0" lvl="0" marL="0" rtl="0" algn="l">
+            <a:pPr marL="0" lvl="0" indent="0" algn="l" rtl="0">
               <a:lnSpc>
                 <a:spcPct val="95000"/>
               </a:lnSpc>
@@ -9849,9 +9964,6 @@
               <a:buSzPts val="935"/>
               <a:buNone/>
             </a:pPr>
-            <a:r>
-              <a:t/>
-            </a:r>
             <a:endParaRPr sz="1235">
               <a:solidFill>
                 <a:srgbClr val="000000"/>
@@ -9863,7 +9975,7 @@
             </a:endParaRPr>
           </a:p>
           <a:p>
-            <a:pPr indent="0" lvl="0" marL="0" rtl="0" algn="l">
+            <a:pPr marL="0" lvl="0" indent="0" algn="l" rtl="0">
               <a:lnSpc>
                 <a:spcPct val="95000"/>
               </a:lnSpc>
@@ -9876,9 +9988,6 @@
               <a:buSzPts val="935"/>
               <a:buNone/>
             </a:pPr>
-            <a:r>
-              <a:t/>
-            </a:r>
             <a:endParaRPr sz="1235">
               <a:solidFill>
                 <a:srgbClr val="000000"/>
@@ -9890,7 +9999,7 @@
             </a:endParaRPr>
           </a:p>
           <a:p>
-            <a:pPr indent="0" lvl="0" marL="0" rtl="0" algn="l">
+            <a:pPr marL="0" lvl="0" indent="0" algn="l" rtl="0">
               <a:lnSpc>
                 <a:spcPct val="95000"/>
               </a:lnSpc>
@@ -9903,9 +10012,6 @@
               <a:buSzPts val="935"/>
               <a:buNone/>
             </a:pPr>
-            <a:r>
-              <a:t/>
-            </a:r>
             <a:endParaRPr sz="1235">
               <a:solidFill>
                 <a:srgbClr val="000000"/>
@@ -9955,11 +10061,11 @@
 </file>
 
 <file path=ppt/slides/slide3.xml><?xml version="1.0" encoding="utf-8"?>
-<p:sld xmlns:a="http://schemas.openxmlformats.org/drawingml/2006/main" xmlns:r="http://schemas.openxmlformats.org/officeDocument/2006/relationships" xmlns:mc="http://schemas.openxmlformats.org/markup-compatibility/2006" xmlns:mv="urn:schemas-microsoft-com:mac:vml" xmlns:p="http://schemas.openxmlformats.org/presentationml/2006/main" xmlns:c="http://schemas.openxmlformats.org/drawingml/2006/chart" xmlns:dgm="http://schemas.openxmlformats.org/drawingml/2006/diagram" xmlns:o="urn:schemas-microsoft-com:office:office" xmlns:v="urn:schemas-microsoft-com:vml" xmlns:pvml="urn:schemas-microsoft-com:office:powerpoint" xmlns:com="http://schemas.openxmlformats.org/drawingml/2006/compatibility" xmlns:p14="http://schemas.microsoft.com/office/powerpoint/2010/main" xmlns:p15="http://schemas.microsoft.com/office/powerpoint/2012/main" xmlns:ahyp="http://schemas.microsoft.com/office/drawing/2018/hyperlinkcolor">
+<p:sld xmlns:a="http://schemas.openxmlformats.org/drawingml/2006/main" xmlns:r="http://schemas.openxmlformats.org/officeDocument/2006/relationships" xmlns:p="http://schemas.openxmlformats.org/presentationml/2006/main">
   <p:cSld>
     <p:spTree>
       <p:nvGrpSpPr>
-        <p:cNvPr id="71" name="Shape 71"/>
+        <p:cNvPr id="1" name="Shape 71"/>
         <p:cNvGrpSpPr/>
         <p:nvPr/>
       </p:nvGrpSpPr>
@@ -9974,7 +10080,9 @@
       <p:sp>
         <p:nvSpPr>
           <p:cNvPr id="72" name="Google Shape;72;p15"/>
-          <p:cNvSpPr txBox="1"/>
+          <p:cNvSpPr txBox="1">
+            <a:spLocks noGrp="1"/>
+          </p:cNvSpPr>
           <p:nvPr>
             <p:ph type="title"/>
           </p:nvPr>
@@ -9989,12 +10097,12 @@
           </a:prstGeom>
         </p:spPr>
         <p:txBody>
-          <a:bodyPr anchorCtr="0" anchor="t" bIns="91425" lIns="91425" spcFirstLastPara="1" rIns="91425" wrap="square" tIns="91425">
+          <a:bodyPr spcFirstLastPara="1" wrap="square" lIns="91425" tIns="91425" rIns="91425" bIns="91425" anchor="t" anchorCtr="0">
             <a:normAutofit fontScale="90000"/>
           </a:bodyPr>
           <a:lstStyle/>
           <a:p>
-            <a:pPr indent="0" lvl="0" marL="0" rtl="0" algn="l">
+            <a:pPr marL="0" lvl="0" indent="0" algn="l" rtl="0">
               <a:spcBef>
                 <a:spcPts val="0"/>
               </a:spcBef>
@@ -10014,9 +10122,11 @@
       <p:sp>
         <p:nvSpPr>
           <p:cNvPr id="73" name="Google Shape;73;p15"/>
-          <p:cNvSpPr txBox="1"/>
+          <p:cNvSpPr txBox="1">
+            <a:spLocks noGrp="1"/>
+          </p:cNvSpPr>
           <p:nvPr>
-            <p:ph idx="1" type="body"/>
+            <p:ph type="body" idx="1"/>
           </p:nvPr>
         </p:nvSpPr>
         <p:spPr>
@@ -10029,12 +10139,12 @@
           </a:prstGeom>
         </p:spPr>
         <p:txBody>
-          <a:bodyPr anchorCtr="0" anchor="t" bIns="91425" lIns="91425" spcFirstLastPara="1" rIns="91425" wrap="square" tIns="91425">
+          <a:bodyPr spcFirstLastPara="1" wrap="square" lIns="91425" tIns="91425" rIns="91425" bIns="91425" anchor="t" anchorCtr="0">
             <a:normAutofit/>
           </a:bodyPr>
           <a:lstStyle/>
           <a:p>
-            <a:pPr indent="0" lvl="0" marL="0" rtl="0" algn="l">
+            <a:pPr marL="0" lvl="0" indent="0" algn="l" rtl="0">
               <a:spcBef>
                 <a:spcPts val="0"/>
               </a:spcBef>
@@ -10044,7 +10154,7 @@
               <a:buNone/>
             </a:pPr>
             <a:r>
-              <a:rPr b="1" lang="en">
+              <a:rPr lang="en" b="1">
                 <a:latin typeface="Georgia"/>
                 <a:ea typeface="Georgia"/>
                 <a:cs typeface="Georgia"/>
@@ -10060,7 +10170,7 @@
             </a:endParaRPr>
           </a:p>
           <a:p>
-            <a:pPr indent="0" lvl="0" marL="0" rtl="0" algn="l">
+            <a:pPr marL="0" lvl="0" indent="0" algn="l" rtl="0">
               <a:spcBef>
                 <a:spcPts val="1200"/>
               </a:spcBef>
@@ -10084,7 +10194,7 @@
             </a:endParaRPr>
           </a:p>
           <a:p>
-            <a:pPr indent="-311150" lvl="0" marL="457200" rtl="0" algn="l">
+            <a:pPr marL="457200" lvl="0" indent="-311150" algn="l" rtl="0">
               <a:spcBef>
                 <a:spcPts val="1200"/>
               </a:spcBef>
@@ -10109,7 +10219,7 @@
             </a:endParaRPr>
           </a:p>
           <a:p>
-            <a:pPr indent="-311150" lvl="0" marL="457200" rtl="0" algn="l">
+            <a:pPr marL="457200" lvl="0" indent="-311150" algn="l" rtl="0">
               <a:spcBef>
                 <a:spcPts val="0"/>
               </a:spcBef>
@@ -10134,7 +10244,7 @@
             </a:endParaRPr>
           </a:p>
           <a:p>
-            <a:pPr indent="-311150" lvl="0" marL="457200" rtl="0" algn="l">
+            <a:pPr marL="457200" lvl="0" indent="-311150" algn="l" rtl="0">
               <a:spcBef>
                 <a:spcPts val="0"/>
               </a:spcBef>
@@ -10159,7 +10269,7 @@
             </a:endParaRPr>
           </a:p>
           <a:p>
-            <a:pPr indent="0" lvl="0" marL="0" rtl="0" algn="l">
+            <a:pPr marL="0" lvl="0" indent="0" algn="l" rtl="0">
               <a:spcBef>
                 <a:spcPts val="1200"/>
               </a:spcBef>
@@ -10183,7 +10293,7 @@
             </a:endParaRPr>
           </a:p>
           <a:p>
-            <a:pPr indent="-298450" lvl="0" marL="457200" rtl="0" algn="l">
+            <a:pPr marL="457200" lvl="0" indent="-298450" algn="l" rtl="0">
               <a:spcBef>
                 <a:spcPts val="1200"/>
               </a:spcBef>
@@ -10208,7 +10318,7 @@
             </a:endParaRPr>
           </a:p>
           <a:p>
-            <a:pPr indent="-298450" lvl="0" marL="457200" rtl="0" algn="l">
+            <a:pPr marL="457200" lvl="0" indent="-298450" algn="l" rtl="0">
               <a:spcBef>
                 <a:spcPts val="0"/>
               </a:spcBef>
@@ -10233,7 +10343,7 @@
             </a:endParaRPr>
           </a:p>
           <a:p>
-            <a:pPr indent="-298450" lvl="0" marL="457200" rtl="0" algn="l">
+            <a:pPr marL="457200" lvl="0" indent="-298450" algn="l" rtl="0">
               <a:spcBef>
                 <a:spcPts val="0"/>
               </a:spcBef>
@@ -10292,11 +10402,11 @@
 </file>
 
 <file path=ppt/slides/slide4.xml><?xml version="1.0" encoding="utf-8"?>
-<p:sld xmlns:a="http://schemas.openxmlformats.org/drawingml/2006/main" xmlns:r="http://schemas.openxmlformats.org/officeDocument/2006/relationships" xmlns:mc="http://schemas.openxmlformats.org/markup-compatibility/2006" xmlns:mv="urn:schemas-microsoft-com:mac:vml" xmlns:p="http://schemas.openxmlformats.org/presentationml/2006/main" xmlns:c="http://schemas.openxmlformats.org/drawingml/2006/chart" xmlns:dgm="http://schemas.openxmlformats.org/drawingml/2006/diagram" xmlns:o="urn:schemas-microsoft-com:office:office" xmlns:v="urn:schemas-microsoft-com:vml" xmlns:pvml="urn:schemas-microsoft-com:office:powerpoint" xmlns:com="http://schemas.openxmlformats.org/drawingml/2006/compatibility" xmlns:p14="http://schemas.microsoft.com/office/powerpoint/2010/main" xmlns:p15="http://schemas.microsoft.com/office/powerpoint/2012/main" xmlns:ahyp="http://schemas.microsoft.com/office/drawing/2018/hyperlinkcolor">
+<p:sld xmlns:a="http://schemas.openxmlformats.org/drawingml/2006/main" xmlns:r="http://schemas.openxmlformats.org/officeDocument/2006/relationships" xmlns:p="http://schemas.openxmlformats.org/presentationml/2006/main">
   <p:cSld>
     <p:spTree>
       <p:nvGrpSpPr>
-        <p:cNvPr id="78" name="Shape 78"/>
+        <p:cNvPr id="1" name="Shape 78"/>
         <p:cNvGrpSpPr/>
         <p:nvPr/>
       </p:nvGrpSpPr>
@@ -10311,7 +10421,9 @@
       <p:sp>
         <p:nvSpPr>
           <p:cNvPr id="79" name="Google Shape;79;p16"/>
-          <p:cNvSpPr txBox="1"/>
+          <p:cNvSpPr txBox="1">
+            <a:spLocks noGrp="1"/>
+          </p:cNvSpPr>
           <p:nvPr>
             <p:ph type="title"/>
           </p:nvPr>
@@ -10326,12 +10438,12 @@
           </a:prstGeom>
         </p:spPr>
         <p:txBody>
-          <a:bodyPr anchorCtr="0" anchor="t" bIns="91425" lIns="91425" spcFirstLastPara="1" rIns="91425" wrap="square" tIns="91425">
+          <a:bodyPr spcFirstLastPara="1" wrap="square" lIns="91425" tIns="91425" rIns="91425" bIns="91425" anchor="t" anchorCtr="0">
             <a:normAutofit fontScale="90000"/>
           </a:bodyPr>
           <a:lstStyle/>
           <a:p>
-            <a:pPr indent="0" lvl="0" marL="0" rtl="0" algn="l">
+            <a:pPr marL="0" lvl="0" indent="0" algn="l" rtl="0">
               <a:spcBef>
                 <a:spcPts val="0"/>
               </a:spcBef>
@@ -10366,10 +10478,34 @@
                 <a:tableStyleId>{7B45B890-2030-4D2B-8677-11EDB2F249A1}</a:tableStyleId>
               </a:tblPr>
               <a:tblGrid>
-                <a:gridCol w="1809750"/>
-                <a:gridCol w="1809750"/>
-                <a:gridCol w="1809750"/>
-                <a:gridCol w="1809750"/>
+                <a:gridCol w="1809750">
+                  <a:extLst>
+                    <a:ext uri="{9D8B030D-6E8A-4147-A177-3AD203B41FA5}">
+                      <a16:colId xmlns:a16="http://schemas.microsoft.com/office/drawing/2014/main" val="20000"/>
+                    </a:ext>
+                  </a:extLst>
+                </a:gridCol>
+                <a:gridCol w="1809750">
+                  <a:extLst>
+                    <a:ext uri="{9D8B030D-6E8A-4147-A177-3AD203B41FA5}">
+                      <a16:colId xmlns:a16="http://schemas.microsoft.com/office/drawing/2014/main" val="20001"/>
+                    </a:ext>
+                  </a:extLst>
+                </a:gridCol>
+                <a:gridCol w="1809750">
+                  <a:extLst>
+                    <a:ext uri="{9D8B030D-6E8A-4147-A177-3AD203B41FA5}">
+                      <a16:colId xmlns:a16="http://schemas.microsoft.com/office/drawing/2014/main" val="20002"/>
+                    </a:ext>
+                  </a:extLst>
+                </a:gridCol>
+                <a:gridCol w="1809750">
+                  <a:extLst>
+                    <a:ext uri="{9D8B030D-6E8A-4147-A177-3AD203B41FA5}">
+                      <a16:colId xmlns:a16="http://schemas.microsoft.com/office/drawing/2014/main" val="20003"/>
+                    </a:ext>
+                  </a:extLst>
+                </a:gridCol>
               </a:tblGrid>
               <a:tr h="381000">
                 <a:tc>
@@ -10377,7 +10513,7 @@
                     <a:bodyPr/>
                     <a:lstStyle/>
                     <a:p>
-                      <a:pPr indent="0" lvl="0" marL="0" rtl="0" algn="ctr">
+                      <a:pPr marL="0" lvl="0" indent="0" algn="ctr" rtl="0">
                         <a:spcBef>
                           <a:spcPts val="0"/>
                         </a:spcBef>
@@ -10386,20 +10522,17 @@
                         </a:spcAft>
                         <a:buNone/>
                       </a:pPr>
-                      <a:r>
-                        <a:t/>
-                      </a:r>
                       <a:endParaRPr/>
                     </a:p>
                   </a:txBody>
-                  <a:tcPr marT="91425" marB="91425" marR="91425" marL="91425"/>
+                  <a:tcPr marL="91425" marR="91425" marT="91425" marB="91425"/>
                 </a:tc>
                 <a:tc>
                   <a:txBody>
                     <a:bodyPr/>
                     <a:lstStyle/>
                     <a:p>
-                      <a:pPr indent="0" lvl="0" marL="0" rtl="0" algn="ctr">
+                      <a:pPr marL="0" lvl="0" indent="0" algn="ctr" rtl="0">
                         <a:spcBef>
                           <a:spcPts val="0"/>
                         </a:spcBef>
@@ -10415,14 +10548,14 @@
                       <a:endParaRPr/>
                     </a:p>
                   </a:txBody>
-                  <a:tcPr marT="91425" marB="91425" marR="91425" marL="91425"/>
+                  <a:tcPr marL="91425" marR="91425" marT="91425" marB="91425"/>
                 </a:tc>
                 <a:tc>
                   <a:txBody>
                     <a:bodyPr/>
                     <a:lstStyle/>
                     <a:p>
-                      <a:pPr indent="0" lvl="0" marL="0" rtl="0" algn="ctr">
+                      <a:pPr marL="0" lvl="0" indent="0" algn="ctr" rtl="0">
                         <a:spcBef>
                           <a:spcPts val="0"/>
                         </a:spcBef>
@@ -10438,14 +10571,14 @@
                       <a:endParaRPr/>
                     </a:p>
                   </a:txBody>
-                  <a:tcPr marT="91425" marB="91425" marR="91425" marL="91425"/>
+                  <a:tcPr marL="91425" marR="91425" marT="91425" marB="91425"/>
                 </a:tc>
                 <a:tc>
                   <a:txBody>
                     <a:bodyPr/>
                     <a:lstStyle/>
                     <a:p>
-                      <a:pPr indent="0" lvl="0" marL="0" rtl="0" algn="ctr">
+                      <a:pPr marL="0" lvl="0" indent="0" algn="ctr" rtl="0">
                         <a:spcBef>
                           <a:spcPts val="0"/>
                         </a:spcBef>
@@ -10461,8 +10594,13 @@
                       <a:endParaRPr/>
                     </a:p>
                   </a:txBody>
-                  <a:tcPr marT="91425" marB="91425" marR="91425" marL="91425"/>
+                  <a:tcPr marL="91425" marR="91425" marT="91425" marB="91425"/>
                 </a:tc>
+                <a:extLst>
+                  <a:ext uri="{0D108BD9-81ED-4DB2-BD59-A6C34878D82A}">
+                    <a16:rowId xmlns:a16="http://schemas.microsoft.com/office/drawing/2014/main" val="10000"/>
+                  </a:ext>
+                </a:extLst>
               </a:tr>
               <a:tr h="381000">
                 <a:tc>
@@ -10470,7 +10608,7 @@
                     <a:bodyPr/>
                     <a:lstStyle/>
                     <a:p>
-                      <a:pPr indent="0" lvl="0" marL="0" rtl="0" algn="ctr">
+                      <a:pPr marL="0" lvl="0" indent="0" algn="ctr" rtl="0">
                         <a:spcBef>
                           <a:spcPts val="0"/>
                         </a:spcBef>
@@ -10486,14 +10624,14 @@
                       <a:endParaRPr/>
                     </a:p>
                   </a:txBody>
-                  <a:tcPr marT="91425" marB="91425" marR="91425" marL="91425"/>
+                  <a:tcPr marL="91425" marR="91425" marT="91425" marB="91425"/>
                 </a:tc>
                 <a:tc>
                   <a:txBody>
                     <a:bodyPr/>
                     <a:lstStyle/>
                     <a:p>
-                      <a:pPr indent="0" lvl="0" marL="0" rtl="0" algn="ctr">
+                      <a:pPr marL="0" lvl="0" indent="0" algn="ctr" rtl="0">
                         <a:spcBef>
                           <a:spcPts val="0"/>
                         </a:spcBef>
@@ -10509,14 +10647,14 @@
                       <a:endParaRPr/>
                     </a:p>
                   </a:txBody>
-                  <a:tcPr marT="91425" marB="91425" marR="91425" marL="91425"/>
+                  <a:tcPr marL="91425" marR="91425" marT="91425" marB="91425"/>
                 </a:tc>
                 <a:tc>
                   <a:txBody>
                     <a:bodyPr/>
                     <a:lstStyle/>
                     <a:p>
-                      <a:pPr indent="0" lvl="0" marL="0" rtl="0" algn="ctr">
+                      <a:pPr marL="0" lvl="0" indent="0" algn="ctr" rtl="0">
                         <a:spcBef>
                           <a:spcPts val="0"/>
                         </a:spcBef>
@@ -10532,14 +10670,14 @@
                       <a:endParaRPr/>
                     </a:p>
                   </a:txBody>
-                  <a:tcPr marT="91425" marB="91425" marR="91425" marL="91425"/>
+                  <a:tcPr marL="91425" marR="91425" marT="91425" marB="91425"/>
                 </a:tc>
                 <a:tc>
                   <a:txBody>
                     <a:bodyPr/>
                     <a:lstStyle/>
                     <a:p>
-                      <a:pPr indent="0" lvl="0" marL="0" rtl="0" algn="ctr">
+                      <a:pPr marL="0" lvl="0" indent="0" algn="ctr" rtl="0">
                         <a:spcBef>
                           <a:spcPts val="0"/>
                         </a:spcBef>
@@ -10555,8 +10693,13 @@
                       <a:endParaRPr/>
                     </a:p>
                   </a:txBody>
-                  <a:tcPr marT="91425" marB="91425" marR="91425" marL="91425"/>
+                  <a:tcPr marL="91425" marR="91425" marT="91425" marB="91425"/>
                 </a:tc>
+                <a:extLst>
+                  <a:ext uri="{0D108BD9-81ED-4DB2-BD59-A6C34878D82A}">
+                    <a16:rowId xmlns:a16="http://schemas.microsoft.com/office/drawing/2014/main" val="10001"/>
+                  </a:ext>
+                </a:extLst>
               </a:tr>
             </a:tbl>
           </a:graphicData>
@@ -10582,12 +10725,12 @@
           </a:ln>
         </p:spPr>
         <p:txBody>
-          <a:bodyPr anchorCtr="0" anchor="t" bIns="91425" lIns="91425" spcFirstLastPara="1" rIns="91425" wrap="square" tIns="91425">
+          <a:bodyPr spcFirstLastPara="1" wrap="square" lIns="91425" tIns="91425" rIns="91425" bIns="91425" anchor="t" anchorCtr="0">
             <a:spAutoFit/>
           </a:bodyPr>
           <a:lstStyle/>
           <a:p>
-            <a:pPr indent="0" lvl="0" marL="0" rtl="0" algn="l">
+            <a:pPr marL="0" lvl="0" indent="0" algn="l" rtl="0">
               <a:spcBef>
                 <a:spcPts val="0"/>
               </a:spcBef>
@@ -10606,7 +10749,7 @@
               <a:t>Step 1 - We processed around </a:t>
             </a:r>
             <a:r>
-              <a:rPr i="1" lang="en">
+              <a:rPr lang="en" i="1">
                 <a:latin typeface="Lato"/>
                 <a:ea typeface="Lato"/>
                 <a:cs typeface="Lato"/>
@@ -10652,12 +10795,12 @@
           </a:ln>
         </p:spPr>
         <p:txBody>
-          <a:bodyPr anchorCtr="0" anchor="t" bIns="91425" lIns="91425" spcFirstLastPara="1" rIns="91425" wrap="square" tIns="91425">
+          <a:bodyPr spcFirstLastPara="1" wrap="square" lIns="91425" tIns="91425" rIns="91425" bIns="91425" anchor="t" anchorCtr="0">
             <a:spAutoFit/>
           </a:bodyPr>
           <a:lstStyle/>
           <a:p>
-            <a:pPr indent="0" lvl="0" marL="0" rtl="0" algn="l">
+            <a:pPr marL="0" lvl="0" indent="0" algn="l" rtl="0">
               <a:spcBef>
                 <a:spcPts val="0"/>
               </a:spcBef>
@@ -10673,16 +10816,7 @@
                 <a:cs typeface="Lato"/>
                 <a:sym typeface="Lato"/>
               </a:rPr>
-              <a:t>Step 2 - We create around 300 features for each of the chunks</a:t>
-            </a:r>
-            <a:r>
-              <a:rPr lang="en">
-                <a:latin typeface="Lato"/>
-                <a:ea typeface="Lato"/>
-                <a:cs typeface="Lato"/>
-                <a:sym typeface="Lato"/>
-              </a:rPr>
-              <a:t> using pre-trained word embeddings</a:t>
+              <a:t>Step 2 - We create around 300 features for each of the chunks using pre-trained word embeddings</a:t>
             </a:r>
             <a:endParaRPr>
               <a:latin typeface="Lato"/>
@@ -10692,18 +10826,15 @@
             </a:endParaRPr>
           </a:p>
           <a:p>
-            <a:pPr indent="0" lvl="0" marL="0" rtl="0" algn="l">
-              <a:spcBef>
-                <a:spcPts val="0"/>
-              </a:spcBef>
-              <a:spcAft>
-                <a:spcPts val="0"/>
-              </a:spcAft>
-              <a:buNone/>
-            </a:pPr>
-            <a:r>
-              <a:t/>
-            </a:r>
+            <a:pPr marL="0" lvl="0" indent="0" algn="l" rtl="0">
+              <a:spcBef>
+                <a:spcPts val="0"/>
+              </a:spcBef>
+              <a:spcAft>
+                <a:spcPts val="0"/>
+              </a:spcAft>
+              <a:buNone/>
+            </a:pPr>
             <a:endParaRPr>
               <a:latin typeface="Lato"/>
               <a:ea typeface="Lato"/>
@@ -10733,12 +10864,12 @@
           </a:ln>
         </p:spPr>
         <p:txBody>
-          <a:bodyPr anchorCtr="0" anchor="t" bIns="91425" lIns="91425" spcFirstLastPara="1" rIns="91425" wrap="square" tIns="91425">
+          <a:bodyPr spcFirstLastPara="1" wrap="square" lIns="91425" tIns="91425" rIns="91425" bIns="91425" anchor="t" anchorCtr="0">
             <a:spAutoFit/>
           </a:bodyPr>
           <a:lstStyle/>
           <a:p>
-            <a:pPr indent="0" lvl="0" marL="0" rtl="0" algn="l">
+            <a:pPr marL="0" lvl="0" indent="0" algn="l" rtl="0">
               <a:spcBef>
                 <a:spcPts val="0"/>
               </a:spcBef>
@@ -10748,7 +10879,7 @@
               <a:buNone/>
             </a:pPr>
             <a:r>
-              <a:rPr b="1" i="1" lang="en">
+              <a:rPr lang="en" b="1" i="1">
                 <a:latin typeface="Lato"/>
                 <a:ea typeface="Lato"/>
                 <a:cs typeface="Lato"/>
@@ -10757,7 +10888,7 @@
               <a:t>Target Variable</a:t>
             </a:r>
             <a:r>
-              <a:rPr i="1" lang="en">
+              <a:rPr lang="en" i="1">
                 <a:latin typeface="Lato"/>
                 <a:ea typeface="Lato"/>
                 <a:cs typeface="Lato"/>
@@ -10775,7 +10906,7 @@
               <a:t>- </a:t>
             </a:r>
             <a:r>
-              <a:rPr i="1" lang="en">
+              <a:rPr lang="en" i="1">
                 <a:latin typeface="Lato"/>
                 <a:ea typeface="Lato"/>
                 <a:cs typeface="Lato"/>
@@ -10791,18 +10922,15 @@
             </a:endParaRPr>
           </a:p>
           <a:p>
-            <a:pPr indent="0" lvl="0" marL="0" rtl="0" algn="l">
-              <a:spcBef>
-                <a:spcPts val="0"/>
-              </a:spcBef>
-              <a:spcAft>
-                <a:spcPts val="0"/>
-              </a:spcAft>
-              <a:buNone/>
-            </a:pPr>
-            <a:r>
-              <a:t/>
-            </a:r>
+            <a:pPr marL="0" lvl="0" indent="0" algn="l" rtl="0">
+              <a:spcBef>
+                <a:spcPts val="0"/>
+              </a:spcBef>
+              <a:spcAft>
+                <a:spcPts val="0"/>
+              </a:spcAft>
+              <a:buNone/>
+            </a:pPr>
             <a:endParaRPr i="1">
               <a:latin typeface="Lato"/>
               <a:ea typeface="Lato"/>
@@ -10811,7 +10939,7 @@
             </a:endParaRPr>
           </a:p>
           <a:p>
-            <a:pPr indent="0" lvl="0" marL="0" rtl="0" algn="l">
+            <a:pPr marL="0" lvl="0" indent="0" algn="l" rtl="0">
               <a:spcBef>
                 <a:spcPts val="0"/>
               </a:spcBef>
@@ -10821,7 +10949,7 @@
               <a:buNone/>
             </a:pPr>
             <a:r>
-              <a:rPr i="1" lang="en">
+              <a:rPr lang="en" i="1">
                 <a:latin typeface="Lato"/>
                 <a:ea typeface="Lato"/>
                 <a:cs typeface="Lato"/>
@@ -10837,7 +10965,7 @@
             </a:endParaRPr>
           </a:p>
           <a:p>
-            <a:pPr indent="0" lvl="0" marL="0" rtl="0" algn="l">
+            <a:pPr marL="0" lvl="0" indent="0" algn="l" rtl="0">
               <a:spcBef>
                 <a:spcPts val="0"/>
               </a:spcBef>
@@ -10847,7 +10975,7 @@
               <a:buNone/>
             </a:pPr>
             <a:r>
-              <a:rPr i="1" lang="en">
+              <a:rPr lang="en" i="1">
                 <a:latin typeface="Lato"/>
                 <a:ea typeface="Lato"/>
                 <a:cs typeface="Lato"/>
@@ -10863,7 +10991,7 @@
             </a:endParaRPr>
           </a:p>
           <a:p>
-            <a:pPr indent="0" lvl="0" marL="0" rtl="0" algn="l">
+            <a:pPr marL="0" lvl="0" indent="0" algn="l" rtl="0">
               <a:spcBef>
                 <a:spcPts val="0"/>
               </a:spcBef>
@@ -10873,7 +11001,7 @@
               <a:buNone/>
             </a:pPr>
             <a:r>
-              <a:rPr i="1" lang="en">
+              <a:rPr lang="en" i="1">
                 <a:latin typeface="Lato"/>
                 <a:ea typeface="Lato"/>
                 <a:cs typeface="Lato"/>
@@ -10889,7 +11017,7 @@
             </a:endParaRPr>
           </a:p>
           <a:p>
-            <a:pPr indent="0" lvl="0" marL="0" rtl="0" algn="l">
+            <a:pPr marL="0" lvl="0" indent="0" algn="l" rtl="0">
               <a:spcBef>
                 <a:spcPts val="0"/>
               </a:spcBef>
@@ -10899,7 +11027,7 @@
               <a:buNone/>
             </a:pPr>
             <a:r>
-              <a:rPr i="1" lang="en">
+              <a:rPr lang="en" i="1">
                 <a:latin typeface="Lato"/>
                 <a:ea typeface="Lato"/>
                 <a:cs typeface="Lato"/>
@@ -10915,18 +11043,15 @@
             </a:endParaRPr>
           </a:p>
           <a:p>
-            <a:pPr indent="0" lvl="0" marL="0" rtl="0" algn="l">
-              <a:spcBef>
-                <a:spcPts val="0"/>
-              </a:spcBef>
-              <a:spcAft>
-                <a:spcPts val="0"/>
-              </a:spcAft>
-              <a:buNone/>
-            </a:pPr>
-            <a:r>
-              <a:t/>
-            </a:r>
+            <a:pPr marL="0" lvl="0" indent="0" algn="l" rtl="0">
+              <a:spcBef>
+                <a:spcPts val="0"/>
+              </a:spcBef>
+              <a:spcAft>
+                <a:spcPts val="0"/>
+              </a:spcAft>
+              <a:buNone/>
+            </a:pPr>
             <a:endParaRPr i="1">
               <a:latin typeface="Lato"/>
               <a:ea typeface="Lato"/>
@@ -10935,18 +11060,15 @@
             </a:endParaRPr>
           </a:p>
           <a:p>
-            <a:pPr indent="0" lvl="0" marL="0" rtl="0" algn="l">
-              <a:spcBef>
-                <a:spcPts val="0"/>
-              </a:spcBef>
-              <a:spcAft>
-                <a:spcPts val="0"/>
-              </a:spcAft>
-              <a:buNone/>
-            </a:pPr>
-            <a:r>
-              <a:t/>
-            </a:r>
+            <a:pPr marL="0" lvl="0" indent="0" algn="l" rtl="0">
+              <a:spcBef>
+                <a:spcPts val="0"/>
+              </a:spcBef>
+              <a:spcAft>
+                <a:spcPts val="0"/>
+              </a:spcAft>
+              <a:buNone/>
+            </a:pPr>
             <a:endParaRPr>
               <a:latin typeface="Lato"/>
               <a:ea typeface="Lato"/>
@@ -10965,11 +11087,11 @@
 </file>
 
 <file path=ppt/slides/slide5.xml><?xml version="1.0" encoding="utf-8"?>
-<p:sld xmlns:a="http://schemas.openxmlformats.org/drawingml/2006/main" xmlns:r="http://schemas.openxmlformats.org/officeDocument/2006/relationships" xmlns:mc="http://schemas.openxmlformats.org/markup-compatibility/2006" xmlns:mv="urn:schemas-microsoft-com:mac:vml" xmlns:p="http://schemas.openxmlformats.org/presentationml/2006/main" xmlns:c="http://schemas.openxmlformats.org/drawingml/2006/chart" xmlns:dgm="http://schemas.openxmlformats.org/drawingml/2006/diagram" xmlns:o="urn:schemas-microsoft-com:office:office" xmlns:v="urn:schemas-microsoft-com:vml" xmlns:pvml="urn:schemas-microsoft-com:office:powerpoint" xmlns:com="http://schemas.openxmlformats.org/drawingml/2006/compatibility" xmlns:p14="http://schemas.microsoft.com/office/powerpoint/2010/main" xmlns:p15="http://schemas.microsoft.com/office/powerpoint/2012/main" xmlns:ahyp="http://schemas.microsoft.com/office/drawing/2018/hyperlinkcolor">
+<p:sld xmlns:a="http://schemas.openxmlformats.org/drawingml/2006/main" xmlns:r="http://schemas.openxmlformats.org/officeDocument/2006/relationships" xmlns:p="http://schemas.openxmlformats.org/presentationml/2006/main">
   <p:cSld>
     <p:spTree>
       <p:nvGrpSpPr>
-        <p:cNvPr id="87" name="Shape 87"/>
+        <p:cNvPr id="1" name="Shape 87"/>
         <p:cNvGrpSpPr/>
         <p:nvPr/>
       </p:nvGrpSpPr>
@@ -10984,7 +11106,9 @@
       <p:sp>
         <p:nvSpPr>
           <p:cNvPr id="88" name="Google Shape;88;p17"/>
-          <p:cNvSpPr txBox="1"/>
+          <p:cNvSpPr txBox="1">
+            <a:spLocks noGrp="1"/>
+          </p:cNvSpPr>
           <p:nvPr>
             <p:ph type="title"/>
           </p:nvPr>
@@ -10999,12 +11123,12 @@
           </a:prstGeom>
         </p:spPr>
         <p:txBody>
-          <a:bodyPr anchorCtr="0" anchor="t" bIns="91425" lIns="91425" spcFirstLastPara="1" rIns="91425" wrap="square" tIns="91425">
+          <a:bodyPr spcFirstLastPara="1" wrap="square" lIns="91425" tIns="91425" rIns="91425" bIns="91425" anchor="t" anchorCtr="0">
             <a:normAutofit fontScale="90000"/>
           </a:bodyPr>
           <a:lstStyle/>
           <a:p>
-            <a:pPr indent="0" lvl="0" marL="0" rtl="0" algn="l">
+            <a:pPr marL="0" lvl="0" indent="0" algn="l" rtl="0">
               <a:spcBef>
                 <a:spcPts val="0"/>
               </a:spcBef>
@@ -11024,9 +11148,11 @@
       <p:sp>
         <p:nvSpPr>
           <p:cNvPr id="89" name="Google Shape;89;p17"/>
-          <p:cNvSpPr txBox="1"/>
+          <p:cNvSpPr txBox="1">
+            <a:spLocks noGrp="1"/>
+          </p:cNvSpPr>
           <p:nvPr>
-            <p:ph idx="1" type="body"/>
+            <p:ph type="body" idx="1"/>
           </p:nvPr>
         </p:nvSpPr>
         <p:spPr>
@@ -11039,12 +11165,12 @@
           </a:prstGeom>
         </p:spPr>
         <p:txBody>
-          <a:bodyPr anchorCtr="0" anchor="t" bIns="91425" lIns="91425" spcFirstLastPara="1" rIns="91425" wrap="square" tIns="91425">
+          <a:bodyPr spcFirstLastPara="1" wrap="square" lIns="91425" tIns="91425" rIns="91425" bIns="91425" anchor="t" anchorCtr="0">
             <a:normAutofit/>
           </a:bodyPr>
           <a:lstStyle/>
           <a:p>
-            <a:pPr indent="0" lvl="0" marL="0" rtl="0" algn="l">
+            <a:pPr marL="0" lvl="0" indent="0" algn="l" rtl="0">
               <a:spcBef>
                 <a:spcPts val="0"/>
               </a:spcBef>
@@ -11068,7 +11194,7 @@
             </a:endParaRPr>
           </a:p>
           <a:p>
-            <a:pPr indent="-317500" lvl="0" marL="457200" rtl="0" algn="l">
+            <a:pPr marL="457200" lvl="0" indent="-317500" algn="l" rtl="0">
               <a:spcBef>
                 <a:spcPts val="1200"/>
               </a:spcBef>
@@ -11096,7 +11222,7 @@
             </a:endParaRPr>
           </a:p>
           <a:p>
-            <a:pPr indent="-317500" lvl="0" marL="457200" rtl="0" algn="l">
+            <a:pPr marL="457200" lvl="0" indent="-317500" algn="l" rtl="0">
               <a:spcBef>
                 <a:spcPts val="0"/>
               </a:spcBef>
@@ -11124,7 +11250,7 @@
             </a:endParaRPr>
           </a:p>
           <a:p>
-            <a:pPr indent="-317500" lvl="1" marL="914400" rtl="0" algn="l">
+            <a:pPr marL="914400" lvl="1" indent="-317500" algn="l" rtl="0">
               <a:spcBef>
                 <a:spcPts val="0"/>
               </a:spcBef>
@@ -11152,7 +11278,7 @@
             </a:endParaRPr>
           </a:p>
           <a:p>
-            <a:pPr indent="-317500" lvl="2" marL="1371600" rtl="0" algn="l">
+            <a:pPr marL="1371600" lvl="2" indent="-317500" algn="l" rtl="0">
               <a:spcBef>
                 <a:spcPts val="0"/>
               </a:spcBef>
@@ -11180,7 +11306,7 @@
             </a:endParaRPr>
           </a:p>
           <a:p>
-            <a:pPr indent="-317500" lvl="2" marL="1371600" rtl="0" algn="l">
+            <a:pPr marL="1371600" lvl="2" indent="-317500" algn="l" rtl="0">
               <a:spcBef>
                 <a:spcPts val="0"/>
               </a:spcBef>
@@ -11208,7 +11334,7 @@
             </a:endParaRPr>
           </a:p>
           <a:p>
-            <a:pPr indent="-317500" lvl="1" marL="914400" rtl="0" algn="l">
+            <a:pPr marL="914400" lvl="1" indent="-317500" algn="l" rtl="0">
               <a:spcBef>
                 <a:spcPts val="0"/>
               </a:spcBef>
@@ -11236,7 +11362,7 @@
             </a:endParaRPr>
           </a:p>
           <a:p>
-            <a:pPr indent="0" lvl="0" marL="0" rtl="0" algn="l">
+            <a:pPr marL="0" lvl="0" indent="0" algn="l" rtl="0">
               <a:spcBef>
                 <a:spcPts val="1200"/>
               </a:spcBef>
@@ -11245,9 +11371,6 @@
               </a:spcAft>
               <a:buNone/>
             </a:pPr>
-            <a:r>
-              <a:t/>
-            </a:r>
             <a:endParaRPr sz="1400">
               <a:solidFill>
                 <a:srgbClr val="000000"/>
@@ -11255,7 +11378,7 @@
             </a:endParaRPr>
           </a:p>
           <a:p>
-            <a:pPr indent="-342900" lvl="0" marL="914400" rtl="0" algn="l">
+            <a:pPr marL="914400" lvl="0" indent="-342900" algn="l" rtl="0">
               <a:spcBef>
                 <a:spcPts val="1200"/>
               </a:spcBef>
@@ -11283,7 +11406,7 @@
             </a:endParaRPr>
           </a:p>
           <a:p>
-            <a:pPr indent="0" lvl="0" marL="0" rtl="0" algn="l">
+            <a:pPr marL="0" lvl="0" indent="0" algn="l" rtl="0">
               <a:spcBef>
                 <a:spcPts val="1200"/>
               </a:spcBef>
@@ -11292,9 +11415,6 @@
               </a:spcAft>
               <a:buNone/>
             </a:pPr>
-            <a:r>
-              <a:t/>
-            </a:r>
             <a:endParaRPr>
               <a:solidFill>
                 <a:srgbClr val="000000"/>
@@ -11340,11 +11460,11 @@
 </file>
 
 <file path=ppt/slides/slide6.xml><?xml version="1.0" encoding="utf-8"?>
-<p:sld xmlns:a="http://schemas.openxmlformats.org/drawingml/2006/main" xmlns:r="http://schemas.openxmlformats.org/officeDocument/2006/relationships" xmlns:mc="http://schemas.openxmlformats.org/markup-compatibility/2006" xmlns:mv="urn:schemas-microsoft-com:mac:vml" xmlns:p="http://schemas.openxmlformats.org/presentationml/2006/main" xmlns:c="http://schemas.openxmlformats.org/drawingml/2006/chart" xmlns:dgm="http://schemas.openxmlformats.org/drawingml/2006/diagram" xmlns:o="urn:schemas-microsoft-com:office:office" xmlns:v="urn:schemas-microsoft-com:vml" xmlns:pvml="urn:schemas-microsoft-com:office:powerpoint" xmlns:com="http://schemas.openxmlformats.org/drawingml/2006/compatibility" xmlns:p14="http://schemas.microsoft.com/office/powerpoint/2010/main" xmlns:p15="http://schemas.microsoft.com/office/powerpoint/2012/main" xmlns:ahyp="http://schemas.microsoft.com/office/drawing/2018/hyperlinkcolor">
+<p:sld xmlns:a="http://schemas.openxmlformats.org/drawingml/2006/main" xmlns:r="http://schemas.openxmlformats.org/officeDocument/2006/relationships" xmlns:p="http://schemas.openxmlformats.org/presentationml/2006/main">
   <p:cSld>
     <p:spTree>
       <p:nvGrpSpPr>
-        <p:cNvPr id="94" name="Shape 94"/>
+        <p:cNvPr id="1" name="Shape 94"/>
         <p:cNvGrpSpPr/>
         <p:nvPr/>
       </p:nvGrpSpPr>
@@ -11359,7 +11479,9 @@
       <p:sp>
         <p:nvSpPr>
           <p:cNvPr id="95" name="Google Shape;95;p18"/>
-          <p:cNvSpPr txBox="1"/>
+          <p:cNvSpPr txBox="1">
+            <a:spLocks noGrp="1"/>
+          </p:cNvSpPr>
           <p:nvPr>
             <p:ph type="title"/>
           </p:nvPr>
@@ -11374,12 +11496,12 @@
           </a:prstGeom>
         </p:spPr>
         <p:txBody>
-          <a:bodyPr anchorCtr="0" anchor="t" bIns="91425" lIns="91425" spcFirstLastPara="1" rIns="91425" wrap="square" tIns="91425">
+          <a:bodyPr spcFirstLastPara="1" wrap="square" lIns="91425" tIns="91425" rIns="91425" bIns="91425" anchor="t" anchorCtr="0">
             <a:normAutofit fontScale="90000"/>
           </a:bodyPr>
           <a:lstStyle/>
           <a:p>
-            <a:pPr indent="0" lvl="0" marL="0" rtl="0" algn="l">
+            <a:pPr marL="0" lvl="0" indent="0" algn="l" rtl="0">
               <a:spcBef>
                 <a:spcPts val="0"/>
               </a:spcBef>
@@ -11399,9 +11521,11 @@
       <p:sp>
         <p:nvSpPr>
           <p:cNvPr id="96" name="Google Shape;96;p18"/>
-          <p:cNvSpPr txBox="1"/>
+          <p:cNvSpPr txBox="1">
+            <a:spLocks noGrp="1"/>
+          </p:cNvSpPr>
           <p:nvPr>
-            <p:ph idx="1" type="body"/>
+            <p:ph type="body" idx="1"/>
           </p:nvPr>
         </p:nvSpPr>
         <p:spPr>
@@ -11414,12 +11538,12 @@
           </a:prstGeom>
         </p:spPr>
         <p:txBody>
-          <a:bodyPr anchorCtr="0" anchor="t" bIns="91425" lIns="91425" spcFirstLastPara="1" rIns="91425" wrap="square" tIns="91425">
+          <a:bodyPr spcFirstLastPara="1" wrap="square" lIns="91425" tIns="91425" rIns="91425" bIns="91425" anchor="t" anchorCtr="0">
             <a:normAutofit/>
           </a:bodyPr>
           <a:lstStyle/>
           <a:p>
-            <a:pPr indent="-307022" lvl="0" marL="457200" rtl="0" algn="l">
+            <a:pPr marL="457200" lvl="0" indent="-307022" algn="l" rtl="0">
               <a:spcBef>
                 <a:spcPts val="0"/>
               </a:spcBef>
@@ -11456,7 +11580,7 @@
             </a:endParaRPr>
           </a:p>
           <a:p>
-            <a:pPr indent="0" lvl="0" marL="457200" rtl="0" algn="l">
+            <a:pPr marL="457200" lvl="0" indent="0" algn="l" rtl="0">
               <a:spcBef>
                 <a:spcPts val="1200"/>
               </a:spcBef>
@@ -11488,7 +11612,7 @@
             </a:endParaRPr>
           </a:p>
           <a:p>
-            <a:pPr indent="0" lvl="0" marL="457200" rtl="0" algn="l">
+            <a:pPr marL="457200" lvl="0" indent="0" algn="l" rtl="0">
               <a:spcBef>
                 <a:spcPts val="1200"/>
               </a:spcBef>
@@ -11497,9 +11621,6 @@
               </a:spcAft>
               <a:buNone/>
             </a:pPr>
-            <a:r>
-              <a:t/>
-            </a:r>
             <a:endParaRPr sz="1235">
               <a:solidFill>
                 <a:srgbClr val="000000"/>
@@ -11549,11 +11670,11 @@
 </file>
 
 <file path=ppt/slides/slide7.xml><?xml version="1.0" encoding="utf-8"?>
-<p:sld xmlns:a="http://schemas.openxmlformats.org/drawingml/2006/main" xmlns:r="http://schemas.openxmlformats.org/officeDocument/2006/relationships" xmlns:mc="http://schemas.openxmlformats.org/markup-compatibility/2006" xmlns:mv="urn:schemas-microsoft-com:mac:vml" xmlns:p="http://schemas.openxmlformats.org/presentationml/2006/main" xmlns:c="http://schemas.openxmlformats.org/drawingml/2006/chart" xmlns:dgm="http://schemas.openxmlformats.org/drawingml/2006/diagram" xmlns:o="urn:schemas-microsoft-com:office:office" xmlns:v="urn:schemas-microsoft-com:vml" xmlns:pvml="urn:schemas-microsoft-com:office:powerpoint" xmlns:com="http://schemas.openxmlformats.org/drawingml/2006/compatibility" xmlns:p14="http://schemas.microsoft.com/office/powerpoint/2010/main" xmlns:p15="http://schemas.microsoft.com/office/powerpoint/2012/main" xmlns:ahyp="http://schemas.microsoft.com/office/drawing/2018/hyperlinkcolor">
+<p:sld xmlns:a="http://schemas.openxmlformats.org/drawingml/2006/main" xmlns:r="http://schemas.openxmlformats.org/officeDocument/2006/relationships" xmlns:p="http://schemas.openxmlformats.org/presentationml/2006/main">
   <p:cSld>
     <p:spTree>
       <p:nvGrpSpPr>
-        <p:cNvPr id="101" name="Shape 101"/>
+        <p:cNvPr id="1" name="Shape 101"/>
         <p:cNvGrpSpPr/>
         <p:nvPr/>
       </p:nvGrpSpPr>
@@ -11568,7 +11689,9 @@
       <p:sp>
         <p:nvSpPr>
           <p:cNvPr id="102" name="Google Shape;102;p19"/>
-          <p:cNvSpPr txBox="1"/>
+          <p:cNvSpPr txBox="1">
+            <a:spLocks noGrp="1"/>
+          </p:cNvSpPr>
           <p:nvPr>
             <p:ph type="title"/>
           </p:nvPr>
@@ -11583,12 +11706,12 @@
           </a:prstGeom>
         </p:spPr>
         <p:txBody>
-          <a:bodyPr anchorCtr="0" anchor="t" bIns="91425" lIns="91425" spcFirstLastPara="1" rIns="91425" wrap="square" tIns="91425">
+          <a:bodyPr spcFirstLastPara="1" wrap="square" lIns="91425" tIns="91425" rIns="91425" bIns="91425" anchor="t" anchorCtr="0">
             <a:normAutofit fontScale="90000"/>
           </a:bodyPr>
           <a:lstStyle/>
           <a:p>
-            <a:pPr indent="0" lvl="0" marL="0" rtl="0" algn="l">
+            <a:pPr marL="0" lvl="0" indent="0" algn="l" rtl="0">
               <a:spcBef>
                 <a:spcPts val="0"/>
               </a:spcBef>
@@ -11608,9 +11731,11 @@
       <p:sp>
         <p:nvSpPr>
           <p:cNvPr id="103" name="Google Shape;103;p19"/>
-          <p:cNvSpPr txBox="1"/>
+          <p:cNvSpPr txBox="1">
+            <a:spLocks noGrp="1"/>
+          </p:cNvSpPr>
           <p:nvPr>
-            <p:ph idx="1" type="body"/>
+            <p:ph type="body" idx="1"/>
           </p:nvPr>
         </p:nvSpPr>
         <p:spPr>
@@ -11623,12 +11748,12 @@
           </a:prstGeom>
         </p:spPr>
         <p:txBody>
-          <a:bodyPr anchorCtr="0" anchor="t" bIns="91425" lIns="91425" spcFirstLastPara="1" rIns="91425" wrap="square" tIns="91425">
+          <a:bodyPr spcFirstLastPara="1" wrap="square" lIns="91425" tIns="91425" rIns="91425" bIns="91425" anchor="t" anchorCtr="0">
             <a:normAutofit/>
           </a:bodyPr>
           <a:lstStyle/>
           <a:p>
-            <a:pPr indent="-298450" lvl="0" marL="457200" rtl="0" algn="l">
+            <a:pPr marL="457200" lvl="0" indent="-298450" algn="l" rtl="0">
               <a:spcBef>
                 <a:spcPts val="0"/>
               </a:spcBef>
@@ -11665,7 +11790,7 @@
             </a:endParaRPr>
           </a:p>
           <a:p>
-            <a:pPr indent="0" lvl="0" marL="457200" rtl="0" algn="l">
+            <a:pPr marL="457200" lvl="0" indent="0" algn="l" rtl="0">
               <a:spcBef>
                 <a:spcPts val="0"/>
               </a:spcBef>
@@ -11697,7 +11822,7 @@
             </a:endParaRPr>
           </a:p>
           <a:p>
-            <a:pPr indent="0" lvl="0" marL="457200" rtl="0" algn="l">
+            <a:pPr marL="457200" lvl="0" indent="0" algn="l" rtl="0">
               <a:spcBef>
                 <a:spcPts val="0"/>
               </a:spcBef>
@@ -11729,7 +11854,7 @@
             </a:endParaRPr>
           </a:p>
           <a:p>
-            <a:pPr indent="0" lvl="0" marL="457200" rtl="0" algn="l">
+            <a:pPr marL="457200" lvl="0" indent="0" algn="l" rtl="0">
               <a:spcBef>
                 <a:spcPts val="0"/>
               </a:spcBef>
@@ -11761,7 +11886,7 @@
             </a:endParaRPr>
           </a:p>
           <a:p>
-            <a:pPr indent="0" lvl="0" marL="457200" rtl="0" algn="l">
+            <a:pPr marL="457200" lvl="0" indent="0" algn="l" rtl="0">
               <a:spcBef>
                 <a:spcPts val="0"/>
               </a:spcBef>
@@ -11793,7 +11918,7 @@
             </a:endParaRPr>
           </a:p>
           <a:p>
-            <a:pPr indent="0" lvl="0" marL="457200" rtl="0" algn="l">
+            <a:pPr marL="457200" lvl="0" indent="0" algn="l" rtl="0">
               <a:spcBef>
                 <a:spcPts val="0"/>
               </a:spcBef>
@@ -11825,18 +11950,15 @@
             </a:endParaRPr>
           </a:p>
           <a:p>
-            <a:pPr indent="0" lvl="0" marL="457200" rtl="0" algn="l">
-              <a:spcBef>
-                <a:spcPts val="0"/>
-              </a:spcBef>
-              <a:spcAft>
-                <a:spcPts val="0"/>
-              </a:spcAft>
-              <a:buNone/>
-            </a:pPr>
-            <a:r>
-              <a:t/>
-            </a:r>
+            <a:pPr marL="457200" lvl="0" indent="0" algn="l" rtl="0">
+              <a:spcBef>
+                <a:spcPts val="0"/>
+              </a:spcBef>
+              <a:spcAft>
+                <a:spcPts val="0"/>
+              </a:spcAft>
+              <a:buNone/>
+            </a:pPr>
             <a:endParaRPr sz="1000">
               <a:solidFill>
                 <a:srgbClr val="24292E"/>
@@ -11848,7 +11970,7 @@
             </a:endParaRPr>
           </a:p>
           <a:p>
-            <a:pPr indent="-307022" lvl="0" marL="457200" rtl="0" algn="l">
+            <a:pPr marL="457200" lvl="0" indent="-307022" algn="l" rtl="0">
               <a:spcBef>
                 <a:spcPts val="0"/>
               </a:spcBef>
@@ -11885,7 +12007,7 @@
             </a:endParaRPr>
           </a:p>
           <a:p>
-            <a:pPr indent="-307022" lvl="0" marL="457200" rtl="0" algn="l">
+            <a:pPr marL="457200" lvl="0" indent="-307022" algn="l" rtl="0">
               <a:spcBef>
                 <a:spcPts val="0"/>
               </a:spcBef>
@@ -11922,7 +12044,7 @@
             </a:endParaRPr>
           </a:p>
           <a:p>
-            <a:pPr indent="-307022" lvl="0" marL="457200" rtl="0" algn="l">
+            <a:pPr marL="457200" lvl="0" indent="-307022" algn="l" rtl="0">
               <a:spcBef>
                 <a:spcPts val="0"/>
               </a:spcBef>
@@ -11971,7 +12093,7 @@
             </a:endParaRPr>
           </a:p>
           <a:p>
-            <a:pPr indent="0" lvl="0" marL="0" rtl="0" algn="l">
+            <a:pPr marL="0" lvl="0" indent="0" algn="l" rtl="0">
               <a:spcBef>
                 <a:spcPts val="0"/>
               </a:spcBef>
@@ -12003,7 +12125,7 @@
             </a:endParaRPr>
           </a:p>
           <a:p>
-            <a:pPr indent="0" lvl="0" marL="0" rtl="0" algn="l">
+            <a:pPr marL="0" lvl="0" indent="0" algn="l" rtl="0">
               <a:spcBef>
                 <a:spcPts val="0"/>
               </a:spcBef>
@@ -12035,18 +12157,15 @@
             </a:endParaRPr>
           </a:p>
           <a:p>
-            <a:pPr indent="0" lvl="0" marL="0" rtl="0" algn="l">
-              <a:spcBef>
-                <a:spcPts val="0"/>
-              </a:spcBef>
-              <a:spcAft>
-                <a:spcPts val="0"/>
-              </a:spcAft>
-              <a:buNone/>
-            </a:pPr>
-            <a:r>
-              <a:t/>
-            </a:r>
+            <a:pPr marL="0" lvl="0" indent="0" algn="l" rtl="0">
+              <a:spcBef>
+                <a:spcPts val="0"/>
+              </a:spcBef>
+              <a:spcAft>
+                <a:spcPts val="0"/>
+              </a:spcAft>
+              <a:buNone/>
+            </a:pPr>
             <a:endParaRPr sz="1000">
               <a:solidFill>
                 <a:srgbClr val="24292E"/>
@@ -12058,7 +12177,7 @@
             </a:endParaRPr>
           </a:p>
           <a:p>
-            <a:pPr indent="0" lvl="0" marL="0" rtl="0" algn="l">
+            <a:pPr marL="0" lvl="0" indent="0" algn="l" rtl="0">
               <a:spcBef>
                 <a:spcPts val="0"/>
               </a:spcBef>
@@ -12067,9 +12186,6 @@
               </a:spcAft>
               <a:buNone/>
             </a:pPr>
-            <a:r>
-              <a:t/>
-            </a:r>
             <a:endParaRPr sz="1235">
               <a:solidFill>
                 <a:srgbClr val="000000"/>
@@ -12102,23 +12218,20 @@
           </a:ln>
         </p:spPr>
         <p:txBody>
-          <a:bodyPr anchorCtr="0" anchor="t" bIns="91425" lIns="91425" spcFirstLastPara="1" rIns="91425" wrap="square" tIns="91425">
+          <a:bodyPr spcFirstLastPara="1" wrap="square" lIns="91425" tIns="91425" rIns="91425" bIns="91425" anchor="t" anchorCtr="0">
             <a:spAutoFit/>
           </a:bodyPr>
           <a:lstStyle/>
           <a:p>
-            <a:pPr indent="0" lvl="0" marL="0" rtl="0" algn="l">
-              <a:spcBef>
-                <a:spcPts val="0"/>
-              </a:spcBef>
-              <a:spcAft>
-                <a:spcPts val="0"/>
-              </a:spcAft>
-              <a:buNone/>
-            </a:pPr>
-            <a:r>
-              <a:t/>
-            </a:r>
+            <a:pPr marL="0" lvl="0" indent="0" algn="l" rtl="0">
+              <a:spcBef>
+                <a:spcPts val="0"/>
+              </a:spcBef>
+              <a:spcAft>
+                <a:spcPts val="0"/>
+              </a:spcAft>
+              <a:buNone/>
+            </a:pPr>
             <a:endParaRPr>
               <a:latin typeface="Lato"/>
               <a:ea typeface="Lato"/>
@@ -12137,11 +12250,11 @@
 </file>
 
 <file path=ppt/slides/slide8.xml><?xml version="1.0" encoding="utf-8"?>
-<p:sld xmlns:a="http://schemas.openxmlformats.org/drawingml/2006/main" xmlns:r="http://schemas.openxmlformats.org/officeDocument/2006/relationships" xmlns:mc="http://schemas.openxmlformats.org/markup-compatibility/2006" xmlns:mv="urn:schemas-microsoft-com:mac:vml" xmlns:p="http://schemas.openxmlformats.org/presentationml/2006/main" xmlns:c="http://schemas.openxmlformats.org/drawingml/2006/chart" xmlns:dgm="http://schemas.openxmlformats.org/drawingml/2006/diagram" xmlns:o="urn:schemas-microsoft-com:office:office" xmlns:v="urn:schemas-microsoft-com:vml" xmlns:pvml="urn:schemas-microsoft-com:office:powerpoint" xmlns:com="http://schemas.openxmlformats.org/drawingml/2006/compatibility" xmlns:p14="http://schemas.microsoft.com/office/powerpoint/2010/main" xmlns:p15="http://schemas.microsoft.com/office/powerpoint/2012/main" xmlns:ahyp="http://schemas.microsoft.com/office/drawing/2018/hyperlinkcolor">
+<p:sld xmlns:a="http://schemas.openxmlformats.org/drawingml/2006/main" xmlns:r="http://schemas.openxmlformats.org/officeDocument/2006/relationships" xmlns:p="http://schemas.openxmlformats.org/presentationml/2006/main">
   <p:cSld>
     <p:spTree>
       <p:nvGrpSpPr>
-        <p:cNvPr id="108" name="Shape 108"/>
+        <p:cNvPr id="1" name="Shape 108"/>
         <p:cNvGrpSpPr/>
         <p:nvPr/>
       </p:nvGrpSpPr>
@@ -12156,7 +12269,9 @@
       <p:sp>
         <p:nvSpPr>
           <p:cNvPr id="109" name="Google Shape;109;p20"/>
-          <p:cNvSpPr txBox="1"/>
+          <p:cNvSpPr txBox="1">
+            <a:spLocks noGrp="1"/>
+          </p:cNvSpPr>
           <p:nvPr>
             <p:ph type="title"/>
           </p:nvPr>
@@ -12171,12 +12286,12 @@
           </a:prstGeom>
         </p:spPr>
         <p:txBody>
-          <a:bodyPr anchorCtr="0" anchor="t" bIns="91425" lIns="91425" spcFirstLastPara="1" rIns="91425" wrap="square" tIns="91425">
+          <a:bodyPr spcFirstLastPara="1" wrap="square" lIns="91425" tIns="91425" rIns="91425" bIns="91425" anchor="t" anchorCtr="0">
             <a:normAutofit fontScale="90000"/>
           </a:bodyPr>
           <a:lstStyle/>
           <a:p>
-            <a:pPr indent="0" lvl="0" marL="0" rtl="0" algn="l">
+            <a:pPr marL="0" lvl="0" indent="0" algn="l" rtl="0">
               <a:spcBef>
                 <a:spcPts val="0"/>
               </a:spcBef>
@@ -12196,9 +12311,11 @@
       <p:sp>
         <p:nvSpPr>
           <p:cNvPr id="110" name="Google Shape;110;p20"/>
-          <p:cNvSpPr txBox="1"/>
+          <p:cNvSpPr txBox="1">
+            <a:spLocks noGrp="1"/>
+          </p:cNvSpPr>
           <p:nvPr>
-            <p:ph idx="1" type="body"/>
+            <p:ph type="body" idx="1"/>
           </p:nvPr>
         </p:nvSpPr>
         <p:spPr>
@@ -12211,12 +12328,12 @@
           </a:prstGeom>
         </p:spPr>
         <p:txBody>
-          <a:bodyPr anchorCtr="0" anchor="t" bIns="91425" lIns="91425" spcFirstLastPara="1" rIns="91425" wrap="square" tIns="91425">
+          <a:bodyPr spcFirstLastPara="1" wrap="square" lIns="91425" tIns="91425" rIns="91425" bIns="91425" anchor="t" anchorCtr="0">
             <a:normAutofit/>
           </a:bodyPr>
           <a:lstStyle/>
           <a:p>
-            <a:pPr indent="-307022" lvl="0" marL="457200" rtl="0" algn="l">
+            <a:pPr marL="457200" lvl="0" indent="-307022" algn="l" rtl="0">
               <a:spcBef>
                 <a:spcPts val="0"/>
               </a:spcBef>
@@ -12311,11 +12428,11 @@
 </file>
 
 <file path=ppt/slides/slide9.xml><?xml version="1.0" encoding="utf-8"?>
-<p:sld xmlns:a="http://schemas.openxmlformats.org/drawingml/2006/main" xmlns:r="http://schemas.openxmlformats.org/officeDocument/2006/relationships" xmlns:mc="http://schemas.openxmlformats.org/markup-compatibility/2006" xmlns:mv="urn:schemas-microsoft-com:mac:vml" xmlns:p="http://schemas.openxmlformats.org/presentationml/2006/main" xmlns:c="http://schemas.openxmlformats.org/drawingml/2006/chart" xmlns:dgm="http://schemas.openxmlformats.org/drawingml/2006/diagram" xmlns:o="urn:schemas-microsoft-com:office:office" xmlns:v="urn:schemas-microsoft-com:vml" xmlns:pvml="urn:schemas-microsoft-com:office:powerpoint" xmlns:com="http://schemas.openxmlformats.org/drawingml/2006/compatibility" xmlns:p14="http://schemas.microsoft.com/office/powerpoint/2010/main" xmlns:p15="http://schemas.microsoft.com/office/powerpoint/2012/main" xmlns:ahyp="http://schemas.microsoft.com/office/drawing/2018/hyperlinkcolor">
+<p:sld xmlns:a="http://schemas.openxmlformats.org/drawingml/2006/main" xmlns:r="http://schemas.openxmlformats.org/officeDocument/2006/relationships" xmlns:p="http://schemas.openxmlformats.org/presentationml/2006/main">
   <p:cSld>
     <p:spTree>
       <p:nvGrpSpPr>
-        <p:cNvPr id="116" name="Shape 116"/>
+        <p:cNvPr id="1" name="Shape 116"/>
         <p:cNvGrpSpPr/>
         <p:nvPr/>
       </p:nvGrpSpPr>
@@ -12330,7 +12447,9 @@
       <p:sp>
         <p:nvSpPr>
           <p:cNvPr id="117" name="Google Shape;117;p21"/>
-          <p:cNvSpPr txBox="1"/>
+          <p:cNvSpPr txBox="1">
+            <a:spLocks noGrp="1"/>
+          </p:cNvSpPr>
           <p:nvPr>
             <p:ph type="title"/>
           </p:nvPr>
@@ -12345,12 +12464,12 @@
           </a:prstGeom>
         </p:spPr>
         <p:txBody>
-          <a:bodyPr anchorCtr="0" anchor="t" bIns="91425" lIns="91425" spcFirstLastPara="1" rIns="91425" wrap="square" tIns="91425">
+          <a:bodyPr spcFirstLastPara="1" wrap="square" lIns="91425" tIns="91425" rIns="91425" bIns="91425" anchor="t" anchorCtr="0">
             <a:normAutofit fontScale="90000"/>
           </a:bodyPr>
           <a:lstStyle/>
           <a:p>
-            <a:pPr indent="0" lvl="0" marL="0" rtl="0" algn="l">
+            <a:pPr marL="0" lvl="0" indent="0" algn="l" rtl="0">
               <a:spcBef>
                 <a:spcPts val="0"/>
               </a:spcBef>
@@ -12404,7 +12523,7 @@
 </file>
 
 <file path=ppt/theme/theme1.xml><?xml version="1.0" encoding="utf-8"?>
-<a:theme xmlns:a="http://schemas.openxmlformats.org/drawingml/2006/main" xmlns:r="http://schemas.openxmlformats.org/officeDocument/2006/relationships" name="Coral">
+<a:theme xmlns:a="http://schemas.openxmlformats.org/drawingml/2006/main" name="Coral">
   <a:themeElements>
     <a:clrScheme name="Coral">
       <a:dk1>
@@ -12679,11 +12798,13 @@
       </a:bgFillStyleLst>
     </a:fmtScheme>
   </a:themeElements>
+  <a:objectDefaults/>
+  <a:extraClrSchemeLst/>
 </a:theme>
 </file>
 
 <file path=ppt/theme/theme2.xml><?xml version="1.0" encoding="utf-8"?>
-<a:theme xmlns:a="http://schemas.openxmlformats.org/drawingml/2006/main" xmlns:r="http://schemas.openxmlformats.org/officeDocument/2006/relationships">
+<a:theme xmlns:a="http://schemas.openxmlformats.org/drawingml/2006/main">
   <a:themeElements>
     <a:clrScheme name="Default">
       <a:dk1>
@@ -12958,5 +13079,7 @@
       </a:bgFillStyleLst>
     </a:fmtScheme>
   </a:themeElements>
+  <a:objectDefaults/>
+  <a:extraClrSchemeLst/>
 </a:theme>
 </file>